--- a/Presentation/Speaker Modelling.pptx
+++ b/Presentation/Speaker Modelling.pptx
@@ -1,28 +1,443 @@
 
 <file path=ppt/presentation.xml><?xml version="1.0" encoding="utf-8"?>
-<p:presentation xmlns:a="http://schemas.openxmlformats.org/drawingml/2006/main" xmlns:p="http://schemas.openxmlformats.org/presentationml/2006/main" xmlns:r="http://schemas.openxmlformats.org/officeDocument/2006/relationships" xmlns:p14="http://schemas.microsoft.com/office/powerpoint/2010/main" xmlns:p15="http://schemas.microsoft.com/office/powerpoint/2012/main" xmlns:mc="http://schemas.openxmlformats.org/markup-compatibility/2006">
+<p:presentation xmlns:a="http://schemas.openxmlformats.org/drawingml/2006/main" xmlns:r="http://schemas.openxmlformats.org/officeDocument/2006/relationships" xmlns:p="http://schemas.openxmlformats.org/presentationml/2006/main">
   <p:sldMasterIdLst>
-    <p:sldMasterId id="2147483648" r:id="rId2"/>
-    <p:sldMasterId id="2147483661" r:id="rId3"/>
+    <p:sldMasterId id="2147483648" r:id="rId1"/>
+    <p:sldMasterId id="2147483661" r:id="rId2"/>
   </p:sldMasterIdLst>
   <p:notesMasterIdLst>
-    <p:notesMasterId r:id="rId4"/>
+    <p:notesMasterId r:id="rId9"/>
   </p:notesMasterIdLst>
   <p:sldIdLst>
-    <p:sldId id="256" r:id="rId5"/>
-    <p:sldId id="257" r:id="rId6"/>
-    <p:sldId id="258" r:id="rId7"/>
-    <p:sldId id="259" r:id="rId8"/>
-    <p:sldId id="260" r:id="rId9"/>
-    <p:sldId id="261" r:id="rId10"/>
+    <p:sldId id="256" r:id="rId3"/>
+    <p:sldId id="257" r:id="rId4"/>
+    <p:sldId id="258" r:id="rId5"/>
+    <p:sldId id="259" r:id="rId6"/>
+    <p:sldId id="260" r:id="rId7"/>
+    <p:sldId id="261" r:id="rId8"/>
   </p:sldIdLst>
   <p:sldSz cx="12192000" cy="6858000"/>
   <p:notesSz cx="6858000" cy="9144000"/>
+  <p:defaultTextStyle>
+    <a:defPPr>
+      <a:defRPr lang="da-DK"/>
+    </a:defPPr>
+    <a:lvl1pPr marL="0" algn="l" defTabSz="914400" rtl="0" eaLnBrk="1" latinLnBrk="0" hangingPunct="1">
+      <a:defRPr sz="1800" kern="1200">
+        <a:solidFill>
+          <a:schemeClr val="tx1"/>
+        </a:solidFill>
+        <a:latin typeface="+mn-lt"/>
+        <a:ea typeface="+mn-ea"/>
+        <a:cs typeface="+mn-cs"/>
+      </a:defRPr>
+    </a:lvl1pPr>
+    <a:lvl2pPr marL="457200" algn="l" defTabSz="914400" rtl="0" eaLnBrk="1" latinLnBrk="0" hangingPunct="1">
+      <a:defRPr sz="1800" kern="1200">
+        <a:solidFill>
+          <a:schemeClr val="tx1"/>
+        </a:solidFill>
+        <a:latin typeface="+mn-lt"/>
+        <a:ea typeface="+mn-ea"/>
+        <a:cs typeface="+mn-cs"/>
+      </a:defRPr>
+    </a:lvl2pPr>
+    <a:lvl3pPr marL="914400" algn="l" defTabSz="914400" rtl="0" eaLnBrk="1" latinLnBrk="0" hangingPunct="1">
+      <a:defRPr sz="1800" kern="1200">
+        <a:solidFill>
+          <a:schemeClr val="tx1"/>
+        </a:solidFill>
+        <a:latin typeface="+mn-lt"/>
+        <a:ea typeface="+mn-ea"/>
+        <a:cs typeface="+mn-cs"/>
+      </a:defRPr>
+    </a:lvl3pPr>
+    <a:lvl4pPr marL="1371600" algn="l" defTabSz="914400" rtl="0" eaLnBrk="1" latinLnBrk="0" hangingPunct="1">
+      <a:defRPr sz="1800" kern="1200">
+        <a:solidFill>
+          <a:schemeClr val="tx1"/>
+        </a:solidFill>
+        <a:latin typeface="+mn-lt"/>
+        <a:ea typeface="+mn-ea"/>
+        <a:cs typeface="+mn-cs"/>
+      </a:defRPr>
+    </a:lvl4pPr>
+    <a:lvl5pPr marL="1828800" algn="l" defTabSz="914400" rtl="0" eaLnBrk="1" latinLnBrk="0" hangingPunct="1">
+      <a:defRPr sz="1800" kern="1200">
+        <a:solidFill>
+          <a:schemeClr val="tx1"/>
+        </a:solidFill>
+        <a:latin typeface="+mn-lt"/>
+        <a:ea typeface="+mn-ea"/>
+        <a:cs typeface="+mn-cs"/>
+      </a:defRPr>
+    </a:lvl5pPr>
+    <a:lvl6pPr marL="2286000" algn="l" defTabSz="914400" rtl="0" eaLnBrk="1" latinLnBrk="0" hangingPunct="1">
+      <a:defRPr sz="1800" kern="1200">
+        <a:solidFill>
+          <a:schemeClr val="tx1"/>
+        </a:solidFill>
+        <a:latin typeface="+mn-lt"/>
+        <a:ea typeface="+mn-ea"/>
+        <a:cs typeface="+mn-cs"/>
+      </a:defRPr>
+    </a:lvl6pPr>
+    <a:lvl7pPr marL="2743200" algn="l" defTabSz="914400" rtl="0" eaLnBrk="1" latinLnBrk="0" hangingPunct="1">
+      <a:defRPr sz="1800" kern="1200">
+        <a:solidFill>
+          <a:schemeClr val="tx1"/>
+        </a:solidFill>
+        <a:latin typeface="+mn-lt"/>
+        <a:ea typeface="+mn-ea"/>
+        <a:cs typeface="+mn-cs"/>
+      </a:defRPr>
+    </a:lvl7pPr>
+    <a:lvl8pPr marL="3200400" algn="l" defTabSz="914400" rtl="0" eaLnBrk="1" latinLnBrk="0" hangingPunct="1">
+      <a:defRPr sz="1800" kern="1200">
+        <a:solidFill>
+          <a:schemeClr val="tx1"/>
+        </a:solidFill>
+        <a:latin typeface="+mn-lt"/>
+        <a:ea typeface="+mn-ea"/>
+        <a:cs typeface="+mn-cs"/>
+      </a:defRPr>
+    </a:lvl8pPr>
+    <a:lvl9pPr marL="3657600" algn="l" defTabSz="914400" rtl="0" eaLnBrk="1" latinLnBrk="0" hangingPunct="1">
+      <a:defRPr sz="1800" kern="1200">
+        <a:solidFill>
+          <a:schemeClr val="tx1"/>
+        </a:solidFill>
+        <a:latin typeface="+mn-lt"/>
+        <a:ea typeface="+mn-ea"/>
+        <a:cs typeface="+mn-cs"/>
+      </a:defRPr>
+    </a:lvl9pPr>
+  </p:defaultTextStyle>
 </p:presentation>
 </file>
 
 <file path=ppt/notesMasters/notesMaster1.xml><?xml version="1.0" encoding="utf-8"?>
-<p:notesMaster xmlns:a="http://schemas.openxmlformats.org/drawingml/2006/main" xmlns:p="http://schemas.openxmlformats.org/presentationml/2006/main" xmlns:r="http://schemas.openxmlformats.org/officeDocument/2006/relationships" xmlns:p14="http://schemas.microsoft.com/office/powerpoint/2010/main" xmlns:p15="http://schemas.microsoft.com/office/powerpoint/2012/main" xmlns:mc="http://schemas.openxmlformats.org/markup-compatibility/2006">
+<p:notesMaster xmlns:a="http://schemas.openxmlformats.org/drawingml/2006/main" xmlns:r="http://schemas.openxmlformats.org/officeDocument/2006/relationships" xmlns:p="http://schemas.openxmlformats.org/presentationml/2006/main">
+  <p:cSld>
+    <p:bg>
+      <p:bgRef idx="1001">
+        <a:schemeClr val="bg1"/>
+      </p:bgRef>
+    </p:bg>
+    <p:spTree>
+      <p:nvGrpSpPr>
+        <p:cNvPr id="1" name=""/>
+        <p:cNvGrpSpPr/>
+        <p:nvPr/>
+      </p:nvGrpSpPr>
+      <p:grpSpPr>
+        <a:xfrm>
+          <a:off x="0" y="0"/>
+          <a:ext cx="0" cy="0"/>
+          <a:chOff x="0" y="0"/>
+          <a:chExt cx="0" cy="0"/>
+        </a:xfrm>
+      </p:grpSpPr>
+      <p:sp>
+        <p:nvSpPr>
+          <p:cNvPr id="91" name="PlaceHolder 1"/>
+          <p:cNvSpPr>
+            <a:spLocks noGrp="1" noRot="1" noChangeAspect="1"/>
+          </p:cNvSpPr>
+          <p:nvPr>
+            <p:ph type="sldImg"/>
+          </p:nvPr>
+        </p:nvSpPr>
+        <p:spPr>
+          <a:xfrm>
+            <a:off x="533520" y="764280"/>
+            <a:ext cx="6704640" cy="3771360"/>
+          </a:xfrm>
+          <a:prstGeom prst="rect">
+            <a:avLst/>
+          </a:prstGeom>
+        </p:spPr>
+        <p:txBody>
+          <a:bodyPr lIns="0" tIns="0" rIns="0" bIns="0" anchor="ctr"/>
+          <a:lstStyle/>
+          <a:p>
+            <a:r>
+              <a:rPr lang="en-US" sz="1800" b="0" strike="noStrike" spc="-1">
+                <a:solidFill>
+                  <a:srgbClr val="000000"/>
+                </a:solidFill>
+                <a:latin typeface="Calibri"/>
+              </a:rPr>
+              <a:t>Click to move the slide</a:t>
+            </a:r>
+          </a:p>
+        </p:txBody>
+      </p:sp>
+      <p:sp>
+        <p:nvSpPr>
+          <p:cNvPr id="92" name="PlaceHolder 2"/>
+          <p:cNvSpPr>
+            <a:spLocks noGrp="1"/>
+          </p:cNvSpPr>
+          <p:nvPr>
+            <p:ph type="body"/>
+          </p:nvPr>
+        </p:nvSpPr>
+        <p:spPr>
+          <a:xfrm>
+            <a:off x="777240" y="4777560"/>
+            <a:ext cx="6217560" cy="4525920"/>
+          </a:xfrm>
+          <a:prstGeom prst="rect">
+            <a:avLst/>
+          </a:prstGeom>
+        </p:spPr>
+        <p:txBody>
+          <a:bodyPr lIns="0" tIns="0" rIns="0" bIns="0"/>
+          <a:lstStyle/>
+          <a:p>
+            <a:r>
+              <a:rPr lang="en" sz="2000" b="0" strike="noStrike" spc="-1">
+                <a:latin typeface="Arial"/>
+              </a:rPr>
+              <a:t>Click to edit the notes format</a:t>
+            </a:r>
+          </a:p>
+        </p:txBody>
+      </p:sp>
+      <p:sp>
+        <p:nvSpPr>
+          <p:cNvPr id="93" name="PlaceHolder 3"/>
+          <p:cNvSpPr>
+            <a:spLocks noGrp="1"/>
+          </p:cNvSpPr>
+          <p:nvPr>
+            <p:ph type="hdr"/>
+          </p:nvPr>
+        </p:nvSpPr>
+        <p:spPr>
+          <a:xfrm>
+            <a:off x="0" y="0"/>
+            <a:ext cx="3372840" cy="502560"/>
+          </a:xfrm>
+          <a:prstGeom prst="rect">
+            <a:avLst/>
+          </a:prstGeom>
+        </p:spPr>
+        <p:txBody>
+          <a:bodyPr lIns="0" tIns="0" rIns="0" bIns="0"/>
+          <a:lstStyle/>
+          <a:p>
+            <a:r>
+              <a:rPr lang="en" sz="1400" b="0" strike="noStrike" spc="-1">
+                <a:latin typeface="Times New Roman"/>
+              </a:rPr>
+              <a:t> </a:t>
+            </a:r>
+          </a:p>
+        </p:txBody>
+      </p:sp>
+      <p:sp>
+        <p:nvSpPr>
+          <p:cNvPr id="94" name="PlaceHolder 4"/>
+          <p:cNvSpPr>
+            <a:spLocks noGrp="1"/>
+          </p:cNvSpPr>
+          <p:nvPr>
+            <p:ph type="dt"/>
+          </p:nvPr>
+        </p:nvSpPr>
+        <p:spPr>
+          <a:xfrm>
+            <a:off x="4399200" y="0"/>
+            <a:ext cx="3372840" cy="502560"/>
+          </a:xfrm>
+          <a:prstGeom prst="rect">
+            <a:avLst/>
+          </a:prstGeom>
+        </p:spPr>
+        <p:txBody>
+          <a:bodyPr lIns="0" tIns="0" rIns="0" bIns="0"/>
+          <a:lstStyle/>
+          <a:p>
+            <a:pPr algn="r"/>
+            <a:r>
+              <a:rPr lang="en" sz="1400" b="0" strike="noStrike" spc="-1">
+                <a:latin typeface="Times New Roman"/>
+              </a:rPr>
+              <a:t> </a:t>
+            </a:r>
+          </a:p>
+        </p:txBody>
+      </p:sp>
+      <p:sp>
+        <p:nvSpPr>
+          <p:cNvPr id="95" name="PlaceHolder 5"/>
+          <p:cNvSpPr>
+            <a:spLocks noGrp="1"/>
+          </p:cNvSpPr>
+          <p:nvPr>
+            <p:ph type="ftr"/>
+          </p:nvPr>
+        </p:nvSpPr>
+        <p:spPr>
+          <a:xfrm>
+            <a:off x="0" y="9555480"/>
+            <a:ext cx="3372840" cy="502560"/>
+          </a:xfrm>
+          <a:prstGeom prst="rect">
+            <a:avLst/>
+          </a:prstGeom>
+        </p:spPr>
+        <p:txBody>
+          <a:bodyPr lIns="0" tIns="0" rIns="0" bIns="0" anchor="b"/>
+          <a:lstStyle/>
+          <a:p>
+            <a:r>
+              <a:rPr lang="en" sz="1400" b="0" strike="noStrike" spc="-1">
+                <a:latin typeface="Times New Roman"/>
+              </a:rPr>
+              <a:t> </a:t>
+            </a:r>
+          </a:p>
+        </p:txBody>
+      </p:sp>
+      <p:sp>
+        <p:nvSpPr>
+          <p:cNvPr id="96" name="PlaceHolder 6"/>
+          <p:cNvSpPr>
+            <a:spLocks noGrp="1"/>
+          </p:cNvSpPr>
+          <p:nvPr>
+            <p:ph type="sldNum"/>
+          </p:nvPr>
+        </p:nvSpPr>
+        <p:spPr>
+          <a:xfrm>
+            <a:off x="4399200" y="9555480"/>
+            <a:ext cx="3372840" cy="502560"/>
+          </a:xfrm>
+          <a:prstGeom prst="rect">
+            <a:avLst/>
+          </a:prstGeom>
+        </p:spPr>
+        <p:txBody>
+          <a:bodyPr lIns="0" tIns="0" rIns="0" bIns="0" anchor="b"/>
+          <a:lstStyle/>
+          <a:p>
+            <a:pPr algn="r"/>
+            <a:fld id="{73E5199A-2E5F-4C2B-BCBA-8292A1467868}" type="slidenum">
+              <a:rPr lang="en" sz="1400" b="0" strike="noStrike" spc="-1">
+                <a:latin typeface="Times New Roman"/>
+              </a:rPr>
+              <a:t>‹#›</a:t>
+            </a:fld>
+            <a:endParaRPr lang="en" sz="1400" b="0" strike="noStrike" spc="-1">
+              <a:latin typeface="Times New Roman"/>
+            </a:endParaRPr>
+          </a:p>
+        </p:txBody>
+      </p:sp>
+    </p:spTree>
+  </p:cSld>
+  <p:clrMap bg1="lt1" tx1="dk1" bg2="lt2" tx2="dk2" accent1="accent1" accent2="accent2" accent3="accent3" accent4="accent4" accent5="accent5" accent6="accent6" hlink="hlink" folHlink="folHlink"/>
+  <p:notesStyle>
+    <a:lvl1pPr marL="0" algn="l" defTabSz="914400" rtl="0" eaLnBrk="1" latinLnBrk="0" hangingPunct="1">
+      <a:defRPr sz="1200" kern="1200">
+        <a:solidFill>
+          <a:schemeClr val="tx1"/>
+        </a:solidFill>
+        <a:latin typeface="+mn-lt"/>
+        <a:ea typeface="+mn-ea"/>
+        <a:cs typeface="+mn-cs"/>
+      </a:defRPr>
+    </a:lvl1pPr>
+    <a:lvl2pPr marL="457200" algn="l" defTabSz="914400" rtl="0" eaLnBrk="1" latinLnBrk="0" hangingPunct="1">
+      <a:defRPr sz="1200" kern="1200">
+        <a:solidFill>
+          <a:schemeClr val="tx1"/>
+        </a:solidFill>
+        <a:latin typeface="+mn-lt"/>
+        <a:ea typeface="+mn-ea"/>
+        <a:cs typeface="+mn-cs"/>
+      </a:defRPr>
+    </a:lvl2pPr>
+    <a:lvl3pPr marL="914400" algn="l" defTabSz="914400" rtl="0" eaLnBrk="1" latinLnBrk="0" hangingPunct="1">
+      <a:defRPr sz="1200" kern="1200">
+        <a:solidFill>
+          <a:schemeClr val="tx1"/>
+        </a:solidFill>
+        <a:latin typeface="+mn-lt"/>
+        <a:ea typeface="+mn-ea"/>
+        <a:cs typeface="+mn-cs"/>
+      </a:defRPr>
+    </a:lvl3pPr>
+    <a:lvl4pPr marL="1371600" algn="l" defTabSz="914400" rtl="0" eaLnBrk="1" latinLnBrk="0" hangingPunct="1">
+      <a:defRPr sz="1200" kern="1200">
+        <a:solidFill>
+          <a:schemeClr val="tx1"/>
+        </a:solidFill>
+        <a:latin typeface="+mn-lt"/>
+        <a:ea typeface="+mn-ea"/>
+        <a:cs typeface="+mn-cs"/>
+      </a:defRPr>
+    </a:lvl4pPr>
+    <a:lvl5pPr marL="1828800" algn="l" defTabSz="914400" rtl="0" eaLnBrk="1" latinLnBrk="0" hangingPunct="1">
+      <a:defRPr sz="1200" kern="1200">
+        <a:solidFill>
+          <a:schemeClr val="tx1"/>
+        </a:solidFill>
+        <a:latin typeface="+mn-lt"/>
+        <a:ea typeface="+mn-ea"/>
+        <a:cs typeface="+mn-cs"/>
+      </a:defRPr>
+    </a:lvl5pPr>
+    <a:lvl6pPr marL="2286000" algn="l" defTabSz="914400" rtl="0" eaLnBrk="1" latinLnBrk="0" hangingPunct="1">
+      <a:defRPr sz="1200" kern="1200">
+        <a:solidFill>
+          <a:schemeClr val="tx1"/>
+        </a:solidFill>
+        <a:latin typeface="+mn-lt"/>
+        <a:ea typeface="+mn-ea"/>
+        <a:cs typeface="+mn-cs"/>
+      </a:defRPr>
+    </a:lvl6pPr>
+    <a:lvl7pPr marL="2743200" algn="l" defTabSz="914400" rtl="0" eaLnBrk="1" latinLnBrk="0" hangingPunct="1">
+      <a:defRPr sz="1200" kern="1200">
+        <a:solidFill>
+          <a:schemeClr val="tx1"/>
+        </a:solidFill>
+        <a:latin typeface="+mn-lt"/>
+        <a:ea typeface="+mn-ea"/>
+        <a:cs typeface="+mn-cs"/>
+      </a:defRPr>
+    </a:lvl7pPr>
+    <a:lvl8pPr marL="3200400" algn="l" defTabSz="914400" rtl="0" eaLnBrk="1" latinLnBrk="0" hangingPunct="1">
+      <a:defRPr sz="1200" kern="1200">
+        <a:solidFill>
+          <a:schemeClr val="tx1"/>
+        </a:solidFill>
+        <a:latin typeface="+mn-lt"/>
+        <a:ea typeface="+mn-ea"/>
+        <a:cs typeface="+mn-cs"/>
+      </a:defRPr>
+    </a:lvl8pPr>
+    <a:lvl9pPr marL="3657600" algn="l" defTabSz="914400" rtl="0" eaLnBrk="1" latinLnBrk="0" hangingPunct="1">
+      <a:defRPr sz="1200" kern="1200">
+        <a:solidFill>
+          <a:schemeClr val="tx1"/>
+        </a:solidFill>
+        <a:latin typeface="+mn-lt"/>
+        <a:ea typeface="+mn-ea"/>
+        <a:cs typeface="+mn-cs"/>
+      </a:defRPr>
+    </a:lvl9pPr>
+  </p:notesStyle>
+</p:notesMaster>
+</file>
+
+<file path=ppt/notesSlides/notesSlide1.xml><?xml version="1.0" encoding="utf-8"?>
+<p:notes xmlns:a="http://schemas.openxmlformats.org/drawingml/2006/main" xmlns:r="http://schemas.openxmlformats.org/officeDocument/2006/relationships" xmlns:p="http://schemas.openxmlformats.org/presentationml/2006/main">
   <p:cSld>
     <p:spTree>
       <p:nvGrpSpPr>
@@ -40,9 +455,9 @@
       </p:grpSpPr>
       <p:sp>
         <p:nvSpPr>
-          <p:cNvPr id="91" name="PlaceHolder 1"/>
-          <p:cNvSpPr>
-            <a:spLocks noGrp="1"/>
+          <p:cNvPr id="118" name="PlaceHolder 1"/>
+          <p:cNvSpPr>
+            <a:spLocks noGrp="1" noRot="1" noChangeAspect="1"/>
           </p:cNvSpPr>
           <p:nvPr>
             <p:ph type="sldImg"/>
@@ -50,201 +465,90 @@
         </p:nvSpPr>
         <p:spPr>
           <a:xfrm>
-            <a:off x="533520" y="764280"/>
-            <a:ext cx="6704640" cy="3771360"/>
-          </a:xfrm>
-          <a:prstGeom prst="rect">
-            <a:avLst/>
-          </a:prstGeom>
-        </p:spPr>
-        <p:txBody>
-          <a:bodyPr lIns="0" rIns="0" tIns="0" bIns="0" anchor="ctr"/>
-          <a:p>
+            <a:off x="685800" y="1143000"/>
+            <a:ext cx="5486040" cy="3085920"/>
+          </a:xfrm>
+          <a:prstGeom prst="rect">
+            <a:avLst/>
+          </a:prstGeom>
+        </p:spPr>
+      </p:sp>
+      <p:sp>
+        <p:nvSpPr>
+          <p:cNvPr id="119" name="PlaceHolder 2"/>
+          <p:cNvSpPr>
+            <a:spLocks noGrp="1"/>
+          </p:cNvSpPr>
+          <p:nvPr>
+            <p:ph type="body"/>
+          </p:nvPr>
+        </p:nvSpPr>
+        <p:spPr>
+          <a:xfrm>
+            <a:off x="685800" y="4400640"/>
+            <a:ext cx="5486040" cy="3600000"/>
+          </a:xfrm>
+          <a:prstGeom prst="rect">
+            <a:avLst/>
+          </a:prstGeom>
+        </p:spPr>
+        <p:txBody>
+          <a:bodyPr/>
+          <a:lstStyle/>
+          <a:p>
+            <a:pPr marL="216000" indent="-216000">
+              <a:lnSpc>
+                <a:spcPct val="100000"/>
+              </a:lnSpc>
+            </a:pPr>
             <a:r>
-              <a:rPr b="0" lang="en-US" sz="1800" spc="-1" strike="noStrike">
+              <a:rPr lang="en" sz="2000" b="0" strike="noStrike" spc="-1">
+                <a:latin typeface="Arial"/>
+              </a:rPr>
+              <a:t>Jonas</a:t>
+            </a:r>
+          </a:p>
+        </p:txBody>
+      </p:sp>
+      <p:sp>
+        <p:nvSpPr>
+          <p:cNvPr id="120" name="TextShape 3"/>
+          <p:cNvSpPr txBox="1"/>
+          <p:nvPr/>
+        </p:nvSpPr>
+        <p:spPr>
+          <a:xfrm>
+            <a:off x="3884760" y="8685360"/>
+            <a:ext cx="2971440" cy="458280"/>
+          </a:xfrm>
+          <a:prstGeom prst="rect">
+            <a:avLst/>
+          </a:prstGeom>
+          <a:noFill/>
+          <a:ln>
+            <a:noFill/>
+          </a:ln>
+        </p:spPr>
+        <p:txBody>
+          <a:bodyPr anchor="b"/>
+          <a:lstStyle/>
+          <a:p>
+            <a:pPr algn="r">
+              <a:lnSpc>
+                <a:spcPct val="100000"/>
+              </a:lnSpc>
+            </a:pPr>
+            <a:fld id="{9E86BCB8-163C-4002-9AB9-FDF69924F0ED}" type="slidenum">
+              <a:rPr lang="en" sz="1200" b="0" strike="noStrike" spc="-1">
                 <a:solidFill>
                   <a:srgbClr val="000000"/>
                 </a:solidFill>
-                <a:latin typeface="Calibri"/>
-              </a:rPr>
-              <a:t>Click to move the slide</a:t>
-            </a:r>
-            <a:endParaRPr b="0" lang="en-US" sz="1800" spc="-1" strike="noStrike">
-              <a:solidFill>
-                <a:srgbClr val="000000"/>
-              </a:solidFill>
-              <a:latin typeface="Calibri"/>
-            </a:endParaRPr>
-          </a:p>
-        </p:txBody>
-      </p:sp>
-      <p:sp>
-        <p:nvSpPr>
-          <p:cNvPr id="92" name="PlaceHolder 2"/>
-          <p:cNvSpPr>
-            <a:spLocks noGrp="1"/>
-          </p:cNvSpPr>
-          <p:nvPr>
-            <p:ph type="body"/>
-          </p:nvPr>
-        </p:nvSpPr>
-        <p:spPr>
-          <a:xfrm>
-            <a:off x="777240" y="4777560"/>
-            <a:ext cx="6217560" cy="4525920"/>
-          </a:xfrm>
-          <a:prstGeom prst="rect">
-            <a:avLst/>
-          </a:prstGeom>
-        </p:spPr>
-        <p:txBody>
-          <a:bodyPr lIns="0" rIns="0" tIns="0" bIns="0"/>
-          <a:p>
-            <a:r>
-              <a:rPr b="0" lang="en" sz="2000" spc="-1" strike="noStrike">
-                <a:latin typeface="Arial"/>
-              </a:rPr>
-              <a:t>Click to edit the notes format</a:t>
-            </a:r>
-            <a:endParaRPr b="0" lang="en" sz="2000" spc="-1" strike="noStrike">
-              <a:latin typeface="Arial"/>
-            </a:endParaRPr>
-          </a:p>
-        </p:txBody>
-      </p:sp>
-      <p:sp>
-        <p:nvSpPr>
-          <p:cNvPr id="93" name="PlaceHolder 3"/>
-          <p:cNvSpPr>
-            <a:spLocks noGrp="1"/>
-          </p:cNvSpPr>
-          <p:nvPr>
-            <p:ph type="hdr"/>
-          </p:nvPr>
-        </p:nvSpPr>
-        <p:spPr>
-          <a:xfrm>
-            <a:off x="0" y="0"/>
-            <a:ext cx="3372840" cy="502560"/>
-          </a:xfrm>
-          <a:prstGeom prst="rect">
-            <a:avLst/>
-          </a:prstGeom>
-        </p:spPr>
-        <p:txBody>
-          <a:bodyPr lIns="0" rIns="0" tIns="0" bIns="0"/>
-          <a:p>
-            <a:r>
-              <a:rPr b="0" lang="en" sz="1400" spc="-1" strike="noStrike">
-                <a:latin typeface="Times New Roman"/>
-              </a:rPr>
-              <a:t> </a:t>
-            </a:r>
-            <a:endParaRPr b="0" lang="en" sz="1400" spc="-1" strike="noStrike">
-              <a:latin typeface="Times New Roman"/>
-            </a:endParaRPr>
-          </a:p>
-        </p:txBody>
-      </p:sp>
-      <p:sp>
-        <p:nvSpPr>
-          <p:cNvPr id="94" name="PlaceHolder 4"/>
-          <p:cNvSpPr>
-            <a:spLocks noGrp="1"/>
-          </p:cNvSpPr>
-          <p:nvPr>
-            <p:ph type="dt"/>
-          </p:nvPr>
-        </p:nvSpPr>
-        <p:spPr>
-          <a:xfrm>
-            <a:off x="4399200" y="0"/>
-            <a:ext cx="3372840" cy="502560"/>
-          </a:xfrm>
-          <a:prstGeom prst="rect">
-            <a:avLst/>
-          </a:prstGeom>
-        </p:spPr>
-        <p:txBody>
-          <a:bodyPr lIns="0" rIns="0" tIns="0" bIns="0"/>
-          <a:p>
-            <a:pPr algn="r"/>
-            <a:r>
-              <a:rPr b="0" lang="en" sz="1400" spc="-1" strike="noStrike">
-                <a:latin typeface="Times New Roman"/>
-              </a:rPr>
-              <a:t> </a:t>
-            </a:r>
-            <a:endParaRPr b="0" lang="en" sz="1400" spc="-1" strike="noStrike">
-              <a:latin typeface="Times New Roman"/>
-            </a:endParaRPr>
-          </a:p>
-        </p:txBody>
-      </p:sp>
-      <p:sp>
-        <p:nvSpPr>
-          <p:cNvPr id="95" name="PlaceHolder 5"/>
-          <p:cNvSpPr>
-            <a:spLocks noGrp="1"/>
-          </p:cNvSpPr>
-          <p:nvPr>
-            <p:ph type="ftr"/>
-          </p:nvPr>
-        </p:nvSpPr>
-        <p:spPr>
-          <a:xfrm>
-            <a:off x="0" y="9555480"/>
-            <a:ext cx="3372840" cy="502560"/>
-          </a:xfrm>
-          <a:prstGeom prst="rect">
-            <a:avLst/>
-          </a:prstGeom>
-        </p:spPr>
-        <p:txBody>
-          <a:bodyPr lIns="0" rIns="0" tIns="0" bIns="0" anchor="b"/>
-          <a:p>
-            <a:r>
-              <a:rPr b="0" lang="en" sz="1400" spc="-1" strike="noStrike">
-                <a:latin typeface="Times New Roman"/>
-              </a:rPr>
-              <a:t> </a:t>
-            </a:r>
-            <a:endParaRPr b="0" lang="en" sz="1400" spc="-1" strike="noStrike">
-              <a:latin typeface="Times New Roman"/>
-            </a:endParaRPr>
-          </a:p>
-        </p:txBody>
-      </p:sp>
-      <p:sp>
-        <p:nvSpPr>
-          <p:cNvPr id="96" name="PlaceHolder 6"/>
-          <p:cNvSpPr>
-            <a:spLocks noGrp="1"/>
-          </p:cNvSpPr>
-          <p:nvPr>
-            <p:ph type="sldNum"/>
-          </p:nvPr>
-        </p:nvSpPr>
-        <p:spPr>
-          <a:xfrm>
-            <a:off x="4399200" y="9555480"/>
-            <a:ext cx="3372840" cy="502560"/>
-          </a:xfrm>
-          <a:prstGeom prst="rect">
-            <a:avLst/>
-          </a:prstGeom>
-        </p:spPr>
-        <p:txBody>
-          <a:bodyPr lIns="0" rIns="0" tIns="0" bIns="0" anchor="b"/>
-          <a:p>
-            <a:pPr algn="r"/>
-            <a:fld id="{73E5199A-2E5F-4C2B-BCBA-8292A1467868}" type="slidenum">
-              <a:rPr b="0" lang="en" sz="1400" spc="-1" strike="noStrike">
-                <a:latin typeface="Times New Roman"/>
+                <a:latin typeface="+mn-lt"/>
+                <a:ea typeface="+mn-ea"/>
               </a:rPr>
               <a:t>1</a:t>
             </a:fld>
-            <a:endParaRPr b="0" lang="en" sz="1400" spc="-1" strike="noStrike">
+            <a:endParaRPr lang="en" sz="1200" b="0" strike="noStrike" spc="-1">
               <a:latin typeface="Times New Roman"/>
             </a:endParaRPr>
           </a:p>
@@ -252,12 +556,14 @@
       </p:sp>
     </p:spTree>
   </p:cSld>
-  <p:clrMap bg1="lt1" bg2="lt2" tx1="dk1" tx2="dk2" accent1="accent1" accent2="accent2" accent3="accent3" accent4="accent4" accent5="accent5" accent6="accent6" hlink="hlink" folHlink="folHlink"/>
-</p:notesMaster>
+  <p:clrMapOvr>
+    <a:masterClrMapping/>
+  </p:clrMapOvr>
+</p:notes>
 </file>
 
-<file path=ppt/notesSlides/notesSlide1.xml><?xml version="1.0" encoding="utf-8"?>
-<p:notes xmlns:a="http://schemas.openxmlformats.org/drawingml/2006/main" xmlns:p="http://schemas.openxmlformats.org/presentationml/2006/main" xmlns:r="http://schemas.openxmlformats.org/officeDocument/2006/relationships" xmlns:p14="http://schemas.microsoft.com/office/powerpoint/2010/main" xmlns:p15="http://schemas.microsoft.com/office/powerpoint/2012/main" xmlns:mc="http://schemas.openxmlformats.org/markup-compatibility/2006">
+<file path=ppt/notesSlides/notesSlide2.xml><?xml version="1.0" encoding="utf-8"?>
+<p:notes xmlns:a="http://schemas.openxmlformats.org/drawingml/2006/main" xmlns:r="http://schemas.openxmlformats.org/officeDocument/2006/relationships" xmlns:p="http://schemas.openxmlformats.org/presentationml/2006/main">
   <p:cSld>
     <p:spTree>
       <p:nvGrpSpPr>
@@ -275,9 +581,9 @@
       </p:grpSpPr>
       <p:sp>
         <p:nvSpPr>
-          <p:cNvPr id="118" name="PlaceHolder 1"/>
-          <p:cNvSpPr>
-            <a:spLocks noGrp="1"/>
+          <p:cNvPr id="121" name="PlaceHolder 1"/>
+          <p:cNvSpPr>
+            <a:spLocks noGrp="1" noRot="1" noChangeAspect="1"/>
           </p:cNvSpPr>
           <p:nvPr>
             <p:ph type="sldImg"/>
@@ -295,7 +601,7 @@
       </p:sp>
       <p:sp>
         <p:nvSpPr>
-          <p:cNvPr id="119" name="PlaceHolder 2"/>
+          <p:cNvPr id="122" name="PlaceHolder 2"/>
           <p:cNvSpPr>
             <a:spLocks noGrp="1"/>
           </p:cNvSpPr>
@@ -314,6 +620,7 @@
         </p:spPr>
         <p:txBody>
           <a:bodyPr/>
+          <a:lstStyle/>
           <a:p>
             <a:pPr marL="216000" indent="-216000">
               <a:lnSpc>
@@ -321,20 +628,17 @@
               </a:lnSpc>
             </a:pPr>
             <a:r>
-              <a:rPr b="0" lang="en" sz="2000" spc="-1" strike="noStrike">
+              <a:rPr lang="en" sz="2000" b="0" strike="noStrike" spc="-1">
                 <a:latin typeface="Arial"/>
               </a:rPr>
               <a:t>Jonas</a:t>
             </a:r>
-            <a:endParaRPr b="0" lang="en" sz="2000" spc="-1" strike="noStrike">
-              <a:latin typeface="Arial"/>
-            </a:endParaRPr>
-          </a:p>
-        </p:txBody>
-      </p:sp>
-      <p:sp>
-        <p:nvSpPr>
-          <p:cNvPr id="120" name="TextShape 3"/>
+          </a:p>
+        </p:txBody>
+      </p:sp>
+      <p:sp>
+        <p:nvSpPr>
+          <p:cNvPr id="123" name="TextShape 3"/>
           <p:cNvSpPr txBox="1"/>
           <p:nvPr/>
         </p:nvSpPr>
@@ -353,23 +657,24 @@
         </p:spPr>
         <p:txBody>
           <a:bodyPr anchor="b"/>
+          <a:lstStyle/>
           <a:p>
             <a:pPr algn="r">
               <a:lnSpc>
                 <a:spcPct val="100000"/>
               </a:lnSpc>
             </a:pPr>
-            <a:fld id="{9E86BCB8-163C-4002-9AB9-FDF69924F0ED}" type="slidenum">
-              <a:rPr b="0" lang="en" sz="1200" spc="-1" strike="noStrike">
+            <a:fld id="{13C9D6BA-3249-4187-A615-DDE174860F5A}" type="slidenum">
+              <a:rPr lang="en" sz="1200" b="0" strike="noStrike" spc="-1">
                 <a:solidFill>
                   <a:srgbClr val="000000"/>
                 </a:solidFill>
                 <a:latin typeface="+mn-lt"/>
                 <a:ea typeface="+mn-ea"/>
               </a:rPr>
-              <a:t>1</a:t>
+              <a:t>2</a:t>
             </a:fld>
-            <a:endParaRPr b="0" lang="en" sz="1200" spc="-1" strike="noStrike">
+            <a:endParaRPr lang="en" sz="1200" b="0" strike="noStrike" spc="-1">
               <a:latin typeface="Times New Roman"/>
             </a:endParaRPr>
           </a:p>
@@ -377,11 +682,14 @@
       </p:sp>
     </p:spTree>
   </p:cSld>
+  <p:clrMapOvr>
+    <a:masterClrMapping/>
+  </p:clrMapOvr>
 </p:notes>
 </file>
 
-<file path=ppt/notesSlides/notesSlide2.xml><?xml version="1.0" encoding="utf-8"?>
-<p:notes xmlns:a="http://schemas.openxmlformats.org/drawingml/2006/main" xmlns:p="http://schemas.openxmlformats.org/presentationml/2006/main" xmlns:r="http://schemas.openxmlformats.org/officeDocument/2006/relationships" xmlns:p14="http://schemas.microsoft.com/office/powerpoint/2010/main" xmlns:p15="http://schemas.microsoft.com/office/powerpoint/2012/main" xmlns:mc="http://schemas.openxmlformats.org/markup-compatibility/2006">
+<file path=ppt/notesSlides/notesSlide3.xml><?xml version="1.0" encoding="utf-8"?>
+<p:notes xmlns:a="http://schemas.openxmlformats.org/drawingml/2006/main" xmlns:r="http://schemas.openxmlformats.org/officeDocument/2006/relationships" xmlns:p="http://schemas.openxmlformats.org/presentationml/2006/main">
   <p:cSld>
     <p:spTree>
       <p:nvGrpSpPr>
@@ -399,9 +707,9 @@
       </p:grpSpPr>
       <p:sp>
         <p:nvSpPr>
-          <p:cNvPr id="121" name="PlaceHolder 1"/>
-          <p:cNvSpPr>
-            <a:spLocks noGrp="1"/>
+          <p:cNvPr id="124" name="PlaceHolder 1"/>
+          <p:cNvSpPr>
+            <a:spLocks noGrp="1" noRot="1" noChangeAspect="1"/>
           </p:cNvSpPr>
           <p:nvPr>
             <p:ph type="sldImg"/>
@@ -410,16 +718,16 @@
         <p:spPr>
           <a:xfrm>
             <a:off x="685800" y="1143000"/>
-            <a:ext cx="5486040" cy="3085920"/>
-          </a:xfrm>
-          <a:prstGeom prst="rect">
-            <a:avLst/>
-          </a:prstGeom>
-        </p:spPr>
-      </p:sp>
-      <p:sp>
-        <p:nvSpPr>
-          <p:cNvPr id="122" name="PlaceHolder 2"/>
+            <a:ext cx="5486400" cy="3086100"/>
+          </a:xfrm>
+          <a:prstGeom prst="rect">
+            <a:avLst/>
+          </a:prstGeom>
+        </p:spPr>
+      </p:sp>
+      <p:sp>
+        <p:nvSpPr>
+          <p:cNvPr id="125" name="PlaceHolder 2"/>
           <p:cNvSpPr>
             <a:spLocks noGrp="1"/>
           </p:cNvSpPr>
@@ -438,6 +746,7 @@
         </p:spPr>
         <p:txBody>
           <a:bodyPr/>
+          <a:lstStyle/>
           <a:p>
             <a:pPr marL="216000" indent="-216000">
               <a:lnSpc>
@@ -445,20 +754,17 @@
               </a:lnSpc>
             </a:pPr>
             <a:r>
-              <a:rPr b="0" lang="en" sz="2000" spc="-1" strike="noStrike">
+              <a:rPr lang="en" sz="2000" b="0" strike="noStrike" spc="-1">
                 <a:latin typeface="Arial"/>
               </a:rPr>
-              <a:t>Jonas</a:t>
+              <a:t>Jonas </a:t>
             </a:r>
-            <a:endParaRPr b="0" lang="en" sz="2000" spc="-1" strike="noStrike">
-              <a:latin typeface="Arial"/>
-            </a:endParaRPr>
-          </a:p>
-        </p:txBody>
-      </p:sp>
-      <p:sp>
-        <p:nvSpPr>
-          <p:cNvPr id="123" name="TextShape 3"/>
+          </a:p>
+        </p:txBody>
+      </p:sp>
+      <p:sp>
+        <p:nvSpPr>
+          <p:cNvPr id="126" name="TextShape 3"/>
           <p:cNvSpPr txBox="1"/>
           <p:nvPr/>
         </p:nvSpPr>
@@ -477,23 +783,24 @@
         </p:spPr>
         <p:txBody>
           <a:bodyPr anchor="b"/>
+          <a:lstStyle/>
           <a:p>
             <a:pPr algn="r">
               <a:lnSpc>
                 <a:spcPct val="100000"/>
               </a:lnSpc>
             </a:pPr>
-            <a:fld id="{13C9D6BA-3249-4187-A615-DDE174860F5A}" type="slidenum">
-              <a:rPr b="0" lang="en" sz="1200" spc="-1" strike="noStrike">
+            <a:fld id="{F43BE740-BE62-4630-86D0-1FB497D2920E}" type="slidenum">
+              <a:rPr lang="en" sz="1200" b="0" strike="noStrike" spc="-1">
                 <a:solidFill>
                   <a:srgbClr val="000000"/>
                 </a:solidFill>
                 <a:latin typeface="+mn-lt"/>
                 <a:ea typeface="+mn-ea"/>
               </a:rPr>
-              <a:t>1</a:t>
+              <a:t>3</a:t>
             </a:fld>
-            <a:endParaRPr b="0" lang="en" sz="1200" spc="-1" strike="noStrike">
+            <a:endParaRPr lang="en" sz="1200" b="0" strike="noStrike" spc="-1">
               <a:latin typeface="Times New Roman"/>
             </a:endParaRPr>
           </a:p>
@@ -501,11 +808,14 @@
       </p:sp>
     </p:spTree>
   </p:cSld>
+  <p:clrMapOvr>
+    <a:masterClrMapping/>
+  </p:clrMapOvr>
 </p:notes>
 </file>
 
-<file path=ppt/notesSlides/notesSlide3.xml><?xml version="1.0" encoding="utf-8"?>
-<p:notes xmlns:a="http://schemas.openxmlformats.org/drawingml/2006/main" xmlns:p="http://schemas.openxmlformats.org/presentationml/2006/main" xmlns:r="http://schemas.openxmlformats.org/officeDocument/2006/relationships" xmlns:p14="http://schemas.microsoft.com/office/powerpoint/2010/main" xmlns:p15="http://schemas.microsoft.com/office/powerpoint/2012/main" xmlns:mc="http://schemas.openxmlformats.org/markup-compatibility/2006">
+<file path=ppt/notesSlides/notesSlide4.xml><?xml version="1.0" encoding="utf-8"?>
+<p:notes xmlns:a="http://schemas.openxmlformats.org/drawingml/2006/main" xmlns:r="http://schemas.openxmlformats.org/officeDocument/2006/relationships" xmlns:p="http://schemas.openxmlformats.org/presentationml/2006/main">
   <p:cSld>
     <p:spTree>
       <p:nvGrpSpPr>
@@ -523,9 +833,9 @@
       </p:grpSpPr>
       <p:sp>
         <p:nvSpPr>
-          <p:cNvPr id="124" name="PlaceHolder 1"/>
-          <p:cNvSpPr>
-            <a:spLocks noGrp="1"/>
+          <p:cNvPr id="127" name="PlaceHolder 1"/>
+          <p:cNvSpPr>
+            <a:spLocks noGrp="1" noRot="1" noChangeAspect="1"/>
           </p:cNvSpPr>
           <p:nvPr>
             <p:ph type="sldImg"/>
@@ -534,16 +844,16 @@
         <p:spPr>
           <a:xfrm>
             <a:off x="685800" y="1143000"/>
-            <a:ext cx="5486040" cy="3085920"/>
-          </a:xfrm>
-          <a:prstGeom prst="rect">
-            <a:avLst/>
-          </a:prstGeom>
-        </p:spPr>
-      </p:sp>
-      <p:sp>
-        <p:nvSpPr>
-          <p:cNvPr id="125" name="PlaceHolder 2"/>
+            <a:ext cx="5486400" cy="3086100"/>
+          </a:xfrm>
+          <a:prstGeom prst="rect">
+            <a:avLst/>
+          </a:prstGeom>
+        </p:spPr>
+      </p:sp>
+      <p:sp>
+        <p:nvSpPr>
+          <p:cNvPr id="128" name="PlaceHolder 2"/>
           <p:cNvSpPr>
             <a:spLocks noGrp="1"/>
           </p:cNvSpPr>
@@ -562,6 +872,7 @@
         </p:spPr>
         <p:txBody>
           <a:bodyPr/>
+          <a:lstStyle/>
           <a:p>
             <a:pPr marL="216000" indent="-216000">
               <a:lnSpc>
@@ -569,20 +880,17 @@
               </a:lnSpc>
             </a:pPr>
             <a:r>
-              <a:rPr b="0" lang="en" sz="2000" spc="-1" strike="noStrike">
+              <a:rPr lang="en" sz="2000" b="0" strike="noStrike" spc="-1">
                 <a:latin typeface="Arial"/>
               </a:rPr>
-              <a:t>Jonas </a:t>
+              <a:t>Lasse</a:t>
             </a:r>
-            <a:endParaRPr b="0" lang="en" sz="2000" spc="-1" strike="noStrike">
-              <a:latin typeface="Arial"/>
-            </a:endParaRPr>
-          </a:p>
-        </p:txBody>
-      </p:sp>
-      <p:sp>
-        <p:nvSpPr>
-          <p:cNvPr id="126" name="TextShape 3"/>
+          </a:p>
+        </p:txBody>
+      </p:sp>
+      <p:sp>
+        <p:nvSpPr>
+          <p:cNvPr id="129" name="TextShape 3"/>
           <p:cNvSpPr txBox="1"/>
           <p:nvPr/>
         </p:nvSpPr>
@@ -601,23 +909,24 @@
         </p:spPr>
         <p:txBody>
           <a:bodyPr anchor="b"/>
+          <a:lstStyle/>
           <a:p>
             <a:pPr algn="r">
               <a:lnSpc>
                 <a:spcPct val="100000"/>
               </a:lnSpc>
             </a:pPr>
-            <a:fld id="{F43BE740-BE62-4630-86D0-1FB497D2920E}" type="slidenum">
-              <a:rPr b="0" lang="en" sz="1200" spc="-1" strike="noStrike">
+            <a:fld id="{188DC543-C1AC-4C4B-B081-A517D367BA43}" type="slidenum">
+              <a:rPr lang="en" sz="1200" b="0" strike="noStrike" spc="-1">
                 <a:solidFill>
                   <a:srgbClr val="000000"/>
                 </a:solidFill>
                 <a:latin typeface="+mn-lt"/>
                 <a:ea typeface="+mn-ea"/>
               </a:rPr>
-              <a:t>1</a:t>
+              <a:t>4</a:t>
             </a:fld>
-            <a:endParaRPr b="0" lang="en" sz="1200" spc="-1" strike="noStrike">
+            <a:endParaRPr lang="en" sz="1200" b="0" strike="noStrike" spc="-1">
               <a:latin typeface="Times New Roman"/>
             </a:endParaRPr>
           </a:p>
@@ -625,11 +934,14 @@
       </p:sp>
     </p:spTree>
   </p:cSld>
+  <p:clrMapOvr>
+    <a:masterClrMapping/>
+  </p:clrMapOvr>
 </p:notes>
 </file>
 
-<file path=ppt/notesSlides/notesSlide4.xml><?xml version="1.0" encoding="utf-8"?>
-<p:notes xmlns:a="http://schemas.openxmlformats.org/drawingml/2006/main" xmlns:p="http://schemas.openxmlformats.org/presentationml/2006/main" xmlns:r="http://schemas.openxmlformats.org/officeDocument/2006/relationships" xmlns:p14="http://schemas.microsoft.com/office/powerpoint/2010/main" xmlns:p15="http://schemas.microsoft.com/office/powerpoint/2012/main" xmlns:mc="http://schemas.openxmlformats.org/markup-compatibility/2006">
+<file path=ppt/notesSlides/notesSlide5.xml><?xml version="1.0" encoding="utf-8"?>
+<p:notes xmlns:a="http://schemas.openxmlformats.org/drawingml/2006/main" xmlns:r="http://schemas.openxmlformats.org/officeDocument/2006/relationships" xmlns:p="http://schemas.openxmlformats.org/presentationml/2006/main">
   <p:cSld>
     <p:spTree>
       <p:nvGrpSpPr>
@@ -647,9 +959,9 @@
       </p:grpSpPr>
       <p:sp>
         <p:nvSpPr>
-          <p:cNvPr id="127" name="PlaceHolder 1"/>
-          <p:cNvSpPr>
-            <a:spLocks noGrp="1"/>
+          <p:cNvPr id="130" name="PlaceHolder 1"/>
+          <p:cNvSpPr>
+            <a:spLocks noGrp="1" noRot="1" noChangeAspect="1"/>
           </p:cNvSpPr>
           <p:nvPr>
             <p:ph type="sldImg"/>
@@ -658,16 +970,16 @@
         <p:spPr>
           <a:xfrm>
             <a:off x="685800" y="1143000"/>
-            <a:ext cx="5486040" cy="3085920"/>
-          </a:xfrm>
-          <a:prstGeom prst="rect">
-            <a:avLst/>
-          </a:prstGeom>
-        </p:spPr>
-      </p:sp>
-      <p:sp>
-        <p:nvSpPr>
-          <p:cNvPr id="128" name="PlaceHolder 2"/>
+            <a:ext cx="5486400" cy="3086100"/>
+          </a:xfrm>
+          <a:prstGeom prst="rect">
+            <a:avLst/>
+          </a:prstGeom>
+        </p:spPr>
+      </p:sp>
+      <p:sp>
+        <p:nvSpPr>
+          <p:cNvPr id="131" name="PlaceHolder 2"/>
           <p:cNvSpPr>
             <a:spLocks noGrp="1"/>
           </p:cNvSpPr>
@@ -686,6 +998,7 @@
         </p:spPr>
         <p:txBody>
           <a:bodyPr/>
+          <a:lstStyle/>
           <a:p>
             <a:pPr marL="216000" indent="-216000">
               <a:lnSpc>
@@ -693,20 +1006,17 @@
               </a:lnSpc>
             </a:pPr>
             <a:r>
-              <a:rPr b="0" lang="en" sz="2000" spc="-1" strike="noStrike">
+              <a:rPr lang="en" sz="2000" b="0" strike="noStrike" spc="-1">
                 <a:latin typeface="Arial"/>
               </a:rPr>
               <a:t>Lasse</a:t>
             </a:r>
-            <a:endParaRPr b="0" lang="en" sz="2000" spc="-1" strike="noStrike">
-              <a:latin typeface="Arial"/>
-            </a:endParaRPr>
-          </a:p>
-        </p:txBody>
-      </p:sp>
-      <p:sp>
-        <p:nvSpPr>
-          <p:cNvPr id="129" name="TextShape 3"/>
+          </a:p>
+        </p:txBody>
+      </p:sp>
+      <p:sp>
+        <p:nvSpPr>
+          <p:cNvPr id="132" name="TextShape 3"/>
           <p:cNvSpPr txBox="1"/>
           <p:nvPr/>
         </p:nvSpPr>
@@ -725,23 +1035,24 @@
         </p:spPr>
         <p:txBody>
           <a:bodyPr anchor="b"/>
+          <a:lstStyle/>
           <a:p>
             <a:pPr algn="r">
               <a:lnSpc>
                 <a:spcPct val="100000"/>
               </a:lnSpc>
             </a:pPr>
-            <a:fld id="{188DC543-C1AC-4C4B-B081-A517D367BA43}" type="slidenum">
-              <a:rPr b="0" lang="en" sz="1200" spc="-1" strike="noStrike">
+            <a:fld id="{29EFBC18-7D32-4E10-BEA9-2C65A398DBE0}" type="slidenum">
+              <a:rPr lang="en" sz="1200" b="0" strike="noStrike" spc="-1">
                 <a:solidFill>
                   <a:srgbClr val="000000"/>
                 </a:solidFill>
                 <a:latin typeface="+mn-lt"/>
                 <a:ea typeface="+mn-ea"/>
               </a:rPr>
-              <a:t>&lt;number&gt;</a:t>
+              <a:t>5</a:t>
             </a:fld>
-            <a:endParaRPr b="0" lang="en" sz="1200" spc="-1" strike="noStrike">
+            <a:endParaRPr lang="en" sz="1200" b="0" strike="noStrike" spc="-1">
               <a:latin typeface="Times New Roman"/>
             </a:endParaRPr>
           </a:p>
@@ -749,11 +1060,14 @@
       </p:sp>
     </p:spTree>
   </p:cSld>
+  <p:clrMapOvr>
+    <a:masterClrMapping/>
+  </p:clrMapOvr>
 </p:notes>
 </file>
 
-<file path=ppt/notesSlides/notesSlide5.xml><?xml version="1.0" encoding="utf-8"?>
-<p:notes xmlns:a="http://schemas.openxmlformats.org/drawingml/2006/main" xmlns:p="http://schemas.openxmlformats.org/presentationml/2006/main" xmlns:r="http://schemas.openxmlformats.org/officeDocument/2006/relationships" xmlns:p14="http://schemas.microsoft.com/office/powerpoint/2010/main" xmlns:p15="http://schemas.microsoft.com/office/powerpoint/2012/main" xmlns:mc="http://schemas.openxmlformats.org/markup-compatibility/2006">
+<file path=ppt/notesSlides/notesSlide6.xml><?xml version="1.0" encoding="utf-8"?>
+<p:notes xmlns:a="http://schemas.openxmlformats.org/drawingml/2006/main" xmlns:r="http://schemas.openxmlformats.org/officeDocument/2006/relationships" xmlns:p="http://schemas.openxmlformats.org/presentationml/2006/main">
   <p:cSld>
     <p:spTree>
       <p:nvGrpSpPr>
@@ -771,9 +1085,9 @@
       </p:grpSpPr>
       <p:sp>
         <p:nvSpPr>
-          <p:cNvPr id="130" name="PlaceHolder 1"/>
-          <p:cNvSpPr>
-            <a:spLocks noGrp="1"/>
+          <p:cNvPr id="133" name="PlaceHolder 1"/>
+          <p:cNvSpPr>
+            <a:spLocks noGrp="1" noRot="1" noChangeAspect="1"/>
           </p:cNvSpPr>
           <p:nvPr>
             <p:ph type="sldImg"/>
@@ -782,16 +1096,16 @@
         <p:spPr>
           <a:xfrm>
             <a:off x="685800" y="1143000"/>
-            <a:ext cx="5486040" cy="3085920"/>
-          </a:xfrm>
-          <a:prstGeom prst="rect">
-            <a:avLst/>
-          </a:prstGeom>
-        </p:spPr>
-      </p:sp>
-      <p:sp>
-        <p:nvSpPr>
-          <p:cNvPr id="131" name="PlaceHolder 2"/>
+            <a:ext cx="5486400" cy="3086100"/>
+          </a:xfrm>
+          <a:prstGeom prst="rect">
+            <a:avLst/>
+          </a:prstGeom>
+        </p:spPr>
+      </p:sp>
+      <p:sp>
+        <p:nvSpPr>
+          <p:cNvPr id="134" name="PlaceHolder 2"/>
           <p:cNvSpPr>
             <a:spLocks noGrp="1"/>
           </p:cNvSpPr>
@@ -810,6 +1124,7 @@
         </p:spPr>
         <p:txBody>
           <a:bodyPr/>
+          <a:lstStyle/>
           <a:p>
             <a:pPr marL="216000" indent="-216000">
               <a:lnSpc>
@@ -817,20 +1132,17 @@
               </a:lnSpc>
             </a:pPr>
             <a:r>
-              <a:rPr b="0" lang="en" sz="2000" spc="-1" strike="noStrike">
+              <a:rPr lang="en" sz="2000" b="0" strike="noStrike" spc="-1">
                 <a:latin typeface="Arial"/>
               </a:rPr>
               <a:t>Lasse</a:t>
             </a:r>
-            <a:endParaRPr b="0" lang="en" sz="2000" spc="-1" strike="noStrike">
-              <a:latin typeface="Arial"/>
-            </a:endParaRPr>
-          </a:p>
-        </p:txBody>
-      </p:sp>
-      <p:sp>
-        <p:nvSpPr>
-          <p:cNvPr id="132" name="TextShape 3"/>
+          </a:p>
+        </p:txBody>
+      </p:sp>
+      <p:sp>
+        <p:nvSpPr>
+          <p:cNvPr id="135" name="TextShape 3"/>
           <p:cNvSpPr txBox="1"/>
           <p:nvPr/>
         </p:nvSpPr>
@@ -849,23 +1161,24 @@
         </p:spPr>
         <p:txBody>
           <a:bodyPr anchor="b"/>
+          <a:lstStyle/>
           <a:p>
             <a:pPr algn="r">
               <a:lnSpc>
                 <a:spcPct val="100000"/>
               </a:lnSpc>
             </a:pPr>
-            <a:fld id="{29EFBC18-7D32-4E10-BEA9-2C65A398DBE0}" type="slidenum">
-              <a:rPr b="0" lang="en" sz="1200" spc="-1" strike="noStrike">
+            <a:fld id="{7E0A03C4-6E01-4480-BD7F-FBA148A5460A}" type="slidenum">
+              <a:rPr lang="en" sz="1200" b="0" strike="noStrike" spc="-1">
                 <a:solidFill>
                   <a:srgbClr val="000000"/>
                 </a:solidFill>
                 <a:latin typeface="+mn-lt"/>
                 <a:ea typeface="+mn-ea"/>
               </a:rPr>
-              <a:t>&lt;number&gt;</a:t>
+              <a:t>6</a:t>
             </a:fld>
-            <a:endParaRPr b="0" lang="en" sz="1200" spc="-1" strike="noStrike">
+            <a:endParaRPr lang="en" sz="1200" b="0" strike="noStrike" spc="-1">
               <a:latin typeface="Times New Roman"/>
             </a:endParaRPr>
           </a:p>
@@ -873,135 +1186,14 @@
       </p:sp>
     </p:spTree>
   </p:cSld>
-</p:notes>
-</file>
-
-<file path=ppt/notesSlides/notesSlide6.xml><?xml version="1.0" encoding="utf-8"?>
-<p:notes xmlns:a="http://schemas.openxmlformats.org/drawingml/2006/main" xmlns:p="http://schemas.openxmlformats.org/presentationml/2006/main" xmlns:r="http://schemas.openxmlformats.org/officeDocument/2006/relationships" xmlns:p14="http://schemas.microsoft.com/office/powerpoint/2010/main" xmlns:p15="http://schemas.microsoft.com/office/powerpoint/2012/main" xmlns:mc="http://schemas.openxmlformats.org/markup-compatibility/2006">
-  <p:cSld>
-    <p:spTree>
-      <p:nvGrpSpPr>
-        <p:cNvPr id="1" name=""/>
-        <p:cNvGrpSpPr/>
-        <p:nvPr/>
-      </p:nvGrpSpPr>
-      <p:grpSpPr>
-        <a:xfrm>
-          <a:off x="0" y="0"/>
-          <a:ext cx="0" cy="0"/>
-          <a:chOff x="0" y="0"/>
-          <a:chExt cx="0" cy="0"/>
-        </a:xfrm>
-      </p:grpSpPr>
-      <p:sp>
-        <p:nvSpPr>
-          <p:cNvPr id="133" name="PlaceHolder 1"/>
-          <p:cNvSpPr>
-            <a:spLocks noGrp="1"/>
-          </p:cNvSpPr>
-          <p:nvPr>
-            <p:ph type="sldImg"/>
-          </p:nvPr>
-        </p:nvSpPr>
-        <p:spPr>
-          <a:xfrm>
-            <a:off x="685800" y="1143000"/>
-            <a:ext cx="5486040" cy="3085920"/>
-          </a:xfrm>
-          <a:prstGeom prst="rect">
-            <a:avLst/>
-          </a:prstGeom>
-        </p:spPr>
-      </p:sp>
-      <p:sp>
-        <p:nvSpPr>
-          <p:cNvPr id="134" name="PlaceHolder 2"/>
-          <p:cNvSpPr>
-            <a:spLocks noGrp="1"/>
-          </p:cNvSpPr>
-          <p:nvPr>
-            <p:ph type="body"/>
-          </p:nvPr>
-        </p:nvSpPr>
-        <p:spPr>
-          <a:xfrm>
-            <a:off x="685800" y="4400640"/>
-            <a:ext cx="5486040" cy="3600000"/>
-          </a:xfrm>
-          <a:prstGeom prst="rect">
-            <a:avLst/>
-          </a:prstGeom>
-        </p:spPr>
-        <p:txBody>
-          <a:bodyPr/>
-          <a:p>
-            <a:pPr marL="216000" indent="-216000">
-              <a:lnSpc>
-                <a:spcPct val="100000"/>
-              </a:lnSpc>
-            </a:pPr>
-            <a:r>
-              <a:rPr b="0" lang="en" sz="2000" spc="-1" strike="noStrike">
-                <a:latin typeface="Arial"/>
-              </a:rPr>
-              <a:t>Lasse</a:t>
-            </a:r>
-            <a:endParaRPr b="0" lang="en" sz="2000" spc="-1" strike="noStrike">
-              <a:latin typeface="Arial"/>
-            </a:endParaRPr>
-          </a:p>
-        </p:txBody>
-      </p:sp>
-      <p:sp>
-        <p:nvSpPr>
-          <p:cNvPr id="135" name="TextShape 3"/>
-          <p:cNvSpPr txBox="1"/>
-          <p:nvPr/>
-        </p:nvSpPr>
-        <p:spPr>
-          <a:xfrm>
-            <a:off x="3884760" y="8685360"/>
-            <a:ext cx="2971440" cy="458280"/>
-          </a:xfrm>
-          <a:prstGeom prst="rect">
-            <a:avLst/>
-          </a:prstGeom>
-          <a:noFill/>
-          <a:ln>
-            <a:noFill/>
-          </a:ln>
-        </p:spPr>
-        <p:txBody>
-          <a:bodyPr anchor="b"/>
-          <a:p>
-            <a:pPr algn="r">
-              <a:lnSpc>
-                <a:spcPct val="100000"/>
-              </a:lnSpc>
-            </a:pPr>
-            <a:fld id="{7E0A03C4-6E01-4480-BD7F-FBA148A5460A}" type="slidenum">
-              <a:rPr b="0" lang="en" sz="1200" spc="-1" strike="noStrike">
-                <a:solidFill>
-                  <a:srgbClr val="000000"/>
-                </a:solidFill>
-                <a:latin typeface="+mn-lt"/>
-                <a:ea typeface="+mn-ea"/>
-              </a:rPr>
-              <a:t>&lt;number&gt;</a:t>
-            </a:fld>
-            <a:endParaRPr b="0" lang="en" sz="1200" spc="-1" strike="noStrike">
-              <a:latin typeface="Times New Roman"/>
-            </a:endParaRPr>
-          </a:p>
-        </p:txBody>
-      </p:sp>
-    </p:spTree>
-  </p:cSld>
+  <p:clrMapOvr>
+    <a:masterClrMapping/>
+  </p:clrMapOvr>
 </p:notes>
 </file>
 
 <file path=ppt/slideLayouts/slideLayout1.xml><?xml version="1.0" encoding="utf-8"?>
-<p:sldLayout xmlns:a="http://schemas.openxmlformats.org/drawingml/2006/main" xmlns:p="http://schemas.openxmlformats.org/presentationml/2006/main" xmlns:r="http://schemas.openxmlformats.org/officeDocument/2006/relationships" xmlns:p14="http://schemas.microsoft.com/office/powerpoint/2010/main" xmlns:p15="http://schemas.microsoft.com/office/powerpoint/2012/main" xmlns:mc="http://schemas.openxmlformats.org/markup-compatibility/2006" type="blank" preserve="1">
+<p:sldLayout xmlns:a="http://schemas.openxmlformats.org/drawingml/2006/main" xmlns:r="http://schemas.openxmlformats.org/officeDocument/2006/relationships" xmlns:p="http://schemas.openxmlformats.org/presentationml/2006/main" type="blank" preserve="1">
   <p:cSld name="Blank Slide">
     <p:spTree>
       <p:nvGrpSpPr>
@@ -1019,11 +1211,14 @@
       </p:grpSpPr>
     </p:spTree>
   </p:cSld>
+  <p:clrMapOvr>
+    <a:masterClrMapping/>
+  </p:clrMapOvr>
 </p:sldLayout>
 </file>
 
 <file path=ppt/slideLayouts/slideLayout10.xml><?xml version="1.0" encoding="utf-8"?>
-<p:sldLayout xmlns:a="http://schemas.openxmlformats.org/drawingml/2006/main" xmlns:p="http://schemas.openxmlformats.org/presentationml/2006/main" xmlns:r="http://schemas.openxmlformats.org/officeDocument/2006/relationships" xmlns:p14="http://schemas.microsoft.com/office/powerpoint/2010/main" xmlns:p15="http://schemas.microsoft.com/office/powerpoint/2012/main" xmlns:mc="http://schemas.openxmlformats.org/markup-compatibility/2006" type="objOverTx" preserve="1">
+<p:sldLayout xmlns:a="http://schemas.openxmlformats.org/drawingml/2006/main" xmlns:r="http://schemas.openxmlformats.org/officeDocument/2006/relationships" xmlns:p="http://schemas.openxmlformats.org/presentationml/2006/main" type="objOverTx" preserve="1">
   <p:cSld name="Title, Content over Content">
     <p:spTree>
       <p:nvGrpSpPr>
@@ -1059,9 +1254,10 @@
           </a:prstGeom>
         </p:spPr>
         <p:txBody>
-          <a:bodyPr lIns="0" rIns="0" tIns="0" bIns="0" anchor="ctr"/>
-          <a:p>
-            <a:endParaRPr b="0" lang="en-US" sz="1800" spc="-1" strike="noStrike">
+          <a:bodyPr lIns="0" tIns="0" rIns="0" bIns="0" anchor="ctr"/>
+          <a:lstStyle/>
+          <a:p>
+            <a:endParaRPr lang="en-US" sz="1800" b="0" strike="noStrike" spc="-1">
               <a:solidFill>
                 <a:srgbClr val="000000"/>
               </a:solidFill>
@@ -1090,11 +1286,12 @@
           </a:prstGeom>
         </p:spPr>
         <p:txBody>
-          <a:bodyPr lIns="0" rIns="0" tIns="0" bIns="0">
+          <a:bodyPr lIns="0" tIns="0" rIns="0" bIns="0">
             <a:normAutofit/>
           </a:bodyPr>
-          <a:p>
-            <a:endParaRPr b="0" lang="en-US" sz="2000" spc="-1" strike="noStrike">
+          <a:lstStyle/>
+          <a:p>
+            <a:endParaRPr lang="en-US" sz="2000" b="0" strike="noStrike" spc="-1">
               <a:solidFill>
                 <a:srgbClr val="404040"/>
               </a:solidFill>
@@ -1123,11 +1320,12 @@
           </a:prstGeom>
         </p:spPr>
         <p:txBody>
-          <a:bodyPr lIns="0" rIns="0" tIns="0" bIns="0">
+          <a:bodyPr lIns="0" tIns="0" rIns="0" bIns="0">
             <a:normAutofit/>
           </a:bodyPr>
-          <a:p>
-            <a:endParaRPr b="0" lang="en-US" sz="2000" spc="-1" strike="noStrike">
+          <a:lstStyle/>
+          <a:p>
+            <a:endParaRPr lang="en-US" sz="2000" b="0" strike="noStrike" spc="-1">
               <a:solidFill>
                 <a:srgbClr val="404040"/>
               </a:solidFill>
@@ -1138,11 +1336,14 @@
       </p:sp>
     </p:spTree>
   </p:cSld>
+  <p:clrMapOvr>
+    <a:masterClrMapping/>
+  </p:clrMapOvr>
 </p:sldLayout>
 </file>
 
 <file path=ppt/slideLayouts/slideLayout11.xml><?xml version="1.0" encoding="utf-8"?>
-<p:sldLayout xmlns:a="http://schemas.openxmlformats.org/drawingml/2006/main" xmlns:p="http://schemas.openxmlformats.org/presentationml/2006/main" xmlns:r="http://schemas.openxmlformats.org/officeDocument/2006/relationships" xmlns:p14="http://schemas.microsoft.com/office/powerpoint/2010/main" xmlns:p15="http://schemas.microsoft.com/office/powerpoint/2012/main" xmlns:mc="http://schemas.openxmlformats.org/markup-compatibility/2006" type="fourObj" preserve="1">
+<p:sldLayout xmlns:a="http://schemas.openxmlformats.org/drawingml/2006/main" xmlns:r="http://schemas.openxmlformats.org/officeDocument/2006/relationships" xmlns:p="http://schemas.openxmlformats.org/presentationml/2006/main" type="fourObj" preserve="1">
   <p:cSld name="Title, 4 Content">
     <p:spTree>
       <p:nvGrpSpPr>
@@ -1178,9 +1379,10 @@
           </a:prstGeom>
         </p:spPr>
         <p:txBody>
-          <a:bodyPr lIns="0" rIns="0" tIns="0" bIns="0" anchor="ctr"/>
-          <a:p>
-            <a:endParaRPr b="0" lang="en-US" sz="1800" spc="-1" strike="noStrike">
+          <a:bodyPr lIns="0" tIns="0" rIns="0" bIns="0" anchor="ctr"/>
+          <a:lstStyle/>
+          <a:p>
+            <a:endParaRPr lang="en-US" sz="1800" b="0" strike="noStrike" spc="-1">
               <a:solidFill>
                 <a:srgbClr val="000000"/>
               </a:solidFill>
@@ -1209,11 +1411,12 @@
           </a:prstGeom>
         </p:spPr>
         <p:txBody>
-          <a:bodyPr lIns="0" rIns="0" tIns="0" bIns="0">
+          <a:bodyPr lIns="0" tIns="0" rIns="0" bIns="0">
             <a:normAutofit/>
           </a:bodyPr>
-          <a:p>
-            <a:endParaRPr b="0" lang="en-US" sz="2000" spc="-1" strike="noStrike">
+          <a:lstStyle/>
+          <a:p>
+            <a:endParaRPr lang="en-US" sz="2000" b="0" strike="noStrike" spc="-1">
               <a:solidFill>
                 <a:srgbClr val="404040"/>
               </a:solidFill>
@@ -1242,11 +1445,12 @@
           </a:prstGeom>
         </p:spPr>
         <p:txBody>
-          <a:bodyPr lIns="0" rIns="0" tIns="0" bIns="0">
+          <a:bodyPr lIns="0" tIns="0" rIns="0" bIns="0">
             <a:normAutofit/>
           </a:bodyPr>
-          <a:p>
-            <a:endParaRPr b="0" lang="en-US" sz="2000" spc="-1" strike="noStrike">
+          <a:lstStyle/>
+          <a:p>
+            <a:endParaRPr lang="en-US" sz="2000" b="0" strike="noStrike" spc="-1">
               <a:solidFill>
                 <a:srgbClr val="404040"/>
               </a:solidFill>
@@ -1275,11 +1479,12 @@
           </a:prstGeom>
         </p:spPr>
         <p:txBody>
-          <a:bodyPr lIns="0" rIns="0" tIns="0" bIns="0">
+          <a:bodyPr lIns="0" tIns="0" rIns="0" bIns="0">
             <a:normAutofit/>
           </a:bodyPr>
-          <a:p>
-            <a:endParaRPr b="0" lang="en-US" sz="2000" spc="-1" strike="noStrike">
+          <a:lstStyle/>
+          <a:p>
+            <a:endParaRPr lang="en-US" sz="2000" b="0" strike="noStrike" spc="-1">
               <a:solidFill>
                 <a:srgbClr val="404040"/>
               </a:solidFill>
@@ -1308,11 +1513,12 @@
           </a:prstGeom>
         </p:spPr>
         <p:txBody>
-          <a:bodyPr lIns="0" rIns="0" tIns="0" bIns="0">
+          <a:bodyPr lIns="0" tIns="0" rIns="0" bIns="0">
             <a:normAutofit/>
           </a:bodyPr>
-          <a:p>
-            <a:endParaRPr b="0" lang="en-US" sz="2000" spc="-1" strike="noStrike">
+          <a:lstStyle/>
+          <a:p>
+            <a:endParaRPr lang="en-US" sz="2000" b="0" strike="noStrike" spc="-1">
               <a:solidFill>
                 <a:srgbClr val="404040"/>
               </a:solidFill>
@@ -1323,11 +1529,14 @@
       </p:sp>
     </p:spTree>
   </p:cSld>
+  <p:clrMapOvr>
+    <a:masterClrMapping/>
+  </p:clrMapOvr>
 </p:sldLayout>
 </file>
 
 <file path=ppt/slideLayouts/slideLayout12.xml><?xml version="1.0" encoding="utf-8"?>
-<p:sldLayout xmlns:a="http://schemas.openxmlformats.org/drawingml/2006/main" xmlns:p="http://schemas.openxmlformats.org/presentationml/2006/main" xmlns:r="http://schemas.openxmlformats.org/officeDocument/2006/relationships" xmlns:p14="http://schemas.microsoft.com/office/powerpoint/2010/main" xmlns:p15="http://schemas.microsoft.com/office/powerpoint/2012/main" xmlns:mc="http://schemas.openxmlformats.org/markup-compatibility/2006" type="blank" preserve="1">
+<p:sldLayout xmlns:a="http://schemas.openxmlformats.org/drawingml/2006/main" xmlns:r="http://schemas.openxmlformats.org/officeDocument/2006/relationships" xmlns:p="http://schemas.openxmlformats.org/presentationml/2006/main" type="blank" preserve="1">
   <p:cSld name="Title, 6 Content">
     <p:spTree>
       <p:nvGrpSpPr>
@@ -1363,9 +1572,10 @@
           </a:prstGeom>
         </p:spPr>
         <p:txBody>
-          <a:bodyPr lIns="0" rIns="0" tIns="0" bIns="0" anchor="ctr"/>
-          <a:p>
-            <a:endParaRPr b="0" lang="en-US" sz="1800" spc="-1" strike="noStrike">
+          <a:bodyPr lIns="0" tIns="0" rIns="0" bIns="0" anchor="ctr"/>
+          <a:lstStyle/>
+          <a:p>
+            <a:endParaRPr lang="en-US" sz="1800" b="0" strike="noStrike" spc="-1">
               <a:solidFill>
                 <a:srgbClr val="000000"/>
               </a:solidFill>
@@ -1394,11 +1604,12 @@
           </a:prstGeom>
         </p:spPr>
         <p:txBody>
-          <a:bodyPr lIns="0" rIns="0" tIns="0" bIns="0">
+          <a:bodyPr lIns="0" tIns="0" rIns="0" bIns="0">
             <a:normAutofit/>
           </a:bodyPr>
-          <a:p>
-            <a:endParaRPr b="0" lang="en-US" sz="2000" spc="-1" strike="noStrike">
+          <a:lstStyle/>
+          <a:p>
+            <a:endParaRPr lang="en-US" sz="2000" b="0" strike="noStrike" spc="-1">
               <a:solidFill>
                 <a:srgbClr val="404040"/>
               </a:solidFill>
@@ -1427,11 +1638,12 @@
           </a:prstGeom>
         </p:spPr>
         <p:txBody>
-          <a:bodyPr lIns="0" rIns="0" tIns="0" bIns="0">
+          <a:bodyPr lIns="0" tIns="0" rIns="0" bIns="0">
             <a:normAutofit/>
           </a:bodyPr>
-          <a:p>
-            <a:endParaRPr b="0" lang="en-US" sz="2000" spc="-1" strike="noStrike">
+          <a:lstStyle/>
+          <a:p>
+            <a:endParaRPr lang="en-US" sz="2000" b="0" strike="noStrike" spc="-1">
               <a:solidFill>
                 <a:srgbClr val="404040"/>
               </a:solidFill>
@@ -1460,11 +1672,12 @@
           </a:prstGeom>
         </p:spPr>
         <p:txBody>
-          <a:bodyPr lIns="0" rIns="0" tIns="0" bIns="0">
+          <a:bodyPr lIns="0" tIns="0" rIns="0" bIns="0">
             <a:normAutofit/>
           </a:bodyPr>
-          <a:p>
-            <a:endParaRPr b="0" lang="en-US" sz="2000" spc="-1" strike="noStrike">
+          <a:lstStyle/>
+          <a:p>
+            <a:endParaRPr lang="en-US" sz="2000" b="0" strike="noStrike" spc="-1">
               <a:solidFill>
                 <a:srgbClr val="404040"/>
               </a:solidFill>
@@ -1493,11 +1706,12 @@
           </a:prstGeom>
         </p:spPr>
         <p:txBody>
-          <a:bodyPr lIns="0" rIns="0" tIns="0" bIns="0">
+          <a:bodyPr lIns="0" tIns="0" rIns="0" bIns="0">
             <a:normAutofit/>
           </a:bodyPr>
-          <a:p>
-            <a:endParaRPr b="0" lang="en-US" sz="2000" spc="-1" strike="noStrike">
+          <a:lstStyle/>
+          <a:p>
+            <a:endParaRPr lang="en-US" sz="2000" b="0" strike="noStrike" spc="-1">
               <a:solidFill>
                 <a:srgbClr val="404040"/>
               </a:solidFill>
@@ -1526,11 +1740,12 @@
           </a:prstGeom>
         </p:spPr>
         <p:txBody>
-          <a:bodyPr lIns="0" rIns="0" tIns="0" bIns="0">
+          <a:bodyPr lIns="0" tIns="0" rIns="0" bIns="0">
             <a:normAutofit/>
           </a:bodyPr>
-          <a:p>
-            <a:endParaRPr b="0" lang="en-US" sz="2000" spc="-1" strike="noStrike">
+          <a:lstStyle/>
+          <a:p>
+            <a:endParaRPr lang="en-US" sz="2000" b="0" strike="noStrike" spc="-1">
               <a:solidFill>
                 <a:srgbClr val="404040"/>
               </a:solidFill>
@@ -1559,11 +1774,12 @@
           </a:prstGeom>
         </p:spPr>
         <p:txBody>
-          <a:bodyPr lIns="0" rIns="0" tIns="0" bIns="0">
+          <a:bodyPr lIns="0" tIns="0" rIns="0" bIns="0">
             <a:normAutofit/>
           </a:bodyPr>
-          <a:p>
-            <a:endParaRPr b="0" lang="en-US" sz="2000" spc="-1" strike="noStrike">
+          <a:lstStyle/>
+          <a:p>
+            <a:endParaRPr lang="en-US" sz="2000" b="0" strike="noStrike" spc="-1">
               <a:solidFill>
                 <a:srgbClr val="404040"/>
               </a:solidFill>
@@ -1574,11 +1790,14 @@
       </p:sp>
     </p:spTree>
   </p:cSld>
+  <p:clrMapOvr>
+    <a:masterClrMapping/>
+  </p:clrMapOvr>
 </p:sldLayout>
 </file>
 
 <file path=ppt/slideLayouts/slideLayout13.xml><?xml version="1.0" encoding="utf-8"?>
-<p:sldLayout xmlns:a="http://schemas.openxmlformats.org/drawingml/2006/main" xmlns:p="http://schemas.openxmlformats.org/presentationml/2006/main" xmlns:r="http://schemas.openxmlformats.org/officeDocument/2006/relationships" xmlns:p14="http://schemas.microsoft.com/office/powerpoint/2010/main" xmlns:p15="http://schemas.microsoft.com/office/powerpoint/2012/main" xmlns:mc="http://schemas.openxmlformats.org/markup-compatibility/2006" type="blank" preserve="1">
+<p:sldLayout xmlns:a="http://schemas.openxmlformats.org/drawingml/2006/main" xmlns:r="http://schemas.openxmlformats.org/officeDocument/2006/relationships" xmlns:p="http://schemas.openxmlformats.org/presentationml/2006/main" type="blank" preserve="1">
   <p:cSld name="Blank Slide">
     <p:spTree>
       <p:nvGrpSpPr>
@@ -1596,11 +1815,14 @@
       </p:grpSpPr>
     </p:spTree>
   </p:cSld>
+  <p:clrMapOvr>
+    <a:masterClrMapping/>
+  </p:clrMapOvr>
 </p:sldLayout>
 </file>
 
 <file path=ppt/slideLayouts/slideLayout14.xml><?xml version="1.0" encoding="utf-8"?>
-<p:sldLayout xmlns:a="http://schemas.openxmlformats.org/drawingml/2006/main" xmlns:p="http://schemas.openxmlformats.org/presentationml/2006/main" xmlns:r="http://schemas.openxmlformats.org/officeDocument/2006/relationships" xmlns:p14="http://schemas.microsoft.com/office/powerpoint/2010/main" xmlns:p15="http://schemas.microsoft.com/office/powerpoint/2012/main" xmlns:mc="http://schemas.openxmlformats.org/markup-compatibility/2006" type="tx" preserve="1">
+<p:sldLayout xmlns:a="http://schemas.openxmlformats.org/drawingml/2006/main" xmlns:r="http://schemas.openxmlformats.org/officeDocument/2006/relationships" xmlns:p="http://schemas.openxmlformats.org/presentationml/2006/main" type="tx" preserve="1">
   <p:cSld name="Title Slide">
     <p:spTree>
       <p:nvGrpSpPr>
@@ -1636,9 +1858,10 @@
           </a:prstGeom>
         </p:spPr>
         <p:txBody>
-          <a:bodyPr lIns="0" rIns="0" tIns="0" bIns="0" anchor="ctr"/>
-          <a:p>
-            <a:endParaRPr b="0" lang="en-US" sz="1800" spc="-1" strike="noStrike">
+          <a:bodyPr lIns="0" tIns="0" rIns="0" bIns="0" anchor="ctr"/>
+          <a:lstStyle/>
+          <a:p>
+            <a:endParaRPr lang="en-US" sz="1800" b="0" strike="noStrike" spc="-1">
               <a:solidFill>
                 <a:srgbClr val="000000"/>
               </a:solidFill>
@@ -1667,10 +1890,11 @@
           </a:prstGeom>
         </p:spPr>
         <p:txBody>
-          <a:bodyPr lIns="0" rIns="0" tIns="0" bIns="0" anchor="ctr"/>
+          <a:bodyPr lIns="0" tIns="0" rIns="0" bIns="0" anchor="ctr"/>
+          <a:lstStyle/>
           <a:p>
             <a:pPr algn="ctr"/>
-            <a:endParaRPr b="0" lang="en" sz="3200" spc="-1" strike="noStrike">
+            <a:endParaRPr lang="en" sz="3200" b="0" strike="noStrike" spc="-1">
               <a:latin typeface="Arial"/>
             </a:endParaRPr>
           </a:p>
@@ -1678,11 +1902,14 @@
       </p:sp>
     </p:spTree>
   </p:cSld>
+  <p:clrMapOvr>
+    <a:masterClrMapping/>
+  </p:clrMapOvr>
 </p:sldLayout>
 </file>
 
 <file path=ppt/slideLayouts/slideLayout15.xml><?xml version="1.0" encoding="utf-8"?>
-<p:sldLayout xmlns:a="http://schemas.openxmlformats.org/drawingml/2006/main" xmlns:p="http://schemas.openxmlformats.org/presentationml/2006/main" xmlns:r="http://schemas.openxmlformats.org/officeDocument/2006/relationships" xmlns:p14="http://schemas.microsoft.com/office/powerpoint/2010/main" xmlns:p15="http://schemas.microsoft.com/office/powerpoint/2012/main" xmlns:mc="http://schemas.openxmlformats.org/markup-compatibility/2006" type="obj" preserve="1">
+<p:sldLayout xmlns:a="http://schemas.openxmlformats.org/drawingml/2006/main" xmlns:r="http://schemas.openxmlformats.org/officeDocument/2006/relationships" xmlns:p="http://schemas.openxmlformats.org/presentationml/2006/main" type="obj" preserve="1">
   <p:cSld name="Title, Content">
     <p:spTree>
       <p:nvGrpSpPr>
@@ -1718,9 +1945,10 @@
           </a:prstGeom>
         </p:spPr>
         <p:txBody>
-          <a:bodyPr lIns="0" rIns="0" tIns="0" bIns="0" anchor="ctr"/>
-          <a:p>
-            <a:endParaRPr b="0" lang="en-US" sz="1800" spc="-1" strike="noStrike">
+          <a:bodyPr lIns="0" tIns="0" rIns="0" bIns="0" anchor="ctr"/>
+          <a:lstStyle/>
+          <a:p>
+            <a:endParaRPr lang="en-US" sz="1800" b="0" strike="noStrike" spc="-1">
               <a:solidFill>
                 <a:srgbClr val="000000"/>
               </a:solidFill>
@@ -1749,11 +1977,12 @@
           </a:prstGeom>
         </p:spPr>
         <p:txBody>
-          <a:bodyPr lIns="0" rIns="0" tIns="0" bIns="0">
+          <a:bodyPr lIns="0" tIns="0" rIns="0" bIns="0">
             <a:normAutofit/>
           </a:bodyPr>
-          <a:p>
-            <a:endParaRPr b="0" lang="en-US" sz="2000" spc="-1" strike="noStrike">
+          <a:lstStyle/>
+          <a:p>
+            <a:endParaRPr lang="en-US" sz="2000" b="0" strike="noStrike" spc="-1">
               <a:solidFill>
                 <a:srgbClr val="404040"/>
               </a:solidFill>
@@ -1764,11 +1993,14 @@
       </p:sp>
     </p:spTree>
   </p:cSld>
+  <p:clrMapOvr>
+    <a:masterClrMapping/>
+  </p:clrMapOvr>
 </p:sldLayout>
 </file>
 
 <file path=ppt/slideLayouts/slideLayout16.xml><?xml version="1.0" encoding="utf-8"?>
-<p:sldLayout xmlns:a="http://schemas.openxmlformats.org/drawingml/2006/main" xmlns:p="http://schemas.openxmlformats.org/presentationml/2006/main" xmlns:r="http://schemas.openxmlformats.org/officeDocument/2006/relationships" xmlns:p14="http://schemas.microsoft.com/office/powerpoint/2010/main" xmlns:p15="http://schemas.microsoft.com/office/powerpoint/2012/main" xmlns:mc="http://schemas.openxmlformats.org/markup-compatibility/2006" type="twoObj" preserve="1">
+<p:sldLayout xmlns:a="http://schemas.openxmlformats.org/drawingml/2006/main" xmlns:r="http://schemas.openxmlformats.org/officeDocument/2006/relationships" xmlns:p="http://schemas.openxmlformats.org/presentationml/2006/main" type="twoObj" preserve="1">
   <p:cSld name="Title, 2 Content">
     <p:spTree>
       <p:nvGrpSpPr>
@@ -1804,9 +2036,10 @@
           </a:prstGeom>
         </p:spPr>
         <p:txBody>
-          <a:bodyPr lIns="0" rIns="0" tIns="0" bIns="0" anchor="ctr"/>
-          <a:p>
-            <a:endParaRPr b="0" lang="en-US" sz="1800" spc="-1" strike="noStrike">
+          <a:bodyPr lIns="0" tIns="0" rIns="0" bIns="0" anchor="ctr"/>
+          <a:lstStyle/>
+          <a:p>
+            <a:endParaRPr lang="en-US" sz="1800" b="0" strike="noStrike" spc="-1">
               <a:solidFill>
                 <a:srgbClr val="000000"/>
               </a:solidFill>
@@ -1835,11 +2068,12 @@
           </a:prstGeom>
         </p:spPr>
         <p:txBody>
-          <a:bodyPr lIns="0" rIns="0" tIns="0" bIns="0">
+          <a:bodyPr lIns="0" tIns="0" rIns="0" bIns="0">
             <a:normAutofit/>
           </a:bodyPr>
-          <a:p>
-            <a:endParaRPr b="0" lang="en-US" sz="2000" spc="-1" strike="noStrike">
+          <a:lstStyle/>
+          <a:p>
+            <a:endParaRPr lang="en-US" sz="2000" b="0" strike="noStrike" spc="-1">
               <a:solidFill>
                 <a:srgbClr val="404040"/>
               </a:solidFill>
@@ -1868,11 +2102,12 @@
           </a:prstGeom>
         </p:spPr>
         <p:txBody>
-          <a:bodyPr lIns="0" rIns="0" tIns="0" bIns="0">
+          <a:bodyPr lIns="0" tIns="0" rIns="0" bIns="0">
             <a:normAutofit/>
           </a:bodyPr>
-          <a:p>
-            <a:endParaRPr b="0" lang="en-US" sz="2000" spc="-1" strike="noStrike">
+          <a:lstStyle/>
+          <a:p>
+            <a:endParaRPr lang="en-US" sz="2000" b="0" strike="noStrike" spc="-1">
               <a:solidFill>
                 <a:srgbClr val="404040"/>
               </a:solidFill>
@@ -1883,11 +2118,14 @@
       </p:sp>
     </p:spTree>
   </p:cSld>
+  <p:clrMapOvr>
+    <a:masterClrMapping/>
+  </p:clrMapOvr>
 </p:sldLayout>
 </file>
 
 <file path=ppt/slideLayouts/slideLayout17.xml><?xml version="1.0" encoding="utf-8"?>
-<p:sldLayout xmlns:a="http://schemas.openxmlformats.org/drawingml/2006/main" xmlns:p="http://schemas.openxmlformats.org/presentationml/2006/main" xmlns:r="http://schemas.openxmlformats.org/officeDocument/2006/relationships" xmlns:p14="http://schemas.microsoft.com/office/powerpoint/2010/main" xmlns:p15="http://schemas.microsoft.com/office/powerpoint/2012/main" xmlns:mc="http://schemas.openxmlformats.org/markup-compatibility/2006" type="titleOnly" preserve="1">
+<p:sldLayout xmlns:a="http://schemas.openxmlformats.org/drawingml/2006/main" xmlns:r="http://schemas.openxmlformats.org/officeDocument/2006/relationships" xmlns:p="http://schemas.openxmlformats.org/presentationml/2006/main" type="titleOnly" preserve="1">
   <p:cSld name="Title Only">
     <p:spTree>
       <p:nvGrpSpPr>
@@ -1923,9 +2161,10 @@
           </a:prstGeom>
         </p:spPr>
         <p:txBody>
-          <a:bodyPr lIns="0" rIns="0" tIns="0" bIns="0" anchor="ctr"/>
-          <a:p>
-            <a:endParaRPr b="0" lang="en-US" sz="1800" spc="-1" strike="noStrike">
+          <a:bodyPr lIns="0" tIns="0" rIns="0" bIns="0" anchor="ctr"/>
+          <a:lstStyle/>
+          <a:p>
+            <a:endParaRPr lang="en-US" sz="1800" b="0" strike="noStrike" spc="-1">
               <a:solidFill>
                 <a:srgbClr val="000000"/>
               </a:solidFill>
@@ -1936,11 +2175,14 @@
       </p:sp>
     </p:spTree>
   </p:cSld>
+  <p:clrMapOvr>
+    <a:masterClrMapping/>
+  </p:clrMapOvr>
 </p:sldLayout>
 </file>
 
 <file path=ppt/slideLayouts/slideLayout18.xml><?xml version="1.0" encoding="utf-8"?>
-<p:sldLayout xmlns:a="http://schemas.openxmlformats.org/drawingml/2006/main" xmlns:p="http://schemas.openxmlformats.org/presentationml/2006/main" xmlns:r="http://schemas.openxmlformats.org/officeDocument/2006/relationships" xmlns:p14="http://schemas.microsoft.com/office/powerpoint/2010/main" xmlns:p15="http://schemas.microsoft.com/office/powerpoint/2012/main" xmlns:mc="http://schemas.openxmlformats.org/markup-compatibility/2006" type="objOnly" preserve="1">
+<p:sldLayout xmlns:a="http://schemas.openxmlformats.org/drawingml/2006/main" xmlns:r="http://schemas.openxmlformats.org/officeDocument/2006/relationships" xmlns:p="http://schemas.openxmlformats.org/presentationml/2006/main" type="objOnly" preserve="1">
   <p:cSld name="Centered Text">
     <p:spTree>
       <p:nvGrpSpPr>
@@ -1976,10 +2218,11 @@
           </a:prstGeom>
         </p:spPr>
         <p:txBody>
-          <a:bodyPr lIns="0" rIns="0" tIns="0" bIns="0" anchor="ctr"/>
+          <a:bodyPr lIns="0" tIns="0" rIns="0" bIns="0" anchor="ctr"/>
+          <a:lstStyle/>
           <a:p>
             <a:pPr algn="ctr"/>
-            <a:endParaRPr b="0" lang="en" sz="3200" spc="-1" strike="noStrike">
+            <a:endParaRPr lang="en" sz="3200" b="0" strike="noStrike" spc="-1">
               <a:latin typeface="Arial"/>
             </a:endParaRPr>
           </a:p>
@@ -1987,11 +2230,14 @@
       </p:sp>
     </p:spTree>
   </p:cSld>
+  <p:clrMapOvr>
+    <a:masterClrMapping/>
+  </p:clrMapOvr>
 </p:sldLayout>
 </file>
 
 <file path=ppt/slideLayouts/slideLayout19.xml><?xml version="1.0" encoding="utf-8"?>
-<p:sldLayout xmlns:a="http://schemas.openxmlformats.org/drawingml/2006/main" xmlns:p="http://schemas.openxmlformats.org/presentationml/2006/main" xmlns:r="http://schemas.openxmlformats.org/officeDocument/2006/relationships" xmlns:p14="http://schemas.microsoft.com/office/powerpoint/2010/main" xmlns:p15="http://schemas.microsoft.com/office/powerpoint/2012/main" xmlns:mc="http://schemas.openxmlformats.org/markup-compatibility/2006" type="twoObjAndObj" preserve="1">
+<p:sldLayout xmlns:a="http://schemas.openxmlformats.org/drawingml/2006/main" xmlns:r="http://schemas.openxmlformats.org/officeDocument/2006/relationships" xmlns:p="http://schemas.openxmlformats.org/presentationml/2006/main" type="twoObjAndObj" preserve="1">
   <p:cSld name="Title, 2 Content and Content">
     <p:spTree>
       <p:nvGrpSpPr>
@@ -2027,9 +2273,10 @@
           </a:prstGeom>
         </p:spPr>
         <p:txBody>
-          <a:bodyPr lIns="0" rIns="0" tIns="0" bIns="0" anchor="ctr"/>
-          <a:p>
-            <a:endParaRPr b="0" lang="en-US" sz="1800" spc="-1" strike="noStrike">
+          <a:bodyPr lIns="0" tIns="0" rIns="0" bIns="0" anchor="ctr"/>
+          <a:lstStyle/>
+          <a:p>
+            <a:endParaRPr lang="en-US" sz="1800" b="0" strike="noStrike" spc="-1">
               <a:solidFill>
                 <a:srgbClr val="000000"/>
               </a:solidFill>
@@ -2058,11 +2305,12 @@
           </a:prstGeom>
         </p:spPr>
         <p:txBody>
-          <a:bodyPr lIns="0" rIns="0" tIns="0" bIns="0">
+          <a:bodyPr lIns="0" tIns="0" rIns="0" bIns="0">
             <a:normAutofit/>
           </a:bodyPr>
-          <a:p>
-            <a:endParaRPr b="0" lang="en-US" sz="2000" spc="-1" strike="noStrike">
+          <a:lstStyle/>
+          <a:p>
+            <a:endParaRPr lang="en-US" sz="2000" b="0" strike="noStrike" spc="-1">
               <a:solidFill>
                 <a:srgbClr val="404040"/>
               </a:solidFill>
@@ -2091,11 +2339,12 @@
           </a:prstGeom>
         </p:spPr>
         <p:txBody>
-          <a:bodyPr lIns="0" rIns="0" tIns="0" bIns="0">
+          <a:bodyPr lIns="0" tIns="0" rIns="0" bIns="0">
             <a:normAutofit/>
           </a:bodyPr>
-          <a:p>
-            <a:endParaRPr b="0" lang="en-US" sz="2000" spc="-1" strike="noStrike">
+          <a:lstStyle/>
+          <a:p>
+            <a:endParaRPr lang="en-US" sz="2000" b="0" strike="noStrike" spc="-1">
               <a:solidFill>
                 <a:srgbClr val="404040"/>
               </a:solidFill>
@@ -2124,11 +2373,12 @@
           </a:prstGeom>
         </p:spPr>
         <p:txBody>
-          <a:bodyPr lIns="0" rIns="0" tIns="0" bIns="0">
+          <a:bodyPr lIns="0" tIns="0" rIns="0" bIns="0">
             <a:normAutofit/>
           </a:bodyPr>
-          <a:p>
-            <a:endParaRPr b="0" lang="en-US" sz="2000" spc="-1" strike="noStrike">
+          <a:lstStyle/>
+          <a:p>
+            <a:endParaRPr lang="en-US" sz="2000" b="0" strike="noStrike" spc="-1">
               <a:solidFill>
                 <a:srgbClr val="404040"/>
               </a:solidFill>
@@ -2139,11 +2389,14 @@
       </p:sp>
     </p:spTree>
   </p:cSld>
+  <p:clrMapOvr>
+    <a:masterClrMapping/>
+  </p:clrMapOvr>
 </p:sldLayout>
 </file>
 
 <file path=ppt/slideLayouts/slideLayout2.xml><?xml version="1.0" encoding="utf-8"?>
-<p:sldLayout xmlns:a="http://schemas.openxmlformats.org/drawingml/2006/main" xmlns:p="http://schemas.openxmlformats.org/presentationml/2006/main" xmlns:r="http://schemas.openxmlformats.org/officeDocument/2006/relationships" xmlns:p14="http://schemas.microsoft.com/office/powerpoint/2010/main" xmlns:p15="http://schemas.microsoft.com/office/powerpoint/2012/main" xmlns:mc="http://schemas.openxmlformats.org/markup-compatibility/2006" type="tx" preserve="1">
+<p:sldLayout xmlns:a="http://schemas.openxmlformats.org/drawingml/2006/main" xmlns:r="http://schemas.openxmlformats.org/officeDocument/2006/relationships" xmlns:p="http://schemas.openxmlformats.org/presentationml/2006/main" type="tx" preserve="1">
   <p:cSld name="Title Slide">
     <p:spTree>
       <p:nvGrpSpPr>
@@ -2179,9 +2432,10 @@
           </a:prstGeom>
         </p:spPr>
         <p:txBody>
-          <a:bodyPr lIns="0" rIns="0" tIns="0" bIns="0" anchor="ctr"/>
-          <a:p>
-            <a:endParaRPr b="0" lang="en-US" sz="1800" spc="-1" strike="noStrike">
+          <a:bodyPr lIns="0" tIns="0" rIns="0" bIns="0" anchor="ctr"/>
+          <a:lstStyle/>
+          <a:p>
+            <a:endParaRPr lang="en-US" sz="1800" b="0" strike="noStrike" spc="-1">
               <a:solidFill>
                 <a:srgbClr val="000000"/>
               </a:solidFill>
@@ -2210,10 +2464,11 @@
           </a:prstGeom>
         </p:spPr>
         <p:txBody>
-          <a:bodyPr lIns="0" rIns="0" tIns="0" bIns="0" anchor="ctr"/>
+          <a:bodyPr lIns="0" tIns="0" rIns="0" bIns="0" anchor="ctr"/>
+          <a:lstStyle/>
           <a:p>
             <a:pPr algn="ctr"/>
-            <a:endParaRPr b="0" lang="en" sz="3200" spc="-1" strike="noStrike">
+            <a:endParaRPr lang="en" sz="3200" b="0" strike="noStrike" spc="-1">
               <a:latin typeface="Arial"/>
             </a:endParaRPr>
           </a:p>
@@ -2221,11 +2476,14 @@
       </p:sp>
     </p:spTree>
   </p:cSld>
+  <p:clrMapOvr>
+    <a:masterClrMapping/>
+  </p:clrMapOvr>
 </p:sldLayout>
 </file>
 
 <file path=ppt/slideLayouts/slideLayout20.xml><?xml version="1.0" encoding="utf-8"?>
-<p:sldLayout xmlns:a="http://schemas.openxmlformats.org/drawingml/2006/main" xmlns:p="http://schemas.openxmlformats.org/presentationml/2006/main" xmlns:r="http://schemas.openxmlformats.org/officeDocument/2006/relationships" xmlns:p14="http://schemas.microsoft.com/office/powerpoint/2010/main" xmlns:p15="http://schemas.microsoft.com/office/powerpoint/2012/main" xmlns:mc="http://schemas.openxmlformats.org/markup-compatibility/2006" type="objAndTwoObj" preserve="1">
+<p:sldLayout xmlns:a="http://schemas.openxmlformats.org/drawingml/2006/main" xmlns:r="http://schemas.openxmlformats.org/officeDocument/2006/relationships" xmlns:p="http://schemas.openxmlformats.org/presentationml/2006/main" type="objAndTwoObj" preserve="1">
   <p:cSld name="Title Content and 2 Content">
     <p:spTree>
       <p:nvGrpSpPr>
@@ -2261,9 +2519,10 @@
           </a:prstGeom>
         </p:spPr>
         <p:txBody>
-          <a:bodyPr lIns="0" rIns="0" tIns="0" bIns="0" anchor="ctr"/>
-          <a:p>
-            <a:endParaRPr b="0" lang="en-US" sz="1800" spc="-1" strike="noStrike">
+          <a:bodyPr lIns="0" tIns="0" rIns="0" bIns="0" anchor="ctr"/>
+          <a:lstStyle/>
+          <a:p>
+            <a:endParaRPr lang="en-US" sz="1800" b="0" strike="noStrike" spc="-1">
               <a:solidFill>
                 <a:srgbClr val="000000"/>
               </a:solidFill>
@@ -2292,11 +2551,12 @@
           </a:prstGeom>
         </p:spPr>
         <p:txBody>
-          <a:bodyPr lIns="0" rIns="0" tIns="0" bIns="0">
+          <a:bodyPr lIns="0" tIns="0" rIns="0" bIns="0">
             <a:normAutofit/>
           </a:bodyPr>
-          <a:p>
-            <a:endParaRPr b="0" lang="en-US" sz="2000" spc="-1" strike="noStrike">
+          <a:lstStyle/>
+          <a:p>
+            <a:endParaRPr lang="en-US" sz="2000" b="0" strike="noStrike" spc="-1">
               <a:solidFill>
                 <a:srgbClr val="404040"/>
               </a:solidFill>
@@ -2325,11 +2585,12 @@
           </a:prstGeom>
         </p:spPr>
         <p:txBody>
-          <a:bodyPr lIns="0" rIns="0" tIns="0" bIns="0">
+          <a:bodyPr lIns="0" tIns="0" rIns="0" bIns="0">
             <a:normAutofit/>
           </a:bodyPr>
-          <a:p>
-            <a:endParaRPr b="0" lang="en-US" sz="2000" spc="-1" strike="noStrike">
+          <a:lstStyle/>
+          <a:p>
+            <a:endParaRPr lang="en-US" sz="2000" b="0" strike="noStrike" spc="-1">
               <a:solidFill>
                 <a:srgbClr val="404040"/>
               </a:solidFill>
@@ -2358,11 +2619,12 @@
           </a:prstGeom>
         </p:spPr>
         <p:txBody>
-          <a:bodyPr lIns="0" rIns="0" tIns="0" bIns="0">
+          <a:bodyPr lIns="0" tIns="0" rIns="0" bIns="0">
             <a:normAutofit/>
           </a:bodyPr>
-          <a:p>
-            <a:endParaRPr b="0" lang="en-US" sz="2000" spc="-1" strike="noStrike">
+          <a:lstStyle/>
+          <a:p>
+            <a:endParaRPr lang="en-US" sz="2000" b="0" strike="noStrike" spc="-1">
               <a:solidFill>
                 <a:srgbClr val="404040"/>
               </a:solidFill>
@@ -2373,11 +2635,14 @@
       </p:sp>
     </p:spTree>
   </p:cSld>
+  <p:clrMapOvr>
+    <a:masterClrMapping/>
+  </p:clrMapOvr>
 </p:sldLayout>
 </file>
 
 <file path=ppt/slideLayouts/slideLayout21.xml><?xml version="1.0" encoding="utf-8"?>
-<p:sldLayout xmlns:a="http://schemas.openxmlformats.org/drawingml/2006/main" xmlns:p="http://schemas.openxmlformats.org/presentationml/2006/main" xmlns:r="http://schemas.openxmlformats.org/officeDocument/2006/relationships" xmlns:p14="http://schemas.microsoft.com/office/powerpoint/2010/main" xmlns:p15="http://schemas.microsoft.com/office/powerpoint/2012/main" xmlns:mc="http://schemas.openxmlformats.org/markup-compatibility/2006" type="twoObjOverTx" preserve="1">
+<p:sldLayout xmlns:a="http://schemas.openxmlformats.org/drawingml/2006/main" xmlns:r="http://schemas.openxmlformats.org/officeDocument/2006/relationships" xmlns:p="http://schemas.openxmlformats.org/presentationml/2006/main" type="twoObjOverTx" preserve="1">
   <p:cSld name="Title, 2 Content over Content">
     <p:spTree>
       <p:nvGrpSpPr>
@@ -2413,9 +2678,10 @@
           </a:prstGeom>
         </p:spPr>
         <p:txBody>
-          <a:bodyPr lIns="0" rIns="0" tIns="0" bIns="0" anchor="ctr"/>
-          <a:p>
-            <a:endParaRPr b="0" lang="en-US" sz="1800" spc="-1" strike="noStrike">
+          <a:bodyPr lIns="0" tIns="0" rIns="0" bIns="0" anchor="ctr"/>
+          <a:lstStyle/>
+          <a:p>
+            <a:endParaRPr lang="en-US" sz="1800" b="0" strike="noStrike" spc="-1">
               <a:solidFill>
                 <a:srgbClr val="000000"/>
               </a:solidFill>
@@ -2444,11 +2710,12 @@
           </a:prstGeom>
         </p:spPr>
         <p:txBody>
-          <a:bodyPr lIns="0" rIns="0" tIns="0" bIns="0">
+          <a:bodyPr lIns="0" tIns="0" rIns="0" bIns="0">
             <a:normAutofit/>
           </a:bodyPr>
-          <a:p>
-            <a:endParaRPr b="0" lang="en-US" sz="2000" spc="-1" strike="noStrike">
+          <a:lstStyle/>
+          <a:p>
+            <a:endParaRPr lang="en-US" sz="2000" b="0" strike="noStrike" spc="-1">
               <a:solidFill>
                 <a:srgbClr val="404040"/>
               </a:solidFill>
@@ -2477,11 +2744,12 @@
           </a:prstGeom>
         </p:spPr>
         <p:txBody>
-          <a:bodyPr lIns="0" rIns="0" tIns="0" bIns="0">
+          <a:bodyPr lIns="0" tIns="0" rIns="0" bIns="0">
             <a:normAutofit/>
           </a:bodyPr>
-          <a:p>
-            <a:endParaRPr b="0" lang="en-US" sz="2000" spc="-1" strike="noStrike">
+          <a:lstStyle/>
+          <a:p>
+            <a:endParaRPr lang="en-US" sz="2000" b="0" strike="noStrike" spc="-1">
               <a:solidFill>
                 <a:srgbClr val="404040"/>
               </a:solidFill>
@@ -2510,11 +2778,12 @@
           </a:prstGeom>
         </p:spPr>
         <p:txBody>
-          <a:bodyPr lIns="0" rIns="0" tIns="0" bIns="0">
+          <a:bodyPr lIns="0" tIns="0" rIns="0" bIns="0">
             <a:normAutofit/>
           </a:bodyPr>
-          <a:p>
-            <a:endParaRPr b="0" lang="en-US" sz="2000" spc="-1" strike="noStrike">
+          <a:lstStyle/>
+          <a:p>
+            <a:endParaRPr lang="en-US" sz="2000" b="0" strike="noStrike" spc="-1">
               <a:solidFill>
                 <a:srgbClr val="404040"/>
               </a:solidFill>
@@ -2525,11 +2794,14 @@
       </p:sp>
     </p:spTree>
   </p:cSld>
+  <p:clrMapOvr>
+    <a:masterClrMapping/>
+  </p:clrMapOvr>
 </p:sldLayout>
 </file>
 
 <file path=ppt/slideLayouts/slideLayout22.xml><?xml version="1.0" encoding="utf-8"?>
-<p:sldLayout xmlns:a="http://schemas.openxmlformats.org/drawingml/2006/main" xmlns:p="http://schemas.openxmlformats.org/presentationml/2006/main" xmlns:r="http://schemas.openxmlformats.org/officeDocument/2006/relationships" xmlns:p14="http://schemas.microsoft.com/office/powerpoint/2010/main" xmlns:p15="http://schemas.microsoft.com/office/powerpoint/2012/main" xmlns:mc="http://schemas.openxmlformats.org/markup-compatibility/2006" type="objOverTx" preserve="1">
+<p:sldLayout xmlns:a="http://schemas.openxmlformats.org/drawingml/2006/main" xmlns:r="http://schemas.openxmlformats.org/officeDocument/2006/relationships" xmlns:p="http://schemas.openxmlformats.org/presentationml/2006/main" type="objOverTx" preserve="1">
   <p:cSld name="Title, Content over Content">
     <p:spTree>
       <p:nvGrpSpPr>
@@ -2565,9 +2837,10 @@
           </a:prstGeom>
         </p:spPr>
         <p:txBody>
-          <a:bodyPr lIns="0" rIns="0" tIns="0" bIns="0" anchor="ctr"/>
-          <a:p>
-            <a:endParaRPr b="0" lang="en-US" sz="1800" spc="-1" strike="noStrike">
+          <a:bodyPr lIns="0" tIns="0" rIns="0" bIns="0" anchor="ctr"/>
+          <a:lstStyle/>
+          <a:p>
+            <a:endParaRPr lang="en-US" sz="1800" b="0" strike="noStrike" spc="-1">
               <a:solidFill>
                 <a:srgbClr val="000000"/>
               </a:solidFill>
@@ -2596,11 +2869,12 @@
           </a:prstGeom>
         </p:spPr>
         <p:txBody>
-          <a:bodyPr lIns="0" rIns="0" tIns="0" bIns="0">
+          <a:bodyPr lIns="0" tIns="0" rIns="0" bIns="0">
             <a:normAutofit/>
           </a:bodyPr>
-          <a:p>
-            <a:endParaRPr b="0" lang="en-US" sz="2000" spc="-1" strike="noStrike">
+          <a:lstStyle/>
+          <a:p>
+            <a:endParaRPr lang="en-US" sz="2000" b="0" strike="noStrike" spc="-1">
               <a:solidFill>
                 <a:srgbClr val="404040"/>
               </a:solidFill>
@@ -2629,11 +2903,12 @@
           </a:prstGeom>
         </p:spPr>
         <p:txBody>
-          <a:bodyPr lIns="0" rIns="0" tIns="0" bIns="0">
+          <a:bodyPr lIns="0" tIns="0" rIns="0" bIns="0">
             <a:normAutofit/>
           </a:bodyPr>
-          <a:p>
-            <a:endParaRPr b="0" lang="en-US" sz="2000" spc="-1" strike="noStrike">
+          <a:lstStyle/>
+          <a:p>
+            <a:endParaRPr lang="en-US" sz="2000" b="0" strike="noStrike" spc="-1">
               <a:solidFill>
                 <a:srgbClr val="404040"/>
               </a:solidFill>
@@ -2644,11 +2919,14 @@
       </p:sp>
     </p:spTree>
   </p:cSld>
+  <p:clrMapOvr>
+    <a:masterClrMapping/>
+  </p:clrMapOvr>
 </p:sldLayout>
 </file>
 
 <file path=ppt/slideLayouts/slideLayout23.xml><?xml version="1.0" encoding="utf-8"?>
-<p:sldLayout xmlns:a="http://schemas.openxmlformats.org/drawingml/2006/main" xmlns:p="http://schemas.openxmlformats.org/presentationml/2006/main" xmlns:r="http://schemas.openxmlformats.org/officeDocument/2006/relationships" xmlns:p14="http://schemas.microsoft.com/office/powerpoint/2010/main" xmlns:p15="http://schemas.microsoft.com/office/powerpoint/2012/main" xmlns:mc="http://schemas.openxmlformats.org/markup-compatibility/2006" type="fourObj" preserve="1">
+<p:sldLayout xmlns:a="http://schemas.openxmlformats.org/drawingml/2006/main" xmlns:r="http://schemas.openxmlformats.org/officeDocument/2006/relationships" xmlns:p="http://schemas.openxmlformats.org/presentationml/2006/main" type="fourObj" preserve="1">
   <p:cSld name="Title, 4 Content">
     <p:spTree>
       <p:nvGrpSpPr>
@@ -2684,9 +2962,10 @@
           </a:prstGeom>
         </p:spPr>
         <p:txBody>
-          <a:bodyPr lIns="0" rIns="0" tIns="0" bIns="0" anchor="ctr"/>
-          <a:p>
-            <a:endParaRPr b="0" lang="en-US" sz="1800" spc="-1" strike="noStrike">
+          <a:bodyPr lIns="0" tIns="0" rIns="0" bIns="0" anchor="ctr"/>
+          <a:lstStyle/>
+          <a:p>
+            <a:endParaRPr lang="en-US" sz="1800" b="0" strike="noStrike" spc="-1">
               <a:solidFill>
                 <a:srgbClr val="000000"/>
               </a:solidFill>
@@ -2715,11 +2994,12 @@
           </a:prstGeom>
         </p:spPr>
         <p:txBody>
-          <a:bodyPr lIns="0" rIns="0" tIns="0" bIns="0">
+          <a:bodyPr lIns="0" tIns="0" rIns="0" bIns="0">
             <a:normAutofit/>
           </a:bodyPr>
-          <a:p>
-            <a:endParaRPr b="0" lang="en-US" sz="2000" spc="-1" strike="noStrike">
+          <a:lstStyle/>
+          <a:p>
+            <a:endParaRPr lang="en-US" sz="2000" b="0" strike="noStrike" spc="-1">
               <a:solidFill>
                 <a:srgbClr val="404040"/>
               </a:solidFill>
@@ -2748,11 +3028,12 @@
           </a:prstGeom>
         </p:spPr>
         <p:txBody>
-          <a:bodyPr lIns="0" rIns="0" tIns="0" bIns="0">
+          <a:bodyPr lIns="0" tIns="0" rIns="0" bIns="0">
             <a:normAutofit/>
           </a:bodyPr>
-          <a:p>
-            <a:endParaRPr b="0" lang="en-US" sz="2000" spc="-1" strike="noStrike">
+          <a:lstStyle/>
+          <a:p>
+            <a:endParaRPr lang="en-US" sz="2000" b="0" strike="noStrike" spc="-1">
               <a:solidFill>
                 <a:srgbClr val="404040"/>
               </a:solidFill>
@@ -2781,11 +3062,12 @@
           </a:prstGeom>
         </p:spPr>
         <p:txBody>
-          <a:bodyPr lIns="0" rIns="0" tIns="0" bIns="0">
+          <a:bodyPr lIns="0" tIns="0" rIns="0" bIns="0">
             <a:normAutofit/>
           </a:bodyPr>
-          <a:p>
-            <a:endParaRPr b="0" lang="en-US" sz="2000" spc="-1" strike="noStrike">
+          <a:lstStyle/>
+          <a:p>
+            <a:endParaRPr lang="en-US" sz="2000" b="0" strike="noStrike" spc="-1">
               <a:solidFill>
                 <a:srgbClr val="404040"/>
               </a:solidFill>
@@ -2814,11 +3096,12 @@
           </a:prstGeom>
         </p:spPr>
         <p:txBody>
-          <a:bodyPr lIns="0" rIns="0" tIns="0" bIns="0">
+          <a:bodyPr lIns="0" tIns="0" rIns="0" bIns="0">
             <a:normAutofit/>
           </a:bodyPr>
-          <a:p>
-            <a:endParaRPr b="0" lang="en-US" sz="2000" spc="-1" strike="noStrike">
+          <a:lstStyle/>
+          <a:p>
+            <a:endParaRPr lang="en-US" sz="2000" b="0" strike="noStrike" spc="-1">
               <a:solidFill>
                 <a:srgbClr val="404040"/>
               </a:solidFill>
@@ -2829,11 +3112,14 @@
       </p:sp>
     </p:spTree>
   </p:cSld>
+  <p:clrMapOvr>
+    <a:masterClrMapping/>
+  </p:clrMapOvr>
 </p:sldLayout>
 </file>
 
 <file path=ppt/slideLayouts/slideLayout24.xml><?xml version="1.0" encoding="utf-8"?>
-<p:sldLayout xmlns:a="http://schemas.openxmlformats.org/drawingml/2006/main" xmlns:p="http://schemas.openxmlformats.org/presentationml/2006/main" xmlns:r="http://schemas.openxmlformats.org/officeDocument/2006/relationships" xmlns:p14="http://schemas.microsoft.com/office/powerpoint/2010/main" xmlns:p15="http://schemas.microsoft.com/office/powerpoint/2012/main" xmlns:mc="http://schemas.openxmlformats.org/markup-compatibility/2006" type="blank" preserve="1">
+<p:sldLayout xmlns:a="http://schemas.openxmlformats.org/drawingml/2006/main" xmlns:r="http://schemas.openxmlformats.org/officeDocument/2006/relationships" xmlns:p="http://schemas.openxmlformats.org/presentationml/2006/main" type="blank" preserve="1">
   <p:cSld name="Title, 6 Content">
     <p:spTree>
       <p:nvGrpSpPr>
@@ -2869,9 +3155,10 @@
           </a:prstGeom>
         </p:spPr>
         <p:txBody>
-          <a:bodyPr lIns="0" rIns="0" tIns="0" bIns="0" anchor="ctr"/>
-          <a:p>
-            <a:endParaRPr b="0" lang="en-US" sz="1800" spc="-1" strike="noStrike">
+          <a:bodyPr lIns="0" tIns="0" rIns="0" bIns="0" anchor="ctr"/>
+          <a:lstStyle/>
+          <a:p>
+            <a:endParaRPr lang="en-US" sz="1800" b="0" strike="noStrike" spc="-1">
               <a:solidFill>
                 <a:srgbClr val="000000"/>
               </a:solidFill>
@@ -2900,11 +3187,12 @@
           </a:prstGeom>
         </p:spPr>
         <p:txBody>
-          <a:bodyPr lIns="0" rIns="0" tIns="0" bIns="0">
+          <a:bodyPr lIns="0" tIns="0" rIns="0" bIns="0">
             <a:normAutofit/>
           </a:bodyPr>
-          <a:p>
-            <a:endParaRPr b="0" lang="en-US" sz="2000" spc="-1" strike="noStrike">
+          <a:lstStyle/>
+          <a:p>
+            <a:endParaRPr lang="en-US" sz="2000" b="0" strike="noStrike" spc="-1">
               <a:solidFill>
                 <a:srgbClr val="404040"/>
               </a:solidFill>
@@ -2933,11 +3221,12 @@
           </a:prstGeom>
         </p:spPr>
         <p:txBody>
-          <a:bodyPr lIns="0" rIns="0" tIns="0" bIns="0">
+          <a:bodyPr lIns="0" tIns="0" rIns="0" bIns="0">
             <a:normAutofit/>
           </a:bodyPr>
-          <a:p>
-            <a:endParaRPr b="0" lang="en-US" sz="2000" spc="-1" strike="noStrike">
+          <a:lstStyle/>
+          <a:p>
+            <a:endParaRPr lang="en-US" sz="2000" b="0" strike="noStrike" spc="-1">
               <a:solidFill>
                 <a:srgbClr val="404040"/>
               </a:solidFill>
@@ -2966,11 +3255,12 @@
           </a:prstGeom>
         </p:spPr>
         <p:txBody>
-          <a:bodyPr lIns="0" rIns="0" tIns="0" bIns="0">
+          <a:bodyPr lIns="0" tIns="0" rIns="0" bIns="0">
             <a:normAutofit/>
           </a:bodyPr>
-          <a:p>
-            <a:endParaRPr b="0" lang="en-US" sz="2000" spc="-1" strike="noStrike">
+          <a:lstStyle/>
+          <a:p>
+            <a:endParaRPr lang="en-US" sz="2000" b="0" strike="noStrike" spc="-1">
               <a:solidFill>
                 <a:srgbClr val="404040"/>
               </a:solidFill>
@@ -2999,11 +3289,12 @@
           </a:prstGeom>
         </p:spPr>
         <p:txBody>
-          <a:bodyPr lIns="0" rIns="0" tIns="0" bIns="0">
+          <a:bodyPr lIns="0" tIns="0" rIns="0" bIns="0">
             <a:normAutofit/>
           </a:bodyPr>
-          <a:p>
-            <a:endParaRPr b="0" lang="en-US" sz="2000" spc="-1" strike="noStrike">
+          <a:lstStyle/>
+          <a:p>
+            <a:endParaRPr lang="en-US" sz="2000" b="0" strike="noStrike" spc="-1">
               <a:solidFill>
                 <a:srgbClr val="404040"/>
               </a:solidFill>
@@ -3032,11 +3323,12 @@
           </a:prstGeom>
         </p:spPr>
         <p:txBody>
-          <a:bodyPr lIns="0" rIns="0" tIns="0" bIns="0">
+          <a:bodyPr lIns="0" tIns="0" rIns="0" bIns="0">
             <a:normAutofit/>
           </a:bodyPr>
-          <a:p>
-            <a:endParaRPr b="0" lang="en-US" sz="2000" spc="-1" strike="noStrike">
+          <a:lstStyle/>
+          <a:p>
+            <a:endParaRPr lang="en-US" sz="2000" b="0" strike="noStrike" spc="-1">
               <a:solidFill>
                 <a:srgbClr val="404040"/>
               </a:solidFill>
@@ -3065,11 +3357,12 @@
           </a:prstGeom>
         </p:spPr>
         <p:txBody>
-          <a:bodyPr lIns="0" rIns="0" tIns="0" bIns="0">
+          <a:bodyPr lIns="0" tIns="0" rIns="0" bIns="0">
             <a:normAutofit/>
           </a:bodyPr>
-          <a:p>
-            <a:endParaRPr b="0" lang="en-US" sz="2000" spc="-1" strike="noStrike">
+          <a:lstStyle/>
+          <a:p>
+            <a:endParaRPr lang="en-US" sz="2000" b="0" strike="noStrike" spc="-1">
               <a:solidFill>
                 <a:srgbClr val="404040"/>
               </a:solidFill>
@@ -3080,11 +3373,14 @@
       </p:sp>
     </p:spTree>
   </p:cSld>
+  <p:clrMapOvr>
+    <a:masterClrMapping/>
+  </p:clrMapOvr>
 </p:sldLayout>
 </file>
 
 <file path=ppt/slideLayouts/slideLayout3.xml><?xml version="1.0" encoding="utf-8"?>
-<p:sldLayout xmlns:a="http://schemas.openxmlformats.org/drawingml/2006/main" xmlns:p="http://schemas.openxmlformats.org/presentationml/2006/main" xmlns:r="http://schemas.openxmlformats.org/officeDocument/2006/relationships" xmlns:p14="http://schemas.microsoft.com/office/powerpoint/2010/main" xmlns:p15="http://schemas.microsoft.com/office/powerpoint/2012/main" xmlns:mc="http://schemas.openxmlformats.org/markup-compatibility/2006" type="obj" preserve="1">
+<p:sldLayout xmlns:a="http://schemas.openxmlformats.org/drawingml/2006/main" xmlns:r="http://schemas.openxmlformats.org/officeDocument/2006/relationships" xmlns:p="http://schemas.openxmlformats.org/presentationml/2006/main" type="obj" preserve="1">
   <p:cSld name="Title, Content">
     <p:spTree>
       <p:nvGrpSpPr>
@@ -3120,9 +3416,10 @@
           </a:prstGeom>
         </p:spPr>
         <p:txBody>
-          <a:bodyPr lIns="0" rIns="0" tIns="0" bIns="0" anchor="ctr"/>
-          <a:p>
-            <a:endParaRPr b="0" lang="en-US" sz="1800" spc="-1" strike="noStrike">
+          <a:bodyPr lIns="0" tIns="0" rIns="0" bIns="0" anchor="ctr"/>
+          <a:lstStyle/>
+          <a:p>
+            <a:endParaRPr lang="en-US" sz="1800" b="0" strike="noStrike" spc="-1">
               <a:solidFill>
                 <a:srgbClr val="000000"/>
               </a:solidFill>
@@ -3151,11 +3448,12 @@
           </a:prstGeom>
         </p:spPr>
         <p:txBody>
-          <a:bodyPr lIns="0" rIns="0" tIns="0" bIns="0">
+          <a:bodyPr lIns="0" tIns="0" rIns="0" bIns="0">
             <a:normAutofit/>
           </a:bodyPr>
-          <a:p>
-            <a:endParaRPr b="0" lang="en-US" sz="2000" spc="-1" strike="noStrike">
+          <a:lstStyle/>
+          <a:p>
+            <a:endParaRPr lang="en-US" sz="2000" b="0" strike="noStrike" spc="-1">
               <a:solidFill>
                 <a:srgbClr val="404040"/>
               </a:solidFill>
@@ -3166,11 +3464,14 @@
       </p:sp>
     </p:spTree>
   </p:cSld>
+  <p:clrMapOvr>
+    <a:masterClrMapping/>
+  </p:clrMapOvr>
 </p:sldLayout>
 </file>
 
 <file path=ppt/slideLayouts/slideLayout4.xml><?xml version="1.0" encoding="utf-8"?>
-<p:sldLayout xmlns:a="http://schemas.openxmlformats.org/drawingml/2006/main" xmlns:p="http://schemas.openxmlformats.org/presentationml/2006/main" xmlns:r="http://schemas.openxmlformats.org/officeDocument/2006/relationships" xmlns:p14="http://schemas.microsoft.com/office/powerpoint/2010/main" xmlns:p15="http://schemas.microsoft.com/office/powerpoint/2012/main" xmlns:mc="http://schemas.openxmlformats.org/markup-compatibility/2006" type="twoObj" preserve="1">
+<p:sldLayout xmlns:a="http://schemas.openxmlformats.org/drawingml/2006/main" xmlns:r="http://schemas.openxmlformats.org/officeDocument/2006/relationships" xmlns:p="http://schemas.openxmlformats.org/presentationml/2006/main" type="twoObj" preserve="1">
   <p:cSld name="Title, 2 Content">
     <p:spTree>
       <p:nvGrpSpPr>
@@ -3206,9 +3507,10 @@
           </a:prstGeom>
         </p:spPr>
         <p:txBody>
-          <a:bodyPr lIns="0" rIns="0" tIns="0" bIns="0" anchor="ctr"/>
-          <a:p>
-            <a:endParaRPr b="0" lang="en-US" sz="1800" spc="-1" strike="noStrike">
+          <a:bodyPr lIns="0" tIns="0" rIns="0" bIns="0" anchor="ctr"/>
+          <a:lstStyle/>
+          <a:p>
+            <a:endParaRPr lang="en-US" sz="1800" b="0" strike="noStrike" spc="-1">
               <a:solidFill>
                 <a:srgbClr val="000000"/>
               </a:solidFill>
@@ -3237,11 +3539,12 @@
           </a:prstGeom>
         </p:spPr>
         <p:txBody>
-          <a:bodyPr lIns="0" rIns="0" tIns="0" bIns="0">
+          <a:bodyPr lIns="0" tIns="0" rIns="0" bIns="0">
             <a:normAutofit/>
           </a:bodyPr>
-          <a:p>
-            <a:endParaRPr b="0" lang="en-US" sz="2000" spc="-1" strike="noStrike">
+          <a:lstStyle/>
+          <a:p>
+            <a:endParaRPr lang="en-US" sz="2000" b="0" strike="noStrike" spc="-1">
               <a:solidFill>
                 <a:srgbClr val="404040"/>
               </a:solidFill>
@@ -3270,11 +3573,12 @@
           </a:prstGeom>
         </p:spPr>
         <p:txBody>
-          <a:bodyPr lIns="0" rIns="0" tIns="0" bIns="0">
+          <a:bodyPr lIns="0" tIns="0" rIns="0" bIns="0">
             <a:normAutofit/>
           </a:bodyPr>
-          <a:p>
-            <a:endParaRPr b="0" lang="en-US" sz="2000" spc="-1" strike="noStrike">
+          <a:lstStyle/>
+          <a:p>
+            <a:endParaRPr lang="en-US" sz="2000" b="0" strike="noStrike" spc="-1">
               <a:solidFill>
                 <a:srgbClr val="404040"/>
               </a:solidFill>
@@ -3285,11 +3589,14 @@
       </p:sp>
     </p:spTree>
   </p:cSld>
+  <p:clrMapOvr>
+    <a:masterClrMapping/>
+  </p:clrMapOvr>
 </p:sldLayout>
 </file>
 
 <file path=ppt/slideLayouts/slideLayout5.xml><?xml version="1.0" encoding="utf-8"?>
-<p:sldLayout xmlns:a="http://schemas.openxmlformats.org/drawingml/2006/main" xmlns:p="http://schemas.openxmlformats.org/presentationml/2006/main" xmlns:r="http://schemas.openxmlformats.org/officeDocument/2006/relationships" xmlns:p14="http://schemas.microsoft.com/office/powerpoint/2010/main" xmlns:p15="http://schemas.microsoft.com/office/powerpoint/2012/main" xmlns:mc="http://schemas.openxmlformats.org/markup-compatibility/2006" type="titleOnly" preserve="1">
+<p:sldLayout xmlns:a="http://schemas.openxmlformats.org/drawingml/2006/main" xmlns:r="http://schemas.openxmlformats.org/officeDocument/2006/relationships" xmlns:p="http://schemas.openxmlformats.org/presentationml/2006/main" type="titleOnly" preserve="1">
   <p:cSld name="Title Only">
     <p:spTree>
       <p:nvGrpSpPr>
@@ -3325,9 +3632,10 @@
           </a:prstGeom>
         </p:spPr>
         <p:txBody>
-          <a:bodyPr lIns="0" rIns="0" tIns="0" bIns="0" anchor="ctr"/>
-          <a:p>
-            <a:endParaRPr b="0" lang="en-US" sz="1800" spc="-1" strike="noStrike">
+          <a:bodyPr lIns="0" tIns="0" rIns="0" bIns="0" anchor="ctr"/>
+          <a:lstStyle/>
+          <a:p>
+            <a:endParaRPr lang="en-US" sz="1800" b="0" strike="noStrike" spc="-1">
               <a:solidFill>
                 <a:srgbClr val="000000"/>
               </a:solidFill>
@@ -3338,11 +3646,14 @@
       </p:sp>
     </p:spTree>
   </p:cSld>
+  <p:clrMapOvr>
+    <a:masterClrMapping/>
+  </p:clrMapOvr>
 </p:sldLayout>
 </file>
 
 <file path=ppt/slideLayouts/slideLayout6.xml><?xml version="1.0" encoding="utf-8"?>
-<p:sldLayout xmlns:a="http://schemas.openxmlformats.org/drawingml/2006/main" xmlns:p="http://schemas.openxmlformats.org/presentationml/2006/main" xmlns:r="http://schemas.openxmlformats.org/officeDocument/2006/relationships" xmlns:p14="http://schemas.microsoft.com/office/powerpoint/2010/main" xmlns:p15="http://schemas.microsoft.com/office/powerpoint/2012/main" xmlns:mc="http://schemas.openxmlformats.org/markup-compatibility/2006" type="objOnly" preserve="1">
+<p:sldLayout xmlns:a="http://schemas.openxmlformats.org/drawingml/2006/main" xmlns:r="http://schemas.openxmlformats.org/officeDocument/2006/relationships" xmlns:p="http://schemas.openxmlformats.org/presentationml/2006/main" type="objOnly" preserve="1">
   <p:cSld name="Centered Text">
     <p:spTree>
       <p:nvGrpSpPr>
@@ -3378,10 +3689,11 @@
           </a:prstGeom>
         </p:spPr>
         <p:txBody>
-          <a:bodyPr lIns="0" rIns="0" tIns="0" bIns="0" anchor="ctr"/>
+          <a:bodyPr lIns="0" tIns="0" rIns="0" bIns="0" anchor="ctr"/>
+          <a:lstStyle/>
           <a:p>
             <a:pPr algn="ctr"/>
-            <a:endParaRPr b="0" lang="en" sz="3200" spc="-1" strike="noStrike">
+            <a:endParaRPr lang="en" sz="3200" b="0" strike="noStrike" spc="-1">
               <a:latin typeface="Arial"/>
             </a:endParaRPr>
           </a:p>
@@ -3389,11 +3701,14 @@
       </p:sp>
     </p:spTree>
   </p:cSld>
+  <p:clrMapOvr>
+    <a:masterClrMapping/>
+  </p:clrMapOvr>
 </p:sldLayout>
 </file>
 
 <file path=ppt/slideLayouts/slideLayout7.xml><?xml version="1.0" encoding="utf-8"?>
-<p:sldLayout xmlns:a="http://schemas.openxmlformats.org/drawingml/2006/main" xmlns:p="http://schemas.openxmlformats.org/presentationml/2006/main" xmlns:r="http://schemas.openxmlformats.org/officeDocument/2006/relationships" xmlns:p14="http://schemas.microsoft.com/office/powerpoint/2010/main" xmlns:p15="http://schemas.microsoft.com/office/powerpoint/2012/main" xmlns:mc="http://schemas.openxmlformats.org/markup-compatibility/2006" type="twoObjAndObj" preserve="1">
+<p:sldLayout xmlns:a="http://schemas.openxmlformats.org/drawingml/2006/main" xmlns:r="http://schemas.openxmlformats.org/officeDocument/2006/relationships" xmlns:p="http://schemas.openxmlformats.org/presentationml/2006/main" type="twoObjAndObj" preserve="1">
   <p:cSld name="Title, 2 Content and Content">
     <p:spTree>
       <p:nvGrpSpPr>
@@ -3429,9 +3744,10 @@
           </a:prstGeom>
         </p:spPr>
         <p:txBody>
-          <a:bodyPr lIns="0" rIns="0" tIns="0" bIns="0" anchor="ctr"/>
-          <a:p>
-            <a:endParaRPr b="0" lang="en-US" sz="1800" spc="-1" strike="noStrike">
+          <a:bodyPr lIns="0" tIns="0" rIns="0" bIns="0" anchor="ctr"/>
+          <a:lstStyle/>
+          <a:p>
+            <a:endParaRPr lang="en-US" sz="1800" b="0" strike="noStrike" spc="-1">
               <a:solidFill>
                 <a:srgbClr val="000000"/>
               </a:solidFill>
@@ -3460,11 +3776,12 @@
           </a:prstGeom>
         </p:spPr>
         <p:txBody>
-          <a:bodyPr lIns="0" rIns="0" tIns="0" bIns="0">
+          <a:bodyPr lIns="0" tIns="0" rIns="0" bIns="0">
             <a:normAutofit/>
           </a:bodyPr>
-          <a:p>
-            <a:endParaRPr b="0" lang="en-US" sz="2000" spc="-1" strike="noStrike">
+          <a:lstStyle/>
+          <a:p>
+            <a:endParaRPr lang="en-US" sz="2000" b="0" strike="noStrike" spc="-1">
               <a:solidFill>
                 <a:srgbClr val="404040"/>
               </a:solidFill>
@@ -3493,11 +3810,12 @@
           </a:prstGeom>
         </p:spPr>
         <p:txBody>
-          <a:bodyPr lIns="0" rIns="0" tIns="0" bIns="0">
+          <a:bodyPr lIns="0" tIns="0" rIns="0" bIns="0">
             <a:normAutofit/>
           </a:bodyPr>
-          <a:p>
-            <a:endParaRPr b="0" lang="en-US" sz="2000" spc="-1" strike="noStrike">
+          <a:lstStyle/>
+          <a:p>
+            <a:endParaRPr lang="en-US" sz="2000" b="0" strike="noStrike" spc="-1">
               <a:solidFill>
                 <a:srgbClr val="404040"/>
               </a:solidFill>
@@ -3526,11 +3844,12 @@
           </a:prstGeom>
         </p:spPr>
         <p:txBody>
-          <a:bodyPr lIns="0" rIns="0" tIns="0" bIns="0">
+          <a:bodyPr lIns="0" tIns="0" rIns="0" bIns="0">
             <a:normAutofit/>
           </a:bodyPr>
-          <a:p>
-            <a:endParaRPr b="0" lang="en-US" sz="2000" spc="-1" strike="noStrike">
+          <a:lstStyle/>
+          <a:p>
+            <a:endParaRPr lang="en-US" sz="2000" b="0" strike="noStrike" spc="-1">
               <a:solidFill>
                 <a:srgbClr val="404040"/>
               </a:solidFill>
@@ -3541,11 +3860,14 @@
       </p:sp>
     </p:spTree>
   </p:cSld>
+  <p:clrMapOvr>
+    <a:masterClrMapping/>
+  </p:clrMapOvr>
 </p:sldLayout>
 </file>
 
 <file path=ppt/slideLayouts/slideLayout8.xml><?xml version="1.0" encoding="utf-8"?>
-<p:sldLayout xmlns:a="http://schemas.openxmlformats.org/drawingml/2006/main" xmlns:p="http://schemas.openxmlformats.org/presentationml/2006/main" xmlns:r="http://schemas.openxmlformats.org/officeDocument/2006/relationships" xmlns:p14="http://schemas.microsoft.com/office/powerpoint/2010/main" xmlns:p15="http://schemas.microsoft.com/office/powerpoint/2012/main" xmlns:mc="http://schemas.openxmlformats.org/markup-compatibility/2006" type="objAndTwoObj" preserve="1">
+<p:sldLayout xmlns:a="http://schemas.openxmlformats.org/drawingml/2006/main" xmlns:r="http://schemas.openxmlformats.org/officeDocument/2006/relationships" xmlns:p="http://schemas.openxmlformats.org/presentationml/2006/main" type="objAndTwoObj" preserve="1">
   <p:cSld name="Title Content and 2 Content">
     <p:spTree>
       <p:nvGrpSpPr>
@@ -3581,9 +3903,10 @@
           </a:prstGeom>
         </p:spPr>
         <p:txBody>
-          <a:bodyPr lIns="0" rIns="0" tIns="0" bIns="0" anchor="ctr"/>
-          <a:p>
-            <a:endParaRPr b="0" lang="en-US" sz="1800" spc="-1" strike="noStrike">
+          <a:bodyPr lIns="0" tIns="0" rIns="0" bIns="0" anchor="ctr"/>
+          <a:lstStyle/>
+          <a:p>
+            <a:endParaRPr lang="en-US" sz="1800" b="0" strike="noStrike" spc="-1">
               <a:solidFill>
                 <a:srgbClr val="000000"/>
               </a:solidFill>
@@ -3612,11 +3935,12 @@
           </a:prstGeom>
         </p:spPr>
         <p:txBody>
-          <a:bodyPr lIns="0" rIns="0" tIns="0" bIns="0">
+          <a:bodyPr lIns="0" tIns="0" rIns="0" bIns="0">
             <a:normAutofit/>
           </a:bodyPr>
-          <a:p>
-            <a:endParaRPr b="0" lang="en-US" sz="2000" spc="-1" strike="noStrike">
+          <a:lstStyle/>
+          <a:p>
+            <a:endParaRPr lang="en-US" sz="2000" b="0" strike="noStrike" spc="-1">
               <a:solidFill>
                 <a:srgbClr val="404040"/>
               </a:solidFill>
@@ -3645,11 +3969,12 @@
           </a:prstGeom>
         </p:spPr>
         <p:txBody>
-          <a:bodyPr lIns="0" rIns="0" tIns="0" bIns="0">
+          <a:bodyPr lIns="0" tIns="0" rIns="0" bIns="0">
             <a:normAutofit/>
           </a:bodyPr>
-          <a:p>
-            <a:endParaRPr b="0" lang="en-US" sz="2000" spc="-1" strike="noStrike">
+          <a:lstStyle/>
+          <a:p>
+            <a:endParaRPr lang="en-US" sz="2000" b="0" strike="noStrike" spc="-1">
               <a:solidFill>
                 <a:srgbClr val="404040"/>
               </a:solidFill>
@@ -3678,11 +4003,12 @@
           </a:prstGeom>
         </p:spPr>
         <p:txBody>
-          <a:bodyPr lIns="0" rIns="0" tIns="0" bIns="0">
+          <a:bodyPr lIns="0" tIns="0" rIns="0" bIns="0">
             <a:normAutofit/>
           </a:bodyPr>
-          <a:p>
-            <a:endParaRPr b="0" lang="en-US" sz="2000" spc="-1" strike="noStrike">
+          <a:lstStyle/>
+          <a:p>
+            <a:endParaRPr lang="en-US" sz="2000" b="0" strike="noStrike" spc="-1">
               <a:solidFill>
                 <a:srgbClr val="404040"/>
               </a:solidFill>
@@ -3693,11 +4019,14 @@
       </p:sp>
     </p:spTree>
   </p:cSld>
+  <p:clrMapOvr>
+    <a:masterClrMapping/>
+  </p:clrMapOvr>
 </p:sldLayout>
 </file>
 
 <file path=ppt/slideLayouts/slideLayout9.xml><?xml version="1.0" encoding="utf-8"?>
-<p:sldLayout xmlns:a="http://schemas.openxmlformats.org/drawingml/2006/main" xmlns:p="http://schemas.openxmlformats.org/presentationml/2006/main" xmlns:r="http://schemas.openxmlformats.org/officeDocument/2006/relationships" xmlns:p14="http://schemas.microsoft.com/office/powerpoint/2010/main" xmlns:p15="http://schemas.microsoft.com/office/powerpoint/2012/main" xmlns:mc="http://schemas.openxmlformats.org/markup-compatibility/2006" type="twoObjOverTx" preserve="1">
+<p:sldLayout xmlns:a="http://schemas.openxmlformats.org/drawingml/2006/main" xmlns:r="http://schemas.openxmlformats.org/officeDocument/2006/relationships" xmlns:p="http://schemas.openxmlformats.org/presentationml/2006/main" type="twoObjOverTx" preserve="1">
   <p:cSld name="Title, 2 Content over Content">
     <p:spTree>
       <p:nvGrpSpPr>
@@ -3733,9 +4062,10 @@
           </a:prstGeom>
         </p:spPr>
         <p:txBody>
-          <a:bodyPr lIns="0" rIns="0" tIns="0" bIns="0" anchor="ctr"/>
-          <a:p>
-            <a:endParaRPr b="0" lang="en-US" sz="1800" spc="-1" strike="noStrike">
+          <a:bodyPr lIns="0" tIns="0" rIns="0" bIns="0" anchor="ctr"/>
+          <a:lstStyle/>
+          <a:p>
+            <a:endParaRPr lang="en-US" sz="1800" b="0" strike="noStrike" spc="-1">
               <a:solidFill>
                 <a:srgbClr val="000000"/>
               </a:solidFill>
@@ -3764,11 +4094,12 @@
           </a:prstGeom>
         </p:spPr>
         <p:txBody>
-          <a:bodyPr lIns="0" rIns="0" tIns="0" bIns="0">
+          <a:bodyPr lIns="0" tIns="0" rIns="0" bIns="0">
             <a:normAutofit/>
           </a:bodyPr>
-          <a:p>
-            <a:endParaRPr b="0" lang="en-US" sz="2000" spc="-1" strike="noStrike">
+          <a:lstStyle/>
+          <a:p>
+            <a:endParaRPr lang="en-US" sz="2000" b="0" strike="noStrike" spc="-1">
               <a:solidFill>
                 <a:srgbClr val="404040"/>
               </a:solidFill>
@@ -3797,11 +4128,12 @@
           </a:prstGeom>
         </p:spPr>
         <p:txBody>
-          <a:bodyPr lIns="0" rIns="0" tIns="0" bIns="0">
+          <a:bodyPr lIns="0" tIns="0" rIns="0" bIns="0">
             <a:normAutofit/>
           </a:bodyPr>
-          <a:p>
-            <a:endParaRPr b="0" lang="en-US" sz="2000" spc="-1" strike="noStrike">
+          <a:lstStyle/>
+          <a:p>
+            <a:endParaRPr lang="en-US" sz="2000" b="0" strike="noStrike" spc="-1">
               <a:solidFill>
                 <a:srgbClr val="404040"/>
               </a:solidFill>
@@ -3830,11 +4162,12 @@
           </a:prstGeom>
         </p:spPr>
         <p:txBody>
-          <a:bodyPr lIns="0" rIns="0" tIns="0" bIns="0">
+          <a:bodyPr lIns="0" tIns="0" rIns="0" bIns="0">
             <a:normAutofit/>
           </a:bodyPr>
-          <a:p>
-            <a:endParaRPr b="0" lang="en-US" sz="2000" spc="-1" strike="noStrike">
+          <a:lstStyle/>
+          <a:p>
+            <a:endParaRPr lang="en-US" sz="2000" b="0" strike="noStrike" spc="-1">
               <a:solidFill>
                 <a:srgbClr val="404040"/>
               </a:solidFill>
@@ -3845,17 +4178,21 @@
       </p:sp>
     </p:spTree>
   </p:cSld>
+  <p:clrMapOvr>
+    <a:masterClrMapping/>
+  </p:clrMapOvr>
 </p:sldLayout>
 </file>
 
 <file path=ppt/slideMasters/slideMaster1.xml><?xml version="1.0" encoding="utf-8"?>
-<p:sldMaster xmlns:a="http://schemas.openxmlformats.org/drawingml/2006/main" xmlns:p="http://schemas.openxmlformats.org/presentationml/2006/main" xmlns:r="http://schemas.openxmlformats.org/officeDocument/2006/relationships" xmlns:p14="http://schemas.microsoft.com/office/powerpoint/2010/main" xmlns:p15="http://schemas.microsoft.com/office/powerpoint/2012/main" xmlns:mc="http://schemas.openxmlformats.org/markup-compatibility/2006">
+<p:sldMaster xmlns:a="http://schemas.openxmlformats.org/drawingml/2006/main" xmlns:r="http://schemas.openxmlformats.org/officeDocument/2006/relationships" xmlns:p="http://schemas.openxmlformats.org/presentationml/2006/main">
   <p:cSld>
     <p:bg>
       <p:bgPr>
         <a:solidFill>
-          <a:srgbClr val="ffffff"/>
+          <a:srgbClr val="FFFFFF"/>
         </a:solidFill>
+        <a:effectLst/>
       </p:bgPr>
     </p:bg>
     <p:spTree>
@@ -3874,7 +4211,7 @@
       </p:grpSpPr>
       <p:sp>
         <p:nvSpPr>
-          <p:cNvPr id="0" name="CustomShape 1" hidden="1"/>
+          <p:cNvPr id="11" name="CustomShape 1" hidden="1"/>
           <p:cNvSpPr/>
           <p:nvPr/>
         </p:nvSpPr>
@@ -3910,7 +4247,7 @@
       </p:sp>
       <p:sp>
         <p:nvSpPr>
-          <p:cNvPr id="1" name="CustomShape 2" hidden="1"/>
+          <p:cNvPr id="12" name="CustomShape 2" hidden="1"/>
           <p:cNvSpPr/>
           <p:nvPr/>
         </p:nvSpPr>
@@ -4076,6 +4413,7 @@
           <a:bodyPr anchor="b">
             <a:normAutofit/>
           </a:bodyPr>
+          <a:lstStyle/>
           <a:p>
             <a:pPr>
               <a:lnSpc>
@@ -4083,7 +4421,7 @@
               </a:lnSpc>
             </a:pPr>
             <a:r>
-              <a:rPr b="0" lang="en-US" sz="8000" spc="-49" strike="noStrike">
+              <a:rPr lang="en-US" sz="8000" b="0" strike="noStrike" spc="-49">
                 <a:solidFill>
                   <a:srgbClr val="262626"/>
                 </a:solidFill>
@@ -4091,7 +4429,7 @@
               </a:rPr>
               <a:t>Click to edit Master title style</a:t>
             </a:r>
-            <a:endParaRPr b="0" lang="en-US" sz="8000" spc="-1" strike="noStrike">
+            <a:endParaRPr lang="en-US" sz="8000" b="0" strike="noStrike" spc="-1">
               <a:solidFill>
                 <a:srgbClr val="000000"/>
               </a:solidFill>
@@ -4121,6 +4459,7 @@
         </p:spPr>
         <p:txBody>
           <a:bodyPr anchor="ctr"/>
+          <a:lstStyle/>
           <a:p>
             <a:pPr>
               <a:lnSpc>
@@ -4128,15 +4467,15 @@
               </a:lnSpc>
             </a:pPr>
             <a:fld id="{95033BE3-84B7-455A-98F4-E1A63E41F4B9}" type="datetime">
-              <a:rPr b="0" lang="en" sz="900" spc="-1" strike="noStrike">
+              <a:rPr lang="en" sz="900" b="0" strike="noStrike" spc="-1">
                 <a:solidFill>
-                  <a:srgbClr val="ffffff"/>
+                  <a:srgbClr val="FFFFFF"/>
                 </a:solidFill>
                 <a:latin typeface="Calibri"/>
               </a:rPr>
-              <a:t>6/14/18</a:t>
+              <a:t>6/14/2018</a:t>
             </a:fld>
-            <a:endParaRPr b="0" lang="en" sz="900" spc="-1" strike="noStrike">
+            <a:endParaRPr lang="en" sz="900" b="0" strike="noStrike" spc="-1">
               <a:latin typeface="Times New Roman"/>
             </a:endParaRPr>
           </a:p>
@@ -4163,8 +4502,9 @@
         </p:spPr>
         <p:txBody>
           <a:bodyPr anchor="ctr"/>
-          <a:p>
-            <a:endParaRPr b="0" lang="en" sz="2400" spc="-1" strike="noStrike">
+          <a:lstStyle/>
+          <a:p>
+            <a:endParaRPr lang="en" sz="2400" b="0" strike="noStrike" spc="-1">
               <a:latin typeface="Times New Roman"/>
             </a:endParaRPr>
           </a:p>
@@ -4191,6 +4531,7 @@
         </p:spPr>
         <p:txBody>
           <a:bodyPr anchor="ctr"/>
+          <a:lstStyle/>
           <a:p>
             <a:pPr algn="r">
               <a:lnSpc>
@@ -4198,15 +4539,15 @@
               </a:lnSpc>
             </a:pPr>
             <a:fld id="{4401C10B-F2CA-4CCB-96B4-9B374C9FFED4}" type="slidenum">
-              <a:rPr b="0" lang="en" sz="1050" spc="-1" strike="noStrike">
+              <a:rPr lang="en" sz="1050" b="0" strike="noStrike" spc="-1">
                 <a:solidFill>
-                  <a:srgbClr val="ffffff"/>
+                  <a:srgbClr val="FFFFFF"/>
                 </a:solidFill>
                 <a:latin typeface="Calibri"/>
               </a:rPr>
-              <a:t>&lt;number&gt;</a:t>
+              <a:t>‹#›</a:t>
             </a:fld>
-            <a:endParaRPr b="0" lang="en" sz="1050" spc="-1" strike="noStrike">
+            <a:endParaRPr lang="en" sz="1050" b="0" strike="noStrike" spc="-1">
               <a:latin typeface="Times New Roman"/>
             </a:endParaRPr>
           </a:p>
@@ -4269,9 +4610,10 @@
           </a:prstGeom>
         </p:spPr>
         <p:txBody>
-          <a:bodyPr lIns="0" rIns="0" tIns="0" bIns="0">
+          <a:bodyPr lIns="0" tIns="0" rIns="0" bIns="0">
             <a:normAutofit/>
           </a:bodyPr>
+          <a:lstStyle/>
           <a:p>
             <a:pPr marL="432000" indent="-324000">
               <a:spcBef>
@@ -4285,7 +4627,7 @@
               <a:buChar char=""/>
             </a:pPr>
             <a:r>
-              <a:rPr b="0" lang="en-US" sz="2000" spc="-1" strike="noStrike">
+              <a:rPr lang="en-US" sz="2000" b="0" strike="noStrike" spc="-1">
                 <a:solidFill>
                   <a:srgbClr val="404040"/>
                 </a:solidFill>
@@ -4293,15 +4635,9 @@
               </a:rPr>
               <a:t>Click to edit the outline text format</a:t>
             </a:r>
-            <a:endParaRPr b="0" lang="en-US" sz="2000" spc="-1" strike="noStrike">
-              <a:solidFill>
-                <a:srgbClr val="404040"/>
-              </a:solidFill>
-              <a:latin typeface="Calibri"/>
-            </a:endParaRPr>
-          </a:p>
-          <a:p>
-            <a:pPr lvl="1" marL="864000" indent="-324000">
+          </a:p>
+          <a:p>
+            <a:pPr marL="864000" lvl="1" indent="-324000">
               <a:spcBef>
                 <a:spcPts val="1134"/>
               </a:spcBef>
@@ -4313,7 +4649,7 @@
               <a:buChar char=""/>
             </a:pPr>
             <a:r>
-              <a:rPr b="0" lang="en-US" sz="1400" spc="-1" strike="noStrike">
+              <a:rPr lang="en-US" sz="1400" b="0" strike="noStrike" spc="-1">
                 <a:solidFill>
                   <a:srgbClr val="404040"/>
                 </a:solidFill>
@@ -4321,15 +4657,9 @@
               </a:rPr>
               <a:t>Second Outline Level</a:t>
             </a:r>
-            <a:endParaRPr b="0" lang="en-US" sz="1400" spc="-1" strike="noStrike">
-              <a:solidFill>
-                <a:srgbClr val="404040"/>
-              </a:solidFill>
-              <a:latin typeface="Calibri"/>
-            </a:endParaRPr>
-          </a:p>
-          <a:p>
-            <a:pPr lvl="2" marL="1296000" indent="-288000">
+          </a:p>
+          <a:p>
+            <a:pPr marL="1296000" lvl="2" indent="-288000">
               <a:spcBef>
                 <a:spcPts val="850"/>
               </a:spcBef>
@@ -4341,7 +4671,7 @@
               <a:buChar char=""/>
             </a:pPr>
             <a:r>
-              <a:rPr b="0" lang="en-US" sz="1400" spc="-1" strike="noStrike">
+              <a:rPr lang="en-US" sz="1400" b="0" strike="noStrike" spc="-1">
                 <a:solidFill>
                   <a:srgbClr val="404040"/>
                 </a:solidFill>
@@ -4349,15 +4679,9 @@
               </a:rPr>
               <a:t>Third Outline Level</a:t>
             </a:r>
-            <a:endParaRPr b="0" lang="en-US" sz="1400" spc="-1" strike="noStrike">
-              <a:solidFill>
-                <a:srgbClr val="404040"/>
-              </a:solidFill>
-              <a:latin typeface="Calibri"/>
-            </a:endParaRPr>
-          </a:p>
-          <a:p>
-            <a:pPr lvl="3" marL="1728000" indent="-216000">
+          </a:p>
+          <a:p>
+            <a:pPr marL="1728000" lvl="3" indent="-216000">
               <a:spcBef>
                 <a:spcPts val="567"/>
               </a:spcBef>
@@ -4369,7 +4693,7 @@
               <a:buChar char=""/>
             </a:pPr>
             <a:r>
-              <a:rPr b="0" lang="en-US" sz="1400" spc="-1" strike="noStrike">
+              <a:rPr lang="en-US" sz="1400" b="0" strike="noStrike" spc="-1">
                 <a:solidFill>
                   <a:srgbClr val="404040"/>
                 </a:solidFill>
@@ -4377,15 +4701,9 @@
               </a:rPr>
               <a:t>Fourth Outline Level</a:t>
             </a:r>
-            <a:endParaRPr b="0" lang="en-US" sz="1400" spc="-1" strike="noStrike">
-              <a:solidFill>
-                <a:srgbClr val="404040"/>
-              </a:solidFill>
-              <a:latin typeface="Calibri"/>
-            </a:endParaRPr>
-          </a:p>
-          <a:p>
-            <a:pPr lvl="4" marL="2160000" indent="-216000">
+          </a:p>
+          <a:p>
+            <a:pPr marL="2160000" lvl="4" indent="-216000">
               <a:spcBef>
                 <a:spcPts val="283"/>
               </a:spcBef>
@@ -4397,7 +4715,7 @@
               <a:buChar char=""/>
             </a:pPr>
             <a:r>
-              <a:rPr b="0" lang="en-US" sz="2000" spc="-1" strike="noStrike">
+              <a:rPr lang="en-US" sz="2000" b="0" strike="noStrike" spc="-1">
                 <a:solidFill>
                   <a:srgbClr val="404040"/>
                 </a:solidFill>
@@ -4405,15 +4723,9 @@
               </a:rPr>
               <a:t>Fifth Outline Level</a:t>
             </a:r>
-            <a:endParaRPr b="0" lang="en-US" sz="2000" spc="-1" strike="noStrike">
-              <a:solidFill>
-                <a:srgbClr val="404040"/>
-              </a:solidFill>
-              <a:latin typeface="Calibri"/>
-            </a:endParaRPr>
-          </a:p>
-          <a:p>
-            <a:pPr lvl="5" marL="2592000" indent="-216000">
+          </a:p>
+          <a:p>
+            <a:pPr marL="2592000" lvl="5" indent="-216000">
               <a:spcBef>
                 <a:spcPts val="283"/>
               </a:spcBef>
@@ -4425,7 +4737,7 @@
               <a:buChar char=""/>
             </a:pPr>
             <a:r>
-              <a:rPr b="0" lang="en-US" sz="2000" spc="-1" strike="noStrike">
+              <a:rPr lang="en-US" sz="2000" b="0" strike="noStrike" spc="-1">
                 <a:solidFill>
                   <a:srgbClr val="404040"/>
                 </a:solidFill>
@@ -4433,15 +4745,9 @@
               </a:rPr>
               <a:t>Sixth Outline Level</a:t>
             </a:r>
-            <a:endParaRPr b="0" lang="en-US" sz="2000" spc="-1" strike="noStrike">
-              <a:solidFill>
-                <a:srgbClr val="404040"/>
-              </a:solidFill>
-              <a:latin typeface="Calibri"/>
-            </a:endParaRPr>
-          </a:p>
-          <a:p>
-            <a:pPr lvl="6" marL="3024000" indent="-216000">
+          </a:p>
+          <a:p>
+            <a:pPr marL="3024000" lvl="6" indent="-216000">
               <a:spcBef>
                 <a:spcPts val="283"/>
               </a:spcBef>
@@ -4453,7 +4759,7 @@
               <a:buChar char=""/>
             </a:pPr>
             <a:r>
-              <a:rPr b="0" lang="en-US" sz="2000" spc="-1" strike="noStrike">
+              <a:rPr lang="en-US" sz="2000" b="0" strike="noStrike" spc="-1">
                 <a:solidFill>
                   <a:srgbClr val="404040"/>
                 </a:solidFill>
@@ -4461,43 +4767,318 @@
               </a:rPr>
               <a:t>Seventh Outline Level</a:t>
             </a:r>
-            <a:endParaRPr b="0" lang="en-US" sz="2000" spc="-1" strike="noStrike">
-              <a:solidFill>
-                <a:srgbClr val="404040"/>
-              </a:solidFill>
-              <a:latin typeface="Calibri"/>
-            </a:endParaRPr>
           </a:p>
         </p:txBody>
       </p:sp>
     </p:spTree>
   </p:cSld>
-  <p:clrMap bg1="lt1" bg2="lt2" tx1="dk1" tx2="dk2" accent1="accent1" accent2="accent2" accent3="accent3" accent4="accent4" accent5="accent5" accent6="accent6" hlink="hlink" folHlink="folHlink"/>
+  <p:clrMap bg1="lt1" tx1="dk1" bg2="lt2" tx2="dk2" accent1="accent1" accent2="accent2" accent3="accent3" accent4="accent4" accent5="accent5" accent6="accent6" hlink="hlink" folHlink="folHlink"/>
   <p:sldLayoutIdLst>
-    <p:sldLayoutId id="2147483649" r:id="rId2"/>
-    <p:sldLayoutId id="2147483650" r:id="rId3"/>
-    <p:sldLayoutId id="2147483651" r:id="rId4"/>
-    <p:sldLayoutId id="2147483652" r:id="rId5"/>
-    <p:sldLayoutId id="2147483653" r:id="rId6"/>
-    <p:sldLayoutId id="2147483654" r:id="rId7"/>
-    <p:sldLayoutId id="2147483655" r:id="rId8"/>
-    <p:sldLayoutId id="2147483656" r:id="rId9"/>
-    <p:sldLayoutId id="2147483657" r:id="rId10"/>
-    <p:sldLayoutId id="2147483658" r:id="rId11"/>
-    <p:sldLayoutId id="2147483659" r:id="rId12"/>
-    <p:sldLayoutId id="2147483660" r:id="rId13"/>
+    <p:sldLayoutId id="2147483649" r:id="rId1"/>
+    <p:sldLayoutId id="2147483650" r:id="rId2"/>
+    <p:sldLayoutId id="2147483651" r:id="rId3"/>
+    <p:sldLayoutId id="2147483652" r:id="rId4"/>
+    <p:sldLayoutId id="2147483653" r:id="rId5"/>
+    <p:sldLayoutId id="2147483654" r:id="rId6"/>
+    <p:sldLayoutId id="2147483655" r:id="rId7"/>
+    <p:sldLayoutId id="2147483656" r:id="rId8"/>
+    <p:sldLayoutId id="2147483657" r:id="rId9"/>
+    <p:sldLayoutId id="2147483658" r:id="rId10"/>
+    <p:sldLayoutId id="2147483659" r:id="rId11"/>
+    <p:sldLayoutId id="2147483660" r:id="rId12"/>
   </p:sldLayoutIdLst>
+  <p:txStyles>
+    <p:titleStyle>
+      <a:lvl1pPr algn="l" defTabSz="914400" rtl="0" eaLnBrk="1" latinLnBrk="0" hangingPunct="1">
+        <a:lnSpc>
+          <a:spcPct val="90000"/>
+        </a:lnSpc>
+        <a:spcBef>
+          <a:spcPct val="0"/>
+        </a:spcBef>
+        <a:buNone/>
+        <a:defRPr sz="4400" kern="1200">
+          <a:solidFill>
+            <a:schemeClr val="tx1"/>
+          </a:solidFill>
+          <a:latin typeface="+mj-lt"/>
+          <a:ea typeface="+mj-ea"/>
+          <a:cs typeface="+mj-cs"/>
+        </a:defRPr>
+      </a:lvl1pPr>
+    </p:titleStyle>
+    <p:bodyStyle>
+      <a:lvl1pPr marL="228600" indent="-228600" algn="l" defTabSz="914400" rtl="0" eaLnBrk="1" latinLnBrk="0" hangingPunct="1">
+        <a:lnSpc>
+          <a:spcPct val="90000"/>
+        </a:lnSpc>
+        <a:spcBef>
+          <a:spcPts val="1000"/>
+        </a:spcBef>
+        <a:buFont typeface="Arial" panose="020B0604020202020204" pitchFamily="34" charset="0"/>
+        <a:buChar char="•"/>
+        <a:defRPr sz="2800" kern="1200">
+          <a:solidFill>
+            <a:schemeClr val="tx1"/>
+          </a:solidFill>
+          <a:latin typeface="+mn-lt"/>
+          <a:ea typeface="+mn-ea"/>
+          <a:cs typeface="+mn-cs"/>
+        </a:defRPr>
+      </a:lvl1pPr>
+      <a:lvl2pPr marL="685800" indent="-228600" algn="l" defTabSz="914400" rtl="0" eaLnBrk="1" latinLnBrk="0" hangingPunct="1">
+        <a:lnSpc>
+          <a:spcPct val="90000"/>
+        </a:lnSpc>
+        <a:spcBef>
+          <a:spcPts val="500"/>
+        </a:spcBef>
+        <a:buFont typeface="Arial" panose="020B0604020202020204" pitchFamily="34" charset="0"/>
+        <a:buChar char="•"/>
+        <a:defRPr sz="2400" kern="1200">
+          <a:solidFill>
+            <a:schemeClr val="tx1"/>
+          </a:solidFill>
+          <a:latin typeface="+mn-lt"/>
+          <a:ea typeface="+mn-ea"/>
+          <a:cs typeface="+mn-cs"/>
+        </a:defRPr>
+      </a:lvl2pPr>
+      <a:lvl3pPr marL="1143000" indent="-228600" algn="l" defTabSz="914400" rtl="0" eaLnBrk="1" latinLnBrk="0" hangingPunct="1">
+        <a:lnSpc>
+          <a:spcPct val="90000"/>
+        </a:lnSpc>
+        <a:spcBef>
+          <a:spcPts val="500"/>
+        </a:spcBef>
+        <a:buFont typeface="Arial" panose="020B0604020202020204" pitchFamily="34" charset="0"/>
+        <a:buChar char="•"/>
+        <a:defRPr sz="2000" kern="1200">
+          <a:solidFill>
+            <a:schemeClr val="tx1"/>
+          </a:solidFill>
+          <a:latin typeface="+mn-lt"/>
+          <a:ea typeface="+mn-ea"/>
+          <a:cs typeface="+mn-cs"/>
+        </a:defRPr>
+      </a:lvl3pPr>
+      <a:lvl4pPr marL="1600200" indent="-228600" algn="l" defTabSz="914400" rtl="0" eaLnBrk="1" latinLnBrk="0" hangingPunct="1">
+        <a:lnSpc>
+          <a:spcPct val="90000"/>
+        </a:lnSpc>
+        <a:spcBef>
+          <a:spcPts val="500"/>
+        </a:spcBef>
+        <a:buFont typeface="Arial" panose="020B0604020202020204" pitchFamily="34" charset="0"/>
+        <a:buChar char="•"/>
+        <a:defRPr sz="1800" kern="1200">
+          <a:solidFill>
+            <a:schemeClr val="tx1"/>
+          </a:solidFill>
+          <a:latin typeface="+mn-lt"/>
+          <a:ea typeface="+mn-ea"/>
+          <a:cs typeface="+mn-cs"/>
+        </a:defRPr>
+      </a:lvl4pPr>
+      <a:lvl5pPr marL="2057400" indent="-228600" algn="l" defTabSz="914400" rtl="0" eaLnBrk="1" latinLnBrk="0" hangingPunct="1">
+        <a:lnSpc>
+          <a:spcPct val="90000"/>
+        </a:lnSpc>
+        <a:spcBef>
+          <a:spcPts val="500"/>
+        </a:spcBef>
+        <a:buFont typeface="Arial" panose="020B0604020202020204" pitchFamily="34" charset="0"/>
+        <a:buChar char="•"/>
+        <a:defRPr sz="1800" kern="1200">
+          <a:solidFill>
+            <a:schemeClr val="tx1"/>
+          </a:solidFill>
+          <a:latin typeface="+mn-lt"/>
+          <a:ea typeface="+mn-ea"/>
+          <a:cs typeface="+mn-cs"/>
+        </a:defRPr>
+      </a:lvl5pPr>
+      <a:lvl6pPr marL="2514600" indent="-228600" algn="l" defTabSz="914400" rtl="0" eaLnBrk="1" latinLnBrk="0" hangingPunct="1">
+        <a:lnSpc>
+          <a:spcPct val="90000"/>
+        </a:lnSpc>
+        <a:spcBef>
+          <a:spcPts val="500"/>
+        </a:spcBef>
+        <a:buFont typeface="Arial" panose="020B0604020202020204" pitchFamily="34" charset="0"/>
+        <a:buChar char="•"/>
+        <a:defRPr sz="1800" kern="1200">
+          <a:solidFill>
+            <a:schemeClr val="tx1"/>
+          </a:solidFill>
+          <a:latin typeface="+mn-lt"/>
+          <a:ea typeface="+mn-ea"/>
+          <a:cs typeface="+mn-cs"/>
+        </a:defRPr>
+      </a:lvl6pPr>
+      <a:lvl7pPr marL="2971800" indent="-228600" algn="l" defTabSz="914400" rtl="0" eaLnBrk="1" latinLnBrk="0" hangingPunct="1">
+        <a:lnSpc>
+          <a:spcPct val="90000"/>
+        </a:lnSpc>
+        <a:spcBef>
+          <a:spcPts val="500"/>
+        </a:spcBef>
+        <a:buFont typeface="Arial" panose="020B0604020202020204" pitchFamily="34" charset="0"/>
+        <a:buChar char="•"/>
+        <a:defRPr sz="1800" kern="1200">
+          <a:solidFill>
+            <a:schemeClr val="tx1"/>
+          </a:solidFill>
+          <a:latin typeface="+mn-lt"/>
+          <a:ea typeface="+mn-ea"/>
+          <a:cs typeface="+mn-cs"/>
+        </a:defRPr>
+      </a:lvl7pPr>
+      <a:lvl8pPr marL="3429000" indent="-228600" algn="l" defTabSz="914400" rtl="0" eaLnBrk="1" latinLnBrk="0" hangingPunct="1">
+        <a:lnSpc>
+          <a:spcPct val="90000"/>
+        </a:lnSpc>
+        <a:spcBef>
+          <a:spcPts val="500"/>
+        </a:spcBef>
+        <a:buFont typeface="Arial" panose="020B0604020202020204" pitchFamily="34" charset="0"/>
+        <a:buChar char="•"/>
+        <a:defRPr sz="1800" kern="1200">
+          <a:solidFill>
+            <a:schemeClr val="tx1"/>
+          </a:solidFill>
+          <a:latin typeface="+mn-lt"/>
+          <a:ea typeface="+mn-ea"/>
+          <a:cs typeface="+mn-cs"/>
+        </a:defRPr>
+      </a:lvl8pPr>
+      <a:lvl9pPr marL="3886200" indent="-228600" algn="l" defTabSz="914400" rtl="0" eaLnBrk="1" latinLnBrk="0" hangingPunct="1">
+        <a:lnSpc>
+          <a:spcPct val="90000"/>
+        </a:lnSpc>
+        <a:spcBef>
+          <a:spcPts val="500"/>
+        </a:spcBef>
+        <a:buFont typeface="Arial" panose="020B0604020202020204" pitchFamily="34" charset="0"/>
+        <a:buChar char="•"/>
+        <a:defRPr sz="1800" kern="1200">
+          <a:solidFill>
+            <a:schemeClr val="tx1"/>
+          </a:solidFill>
+          <a:latin typeface="+mn-lt"/>
+          <a:ea typeface="+mn-ea"/>
+          <a:cs typeface="+mn-cs"/>
+        </a:defRPr>
+      </a:lvl9pPr>
+    </p:bodyStyle>
+    <p:otherStyle>
+      <a:defPPr>
+        <a:defRPr lang="da-DK"/>
+      </a:defPPr>
+      <a:lvl1pPr marL="0" algn="l" defTabSz="914400" rtl="0" eaLnBrk="1" latinLnBrk="0" hangingPunct="1">
+        <a:defRPr sz="1800" kern="1200">
+          <a:solidFill>
+            <a:schemeClr val="tx1"/>
+          </a:solidFill>
+          <a:latin typeface="+mn-lt"/>
+          <a:ea typeface="+mn-ea"/>
+          <a:cs typeface="+mn-cs"/>
+        </a:defRPr>
+      </a:lvl1pPr>
+      <a:lvl2pPr marL="457200" algn="l" defTabSz="914400" rtl="0" eaLnBrk="1" latinLnBrk="0" hangingPunct="1">
+        <a:defRPr sz="1800" kern="1200">
+          <a:solidFill>
+            <a:schemeClr val="tx1"/>
+          </a:solidFill>
+          <a:latin typeface="+mn-lt"/>
+          <a:ea typeface="+mn-ea"/>
+          <a:cs typeface="+mn-cs"/>
+        </a:defRPr>
+      </a:lvl2pPr>
+      <a:lvl3pPr marL="914400" algn="l" defTabSz="914400" rtl="0" eaLnBrk="1" latinLnBrk="0" hangingPunct="1">
+        <a:defRPr sz="1800" kern="1200">
+          <a:solidFill>
+            <a:schemeClr val="tx1"/>
+          </a:solidFill>
+          <a:latin typeface="+mn-lt"/>
+          <a:ea typeface="+mn-ea"/>
+          <a:cs typeface="+mn-cs"/>
+        </a:defRPr>
+      </a:lvl3pPr>
+      <a:lvl4pPr marL="1371600" algn="l" defTabSz="914400" rtl="0" eaLnBrk="1" latinLnBrk="0" hangingPunct="1">
+        <a:defRPr sz="1800" kern="1200">
+          <a:solidFill>
+            <a:schemeClr val="tx1"/>
+          </a:solidFill>
+          <a:latin typeface="+mn-lt"/>
+          <a:ea typeface="+mn-ea"/>
+          <a:cs typeface="+mn-cs"/>
+        </a:defRPr>
+      </a:lvl4pPr>
+      <a:lvl5pPr marL="1828800" algn="l" defTabSz="914400" rtl="0" eaLnBrk="1" latinLnBrk="0" hangingPunct="1">
+        <a:defRPr sz="1800" kern="1200">
+          <a:solidFill>
+            <a:schemeClr val="tx1"/>
+          </a:solidFill>
+          <a:latin typeface="+mn-lt"/>
+          <a:ea typeface="+mn-ea"/>
+          <a:cs typeface="+mn-cs"/>
+        </a:defRPr>
+      </a:lvl5pPr>
+      <a:lvl6pPr marL="2286000" algn="l" defTabSz="914400" rtl="0" eaLnBrk="1" latinLnBrk="0" hangingPunct="1">
+        <a:defRPr sz="1800" kern="1200">
+          <a:solidFill>
+            <a:schemeClr val="tx1"/>
+          </a:solidFill>
+          <a:latin typeface="+mn-lt"/>
+          <a:ea typeface="+mn-ea"/>
+          <a:cs typeface="+mn-cs"/>
+        </a:defRPr>
+      </a:lvl6pPr>
+      <a:lvl7pPr marL="2743200" algn="l" defTabSz="914400" rtl="0" eaLnBrk="1" latinLnBrk="0" hangingPunct="1">
+        <a:defRPr sz="1800" kern="1200">
+          <a:solidFill>
+            <a:schemeClr val="tx1"/>
+          </a:solidFill>
+          <a:latin typeface="+mn-lt"/>
+          <a:ea typeface="+mn-ea"/>
+          <a:cs typeface="+mn-cs"/>
+        </a:defRPr>
+      </a:lvl7pPr>
+      <a:lvl8pPr marL="3200400" algn="l" defTabSz="914400" rtl="0" eaLnBrk="1" latinLnBrk="0" hangingPunct="1">
+        <a:defRPr sz="1800" kern="1200">
+          <a:solidFill>
+            <a:schemeClr val="tx1"/>
+          </a:solidFill>
+          <a:latin typeface="+mn-lt"/>
+          <a:ea typeface="+mn-ea"/>
+          <a:cs typeface="+mn-cs"/>
+        </a:defRPr>
+      </a:lvl8pPr>
+      <a:lvl9pPr marL="3657600" algn="l" defTabSz="914400" rtl="0" eaLnBrk="1" latinLnBrk="0" hangingPunct="1">
+        <a:defRPr sz="1800" kern="1200">
+          <a:solidFill>
+            <a:schemeClr val="tx1"/>
+          </a:solidFill>
+          <a:latin typeface="+mn-lt"/>
+          <a:ea typeface="+mn-ea"/>
+          <a:cs typeface="+mn-cs"/>
+        </a:defRPr>
+      </a:lvl9pPr>
+    </p:otherStyle>
+  </p:txStyles>
 </p:sldMaster>
 </file>
 
 <file path=ppt/slideMasters/slideMaster2.xml><?xml version="1.0" encoding="utf-8"?>
-<p:sldMaster xmlns:a="http://schemas.openxmlformats.org/drawingml/2006/main" xmlns:p="http://schemas.openxmlformats.org/presentationml/2006/main" xmlns:r="http://schemas.openxmlformats.org/officeDocument/2006/relationships" xmlns:p14="http://schemas.microsoft.com/office/powerpoint/2010/main" xmlns:p15="http://schemas.microsoft.com/office/powerpoint/2012/main" xmlns:mc="http://schemas.openxmlformats.org/markup-compatibility/2006">
+<p:sldMaster xmlns:a="http://schemas.openxmlformats.org/drawingml/2006/main" xmlns:r="http://schemas.openxmlformats.org/officeDocument/2006/relationships" xmlns:p="http://schemas.openxmlformats.org/presentationml/2006/main">
   <p:cSld>
     <p:bg>
       <p:bgPr>
         <a:solidFill>
-          <a:srgbClr val="ffffff"/>
+          <a:srgbClr val="FFFFFF"/>
         </a:solidFill>
+        <a:effectLst/>
       </p:bgPr>
     </p:bg>
     <p:spTree>
@@ -4644,6 +5225,7 @@
         </p:spPr>
         <p:txBody>
           <a:bodyPr anchor="b"/>
+          <a:lstStyle/>
           <a:p>
             <a:pPr>
               <a:lnSpc>
@@ -4651,7 +5233,7 @@
               </a:lnSpc>
             </a:pPr>
             <a:r>
-              <a:rPr b="0" lang="en-US" sz="4800" spc="-49" strike="noStrike">
+              <a:rPr lang="en-US" sz="4800" b="0" strike="noStrike" spc="-49">
                 <a:solidFill>
                   <a:srgbClr val="404040"/>
                 </a:solidFill>
@@ -4659,7 +5241,7 @@
               </a:rPr>
               <a:t>Click to edit Master title style</a:t>
             </a:r>
-            <a:endParaRPr b="0" lang="en-US" sz="4800" spc="-1" strike="noStrike">
+            <a:endParaRPr lang="en-US" sz="4800" b="0" strike="noStrike" spc="-1">
               <a:solidFill>
                 <a:srgbClr val="000000"/>
               </a:solidFill>
@@ -4689,6 +5271,7 @@
         </p:spPr>
         <p:txBody>
           <a:bodyPr lIns="0" rIns="0"/>
+          <a:lstStyle/>
           <a:p>
             <a:pPr marL="91440" indent="-91080">
               <a:lnSpc>
@@ -4701,13 +5284,13 @@
                 <a:spcPts val="201"/>
               </a:spcAft>
               <a:buClr>
-                <a:srgbClr val="1cade4"/>
+                <a:srgbClr val="1CADE4"/>
               </a:buClr>
               <a:buFont typeface="Calibri"/>
               <a:buChar char=" "/>
             </a:pPr>
             <a:r>
-              <a:rPr b="0" lang="en-US" sz="2000" spc="-1" strike="noStrike">
+              <a:rPr lang="en-US" sz="2000" b="0" strike="noStrike" spc="-1">
                 <a:solidFill>
                   <a:srgbClr val="404040"/>
                 </a:solidFill>
@@ -4715,15 +5298,9 @@
               </a:rPr>
               <a:t>Edit Master text styles</a:t>
             </a:r>
-            <a:endParaRPr b="0" lang="en-US" sz="2000" spc="-1" strike="noStrike">
-              <a:solidFill>
-                <a:srgbClr val="404040"/>
-              </a:solidFill>
-              <a:latin typeface="Calibri"/>
-            </a:endParaRPr>
-          </a:p>
-          <a:p>
-            <a:pPr lvl="1" marL="384120" indent="-182520">
+          </a:p>
+          <a:p>
+            <a:pPr marL="384120" lvl="1" indent="-182520">
               <a:lnSpc>
                 <a:spcPct val="90000"/>
               </a:lnSpc>
@@ -4734,13 +5311,13 @@
                 <a:spcPts val="400"/>
               </a:spcAft>
               <a:buClr>
-                <a:srgbClr val="1cade4"/>
+                <a:srgbClr val="1CADE4"/>
               </a:buClr>
               <a:buFont typeface="Calibri"/>
               <a:buChar char="◦"/>
             </a:pPr>
             <a:r>
-              <a:rPr b="0" lang="en-US" sz="1800" spc="-1" strike="noStrike">
+              <a:rPr lang="en-US" sz="1800" b="0" strike="noStrike" spc="-1">
                 <a:solidFill>
                   <a:srgbClr val="404040"/>
                 </a:solidFill>
@@ -4748,15 +5325,9 @@
               </a:rPr>
               <a:t>Second level</a:t>
             </a:r>
-            <a:endParaRPr b="0" lang="en-US" sz="1800" spc="-1" strike="noStrike">
-              <a:solidFill>
-                <a:srgbClr val="404040"/>
-              </a:solidFill>
-              <a:latin typeface="Calibri"/>
-            </a:endParaRPr>
-          </a:p>
-          <a:p>
-            <a:pPr lvl="2" marL="567000" indent="-182520">
+          </a:p>
+          <a:p>
+            <a:pPr marL="567000" lvl="2" indent="-182520">
               <a:lnSpc>
                 <a:spcPct val="90000"/>
               </a:lnSpc>
@@ -4767,13 +5338,13 @@
                 <a:spcPts val="400"/>
               </a:spcAft>
               <a:buClr>
-                <a:srgbClr val="1cade4"/>
+                <a:srgbClr val="1CADE4"/>
               </a:buClr>
               <a:buFont typeface="Calibri"/>
               <a:buChar char="◦"/>
             </a:pPr>
             <a:r>
-              <a:rPr b="0" lang="en-US" sz="1400" spc="-1" strike="noStrike">
+              <a:rPr lang="en-US" sz="1400" b="0" strike="noStrike" spc="-1">
                 <a:solidFill>
                   <a:srgbClr val="404040"/>
                 </a:solidFill>
@@ -4781,15 +5352,9 @@
               </a:rPr>
               <a:t>Third level</a:t>
             </a:r>
-            <a:endParaRPr b="0" lang="en-US" sz="1400" spc="-1" strike="noStrike">
-              <a:solidFill>
-                <a:srgbClr val="404040"/>
-              </a:solidFill>
-              <a:latin typeface="Calibri"/>
-            </a:endParaRPr>
-          </a:p>
-          <a:p>
-            <a:pPr lvl="3" marL="749880" indent="-182520">
+          </a:p>
+          <a:p>
+            <a:pPr marL="749880" lvl="3" indent="-182520">
               <a:lnSpc>
                 <a:spcPct val="90000"/>
               </a:lnSpc>
@@ -4800,13 +5365,13 @@
                 <a:spcPts val="400"/>
               </a:spcAft>
               <a:buClr>
-                <a:srgbClr val="1cade4"/>
+                <a:srgbClr val="1CADE4"/>
               </a:buClr>
               <a:buFont typeface="Calibri"/>
               <a:buChar char="◦"/>
             </a:pPr>
             <a:r>
-              <a:rPr b="0" lang="en-US" sz="1400" spc="-1" strike="noStrike">
+              <a:rPr lang="en-US" sz="1400" b="0" strike="noStrike" spc="-1">
                 <a:solidFill>
                   <a:srgbClr val="404040"/>
                 </a:solidFill>
@@ -4814,15 +5379,9 @@
               </a:rPr>
               <a:t>Fourth level</a:t>
             </a:r>
-            <a:endParaRPr b="0" lang="en-US" sz="1400" spc="-1" strike="noStrike">
-              <a:solidFill>
-                <a:srgbClr val="404040"/>
-              </a:solidFill>
-              <a:latin typeface="Calibri"/>
-            </a:endParaRPr>
-          </a:p>
-          <a:p>
-            <a:pPr lvl="4" marL="932760" indent="-182520">
+          </a:p>
+          <a:p>
+            <a:pPr marL="932760" lvl="4" indent="-182520">
               <a:lnSpc>
                 <a:spcPct val="90000"/>
               </a:lnSpc>
@@ -4833,13 +5392,13 @@
                 <a:spcPts val="400"/>
               </a:spcAft>
               <a:buClr>
-                <a:srgbClr val="1cade4"/>
+                <a:srgbClr val="1CADE4"/>
               </a:buClr>
               <a:buFont typeface="Calibri"/>
               <a:buChar char="◦"/>
             </a:pPr>
             <a:r>
-              <a:rPr b="0" lang="en-US" sz="1400" spc="-1" strike="noStrike">
+              <a:rPr lang="en-US" sz="1400" b="0" strike="noStrike" spc="-1">
                 <a:solidFill>
                   <a:srgbClr val="404040"/>
                 </a:solidFill>
@@ -4847,12 +5406,6 @@
               </a:rPr>
               <a:t>Fifth level</a:t>
             </a:r>
-            <a:endParaRPr b="0" lang="en-US" sz="1400" spc="-1" strike="noStrike">
-              <a:solidFill>
-                <a:srgbClr val="404040"/>
-              </a:solidFill>
-              <a:latin typeface="Calibri"/>
-            </a:endParaRPr>
           </a:p>
         </p:txBody>
       </p:sp>
@@ -4877,6 +5430,7 @@
         </p:spPr>
         <p:txBody>
           <a:bodyPr anchor="ctr"/>
+          <a:lstStyle/>
           <a:p>
             <a:pPr>
               <a:lnSpc>
@@ -4884,15 +5438,15 @@
               </a:lnSpc>
             </a:pPr>
             <a:fld id="{E7CADAB5-1661-4855-A706-32941B2D8EF9}" type="datetime">
-              <a:rPr b="0" lang="en" sz="900" spc="-1" strike="noStrike">
+              <a:rPr lang="en" sz="900" b="0" strike="noStrike" spc="-1">
                 <a:solidFill>
-                  <a:srgbClr val="ffffff"/>
+                  <a:srgbClr val="FFFFFF"/>
                 </a:solidFill>
                 <a:latin typeface="Calibri"/>
               </a:rPr>
-              <a:t>6/14/18</a:t>
+              <a:t>6/14/2018</a:t>
             </a:fld>
-            <a:endParaRPr b="0" lang="en" sz="900" spc="-1" strike="noStrike">
+            <a:endParaRPr lang="en" sz="900" b="0" strike="noStrike" spc="-1">
               <a:latin typeface="Times New Roman"/>
             </a:endParaRPr>
           </a:p>
@@ -4919,8 +5473,9 @@
         </p:spPr>
         <p:txBody>
           <a:bodyPr anchor="ctr"/>
-          <a:p>
-            <a:endParaRPr b="0" lang="en" sz="2400" spc="-1" strike="noStrike">
+          <a:lstStyle/>
+          <a:p>
+            <a:endParaRPr lang="en" sz="2400" b="0" strike="noStrike" spc="-1">
               <a:latin typeface="Times New Roman"/>
             </a:endParaRPr>
           </a:p>
@@ -4947,6 +5502,7 @@
         </p:spPr>
         <p:txBody>
           <a:bodyPr anchor="ctr"/>
+          <a:lstStyle/>
           <a:p>
             <a:pPr algn="r">
               <a:lnSpc>
@@ -4954,15 +5510,15 @@
               </a:lnSpc>
             </a:pPr>
             <a:fld id="{581E52A4-D927-4896-8257-B2BB3B52E881}" type="slidenum">
-              <a:rPr b="0" lang="en" sz="1050" spc="-1" strike="noStrike">
+              <a:rPr lang="en" sz="1050" b="0" strike="noStrike" spc="-1">
                 <a:solidFill>
-                  <a:srgbClr val="ffffff"/>
+                  <a:srgbClr val="FFFFFF"/>
                 </a:solidFill>
                 <a:latin typeface="Calibri"/>
               </a:rPr>
-              <a:t>1</a:t>
+              <a:t>‹#›</a:t>
             </a:fld>
-            <a:endParaRPr b="0" lang="en" sz="1050" spc="-1" strike="noStrike">
+            <a:endParaRPr lang="en" sz="1050" b="0" strike="noStrike" spc="-1">
               <a:latin typeface="Times New Roman"/>
             </a:endParaRPr>
           </a:p>
@@ -4970,26 +5526,306 @@
       </p:sp>
     </p:spTree>
   </p:cSld>
-  <p:clrMap bg1="lt1" bg2="lt2" tx1="dk1" tx2="dk2" accent1="accent1" accent2="accent2" accent3="accent3" accent4="accent4" accent5="accent5" accent6="accent6" hlink="hlink" folHlink="folHlink"/>
+  <p:clrMap bg1="lt1" tx1="dk1" bg2="lt2" tx2="dk2" accent1="accent1" accent2="accent2" accent3="accent3" accent4="accent4" accent5="accent5" accent6="accent6" hlink="hlink" folHlink="folHlink"/>
   <p:sldLayoutIdLst>
-    <p:sldLayoutId id="2147483662" r:id="rId2"/>
-    <p:sldLayoutId id="2147483663" r:id="rId3"/>
-    <p:sldLayoutId id="2147483664" r:id="rId4"/>
-    <p:sldLayoutId id="2147483665" r:id="rId5"/>
-    <p:sldLayoutId id="2147483666" r:id="rId6"/>
-    <p:sldLayoutId id="2147483667" r:id="rId7"/>
-    <p:sldLayoutId id="2147483668" r:id="rId8"/>
-    <p:sldLayoutId id="2147483669" r:id="rId9"/>
-    <p:sldLayoutId id="2147483670" r:id="rId10"/>
-    <p:sldLayoutId id="2147483671" r:id="rId11"/>
-    <p:sldLayoutId id="2147483672" r:id="rId12"/>
-    <p:sldLayoutId id="2147483673" r:id="rId13"/>
+    <p:sldLayoutId id="2147483662" r:id="rId1"/>
+    <p:sldLayoutId id="2147483663" r:id="rId2"/>
+    <p:sldLayoutId id="2147483664" r:id="rId3"/>
+    <p:sldLayoutId id="2147483665" r:id="rId4"/>
+    <p:sldLayoutId id="2147483666" r:id="rId5"/>
+    <p:sldLayoutId id="2147483667" r:id="rId6"/>
+    <p:sldLayoutId id="2147483668" r:id="rId7"/>
+    <p:sldLayoutId id="2147483669" r:id="rId8"/>
+    <p:sldLayoutId id="2147483670" r:id="rId9"/>
+    <p:sldLayoutId id="2147483671" r:id="rId10"/>
+    <p:sldLayoutId id="2147483672" r:id="rId11"/>
+    <p:sldLayoutId id="2147483673" r:id="rId12"/>
   </p:sldLayoutIdLst>
+  <p:txStyles>
+    <p:titleStyle>
+      <a:lvl1pPr algn="l" defTabSz="914400" rtl="0" eaLnBrk="1" latinLnBrk="0" hangingPunct="1">
+        <a:lnSpc>
+          <a:spcPct val="90000"/>
+        </a:lnSpc>
+        <a:spcBef>
+          <a:spcPct val="0"/>
+        </a:spcBef>
+        <a:buNone/>
+        <a:defRPr sz="4400" kern="1200">
+          <a:solidFill>
+            <a:schemeClr val="tx1"/>
+          </a:solidFill>
+          <a:latin typeface="+mj-lt"/>
+          <a:ea typeface="+mj-ea"/>
+          <a:cs typeface="+mj-cs"/>
+        </a:defRPr>
+      </a:lvl1pPr>
+    </p:titleStyle>
+    <p:bodyStyle>
+      <a:lvl1pPr marL="228600" indent="-228600" algn="l" defTabSz="914400" rtl="0" eaLnBrk="1" latinLnBrk="0" hangingPunct="1">
+        <a:lnSpc>
+          <a:spcPct val="90000"/>
+        </a:lnSpc>
+        <a:spcBef>
+          <a:spcPts val="1000"/>
+        </a:spcBef>
+        <a:buFont typeface="Arial" panose="020B0604020202020204" pitchFamily="34" charset="0"/>
+        <a:buChar char="•"/>
+        <a:defRPr sz="2800" kern="1200">
+          <a:solidFill>
+            <a:schemeClr val="tx1"/>
+          </a:solidFill>
+          <a:latin typeface="+mn-lt"/>
+          <a:ea typeface="+mn-ea"/>
+          <a:cs typeface="+mn-cs"/>
+        </a:defRPr>
+      </a:lvl1pPr>
+      <a:lvl2pPr marL="685800" indent="-228600" algn="l" defTabSz="914400" rtl="0" eaLnBrk="1" latinLnBrk="0" hangingPunct="1">
+        <a:lnSpc>
+          <a:spcPct val="90000"/>
+        </a:lnSpc>
+        <a:spcBef>
+          <a:spcPts val="500"/>
+        </a:spcBef>
+        <a:buFont typeface="Arial" panose="020B0604020202020204" pitchFamily="34" charset="0"/>
+        <a:buChar char="•"/>
+        <a:defRPr sz="2400" kern="1200">
+          <a:solidFill>
+            <a:schemeClr val="tx1"/>
+          </a:solidFill>
+          <a:latin typeface="+mn-lt"/>
+          <a:ea typeface="+mn-ea"/>
+          <a:cs typeface="+mn-cs"/>
+        </a:defRPr>
+      </a:lvl2pPr>
+      <a:lvl3pPr marL="1143000" indent="-228600" algn="l" defTabSz="914400" rtl="0" eaLnBrk="1" latinLnBrk="0" hangingPunct="1">
+        <a:lnSpc>
+          <a:spcPct val="90000"/>
+        </a:lnSpc>
+        <a:spcBef>
+          <a:spcPts val="500"/>
+        </a:spcBef>
+        <a:buFont typeface="Arial" panose="020B0604020202020204" pitchFamily="34" charset="0"/>
+        <a:buChar char="•"/>
+        <a:defRPr sz="2000" kern="1200">
+          <a:solidFill>
+            <a:schemeClr val="tx1"/>
+          </a:solidFill>
+          <a:latin typeface="+mn-lt"/>
+          <a:ea typeface="+mn-ea"/>
+          <a:cs typeface="+mn-cs"/>
+        </a:defRPr>
+      </a:lvl3pPr>
+      <a:lvl4pPr marL="1600200" indent="-228600" algn="l" defTabSz="914400" rtl="0" eaLnBrk="1" latinLnBrk="0" hangingPunct="1">
+        <a:lnSpc>
+          <a:spcPct val="90000"/>
+        </a:lnSpc>
+        <a:spcBef>
+          <a:spcPts val="500"/>
+        </a:spcBef>
+        <a:buFont typeface="Arial" panose="020B0604020202020204" pitchFamily="34" charset="0"/>
+        <a:buChar char="•"/>
+        <a:defRPr sz="1800" kern="1200">
+          <a:solidFill>
+            <a:schemeClr val="tx1"/>
+          </a:solidFill>
+          <a:latin typeface="+mn-lt"/>
+          <a:ea typeface="+mn-ea"/>
+          <a:cs typeface="+mn-cs"/>
+        </a:defRPr>
+      </a:lvl4pPr>
+      <a:lvl5pPr marL="2057400" indent="-228600" algn="l" defTabSz="914400" rtl="0" eaLnBrk="1" latinLnBrk="0" hangingPunct="1">
+        <a:lnSpc>
+          <a:spcPct val="90000"/>
+        </a:lnSpc>
+        <a:spcBef>
+          <a:spcPts val="500"/>
+        </a:spcBef>
+        <a:buFont typeface="Arial" panose="020B0604020202020204" pitchFamily="34" charset="0"/>
+        <a:buChar char="•"/>
+        <a:defRPr sz="1800" kern="1200">
+          <a:solidFill>
+            <a:schemeClr val="tx1"/>
+          </a:solidFill>
+          <a:latin typeface="+mn-lt"/>
+          <a:ea typeface="+mn-ea"/>
+          <a:cs typeface="+mn-cs"/>
+        </a:defRPr>
+      </a:lvl5pPr>
+      <a:lvl6pPr marL="2514600" indent="-228600" algn="l" defTabSz="914400" rtl="0" eaLnBrk="1" latinLnBrk="0" hangingPunct="1">
+        <a:lnSpc>
+          <a:spcPct val="90000"/>
+        </a:lnSpc>
+        <a:spcBef>
+          <a:spcPts val="500"/>
+        </a:spcBef>
+        <a:buFont typeface="Arial" panose="020B0604020202020204" pitchFamily="34" charset="0"/>
+        <a:buChar char="•"/>
+        <a:defRPr sz="1800" kern="1200">
+          <a:solidFill>
+            <a:schemeClr val="tx1"/>
+          </a:solidFill>
+          <a:latin typeface="+mn-lt"/>
+          <a:ea typeface="+mn-ea"/>
+          <a:cs typeface="+mn-cs"/>
+        </a:defRPr>
+      </a:lvl6pPr>
+      <a:lvl7pPr marL="2971800" indent="-228600" algn="l" defTabSz="914400" rtl="0" eaLnBrk="1" latinLnBrk="0" hangingPunct="1">
+        <a:lnSpc>
+          <a:spcPct val="90000"/>
+        </a:lnSpc>
+        <a:spcBef>
+          <a:spcPts val="500"/>
+        </a:spcBef>
+        <a:buFont typeface="Arial" panose="020B0604020202020204" pitchFamily="34" charset="0"/>
+        <a:buChar char="•"/>
+        <a:defRPr sz="1800" kern="1200">
+          <a:solidFill>
+            <a:schemeClr val="tx1"/>
+          </a:solidFill>
+          <a:latin typeface="+mn-lt"/>
+          <a:ea typeface="+mn-ea"/>
+          <a:cs typeface="+mn-cs"/>
+        </a:defRPr>
+      </a:lvl7pPr>
+      <a:lvl8pPr marL="3429000" indent="-228600" algn="l" defTabSz="914400" rtl="0" eaLnBrk="1" latinLnBrk="0" hangingPunct="1">
+        <a:lnSpc>
+          <a:spcPct val="90000"/>
+        </a:lnSpc>
+        <a:spcBef>
+          <a:spcPts val="500"/>
+        </a:spcBef>
+        <a:buFont typeface="Arial" panose="020B0604020202020204" pitchFamily="34" charset="0"/>
+        <a:buChar char="•"/>
+        <a:defRPr sz="1800" kern="1200">
+          <a:solidFill>
+            <a:schemeClr val="tx1"/>
+          </a:solidFill>
+          <a:latin typeface="+mn-lt"/>
+          <a:ea typeface="+mn-ea"/>
+          <a:cs typeface="+mn-cs"/>
+        </a:defRPr>
+      </a:lvl8pPr>
+      <a:lvl9pPr marL="3886200" indent="-228600" algn="l" defTabSz="914400" rtl="0" eaLnBrk="1" latinLnBrk="0" hangingPunct="1">
+        <a:lnSpc>
+          <a:spcPct val="90000"/>
+        </a:lnSpc>
+        <a:spcBef>
+          <a:spcPts val="500"/>
+        </a:spcBef>
+        <a:buFont typeface="Arial" panose="020B0604020202020204" pitchFamily="34" charset="0"/>
+        <a:buChar char="•"/>
+        <a:defRPr sz="1800" kern="1200">
+          <a:solidFill>
+            <a:schemeClr val="tx1"/>
+          </a:solidFill>
+          <a:latin typeface="+mn-lt"/>
+          <a:ea typeface="+mn-ea"/>
+          <a:cs typeface="+mn-cs"/>
+        </a:defRPr>
+      </a:lvl9pPr>
+    </p:bodyStyle>
+    <p:otherStyle>
+      <a:defPPr>
+        <a:defRPr lang="da-DK"/>
+      </a:defPPr>
+      <a:lvl1pPr marL="0" algn="l" defTabSz="914400" rtl="0" eaLnBrk="1" latinLnBrk="0" hangingPunct="1">
+        <a:defRPr sz="1800" kern="1200">
+          <a:solidFill>
+            <a:schemeClr val="tx1"/>
+          </a:solidFill>
+          <a:latin typeface="+mn-lt"/>
+          <a:ea typeface="+mn-ea"/>
+          <a:cs typeface="+mn-cs"/>
+        </a:defRPr>
+      </a:lvl1pPr>
+      <a:lvl2pPr marL="457200" algn="l" defTabSz="914400" rtl="0" eaLnBrk="1" latinLnBrk="0" hangingPunct="1">
+        <a:defRPr sz="1800" kern="1200">
+          <a:solidFill>
+            <a:schemeClr val="tx1"/>
+          </a:solidFill>
+          <a:latin typeface="+mn-lt"/>
+          <a:ea typeface="+mn-ea"/>
+          <a:cs typeface="+mn-cs"/>
+        </a:defRPr>
+      </a:lvl2pPr>
+      <a:lvl3pPr marL="914400" algn="l" defTabSz="914400" rtl="0" eaLnBrk="1" latinLnBrk="0" hangingPunct="1">
+        <a:defRPr sz="1800" kern="1200">
+          <a:solidFill>
+            <a:schemeClr val="tx1"/>
+          </a:solidFill>
+          <a:latin typeface="+mn-lt"/>
+          <a:ea typeface="+mn-ea"/>
+          <a:cs typeface="+mn-cs"/>
+        </a:defRPr>
+      </a:lvl3pPr>
+      <a:lvl4pPr marL="1371600" algn="l" defTabSz="914400" rtl="0" eaLnBrk="1" latinLnBrk="0" hangingPunct="1">
+        <a:defRPr sz="1800" kern="1200">
+          <a:solidFill>
+            <a:schemeClr val="tx1"/>
+          </a:solidFill>
+          <a:latin typeface="+mn-lt"/>
+          <a:ea typeface="+mn-ea"/>
+          <a:cs typeface="+mn-cs"/>
+        </a:defRPr>
+      </a:lvl4pPr>
+      <a:lvl5pPr marL="1828800" algn="l" defTabSz="914400" rtl="0" eaLnBrk="1" latinLnBrk="0" hangingPunct="1">
+        <a:defRPr sz="1800" kern="1200">
+          <a:solidFill>
+            <a:schemeClr val="tx1"/>
+          </a:solidFill>
+          <a:latin typeface="+mn-lt"/>
+          <a:ea typeface="+mn-ea"/>
+          <a:cs typeface="+mn-cs"/>
+        </a:defRPr>
+      </a:lvl5pPr>
+      <a:lvl6pPr marL="2286000" algn="l" defTabSz="914400" rtl="0" eaLnBrk="1" latinLnBrk="0" hangingPunct="1">
+        <a:defRPr sz="1800" kern="1200">
+          <a:solidFill>
+            <a:schemeClr val="tx1"/>
+          </a:solidFill>
+          <a:latin typeface="+mn-lt"/>
+          <a:ea typeface="+mn-ea"/>
+          <a:cs typeface="+mn-cs"/>
+        </a:defRPr>
+      </a:lvl6pPr>
+      <a:lvl7pPr marL="2743200" algn="l" defTabSz="914400" rtl="0" eaLnBrk="1" latinLnBrk="0" hangingPunct="1">
+        <a:defRPr sz="1800" kern="1200">
+          <a:solidFill>
+            <a:schemeClr val="tx1"/>
+          </a:solidFill>
+          <a:latin typeface="+mn-lt"/>
+          <a:ea typeface="+mn-ea"/>
+          <a:cs typeface="+mn-cs"/>
+        </a:defRPr>
+      </a:lvl7pPr>
+      <a:lvl8pPr marL="3200400" algn="l" defTabSz="914400" rtl="0" eaLnBrk="1" latinLnBrk="0" hangingPunct="1">
+        <a:defRPr sz="1800" kern="1200">
+          <a:solidFill>
+            <a:schemeClr val="tx1"/>
+          </a:solidFill>
+          <a:latin typeface="+mn-lt"/>
+          <a:ea typeface="+mn-ea"/>
+          <a:cs typeface="+mn-cs"/>
+        </a:defRPr>
+      </a:lvl8pPr>
+      <a:lvl9pPr marL="3657600" algn="l" defTabSz="914400" rtl="0" eaLnBrk="1" latinLnBrk="0" hangingPunct="1">
+        <a:defRPr sz="1800" kern="1200">
+          <a:solidFill>
+            <a:schemeClr val="tx1"/>
+          </a:solidFill>
+          <a:latin typeface="+mn-lt"/>
+          <a:ea typeface="+mn-ea"/>
+          <a:cs typeface="+mn-cs"/>
+        </a:defRPr>
+      </a:lvl9pPr>
+    </p:otherStyle>
+  </p:txStyles>
 </p:sldMaster>
 </file>
 
 <file path=ppt/slides/slide1.xml><?xml version="1.0" encoding="utf-8"?>
-<p:sld xmlns:a="http://schemas.openxmlformats.org/drawingml/2006/main" xmlns:p="http://schemas.openxmlformats.org/presentationml/2006/main" xmlns:r="http://schemas.openxmlformats.org/officeDocument/2006/relationships" xmlns:p14="http://schemas.microsoft.com/office/powerpoint/2010/main" xmlns:p15="http://schemas.microsoft.com/office/powerpoint/2012/main" xmlns:mc="http://schemas.openxmlformats.org/markup-compatibility/2006">
+<p:sld xmlns:a="http://schemas.openxmlformats.org/drawingml/2006/main" xmlns:r="http://schemas.openxmlformats.org/officeDocument/2006/relationships" xmlns:p="http://schemas.openxmlformats.org/presentationml/2006/main">
   <p:cSld>
     <p:spTree>
       <p:nvGrpSpPr>
@@ -5026,6 +5862,7 @@
         </p:spPr>
         <p:txBody>
           <a:bodyPr anchor="b"/>
+          <a:lstStyle/>
           <a:p>
             <a:pPr>
               <a:lnSpc>
@@ -5033,7 +5870,7 @@
               </a:lnSpc>
             </a:pPr>
             <a:r>
-              <a:rPr b="0" lang="en-US" sz="8000" spc="-49" strike="noStrike">
+              <a:rPr lang="en-US" sz="8000" b="0" strike="noStrike" spc="-49">
                 <a:solidFill>
                   <a:srgbClr val="262626"/>
                 </a:solidFill>
@@ -5041,7 +5878,7 @@
               </a:rPr>
               <a:t>Speaker Modelling</a:t>
             </a:r>
-            <a:endParaRPr b="0" lang="en-US" sz="8000" spc="-1" strike="noStrike">
+            <a:endParaRPr lang="en-US" sz="8000" b="0" strike="noStrike" spc="-1">
               <a:solidFill>
                 <a:srgbClr val="000000"/>
               </a:solidFill>
@@ -5071,6 +5908,7 @@
         </p:spPr>
         <p:txBody>
           <a:bodyPr/>
+          <a:lstStyle/>
           <a:p>
             <a:pPr>
               <a:lnSpc>
@@ -5084,7 +5922,7 @@
               </a:spcAft>
             </a:pPr>
             <a:r>
-              <a:rPr b="0" lang="en" sz="2400" spc="199" strike="noStrike" cap="all">
+              <a:rPr lang="en" sz="2400" b="0" strike="noStrike" cap="all" spc="199">
                 <a:solidFill>
                   <a:srgbClr val="344068"/>
                 </a:solidFill>
@@ -5092,7 +5930,7 @@
               </a:rPr>
               <a:t>ETLYAK</a:t>
             </a:r>
-            <a:endParaRPr b="0" lang="en" sz="2400" spc="-1" strike="noStrike">
+            <a:endParaRPr lang="en" sz="2400" b="0" strike="noStrike" spc="-1">
               <a:latin typeface="Arial"/>
             </a:endParaRPr>
           </a:p>
@@ -5100,6 +5938,9 @@
       </p:sp>
     </p:spTree>
   </p:cSld>
+  <p:clrMapOvr>
+    <a:masterClrMapping/>
+  </p:clrMapOvr>
   <p:timing>
     <p:tnLst>
       <p:par>
@@ -5108,14 +5949,14 @@
             <p:seq>
               <p:cTn id="2" dur="indefinite" nodeType="mainSeq"/>
               <p:prevCondLst>
-                <p:cond delay="0" evt="onPrev">
+                <p:cond evt="onPrev" delay="0">
                   <p:tgtEl>
                     <p:sldTgt/>
                   </p:tgtEl>
                 </p:cond>
               </p:prevCondLst>
               <p:nextCondLst>
-                <p:cond delay="0" evt="onNext">
+                <p:cond evt="onNext" delay="0">
                   <p:tgtEl>
                     <p:sldTgt/>
                   </p:tgtEl>
@@ -5131,7 +5972,7 @@
 </file>
 
 <file path=ppt/slides/slide2.xml><?xml version="1.0" encoding="utf-8"?>
-<p:sld xmlns:a="http://schemas.openxmlformats.org/drawingml/2006/main" xmlns:p="http://schemas.openxmlformats.org/presentationml/2006/main" xmlns:r="http://schemas.openxmlformats.org/officeDocument/2006/relationships" xmlns:p14="http://schemas.microsoft.com/office/powerpoint/2010/main" xmlns:p15="http://schemas.microsoft.com/office/powerpoint/2012/main" xmlns:mc="http://schemas.openxmlformats.org/markup-compatibility/2006">
+<p:sld xmlns:a="http://schemas.openxmlformats.org/drawingml/2006/main" xmlns:r="http://schemas.openxmlformats.org/officeDocument/2006/relationships" xmlns:p="http://schemas.openxmlformats.org/presentationml/2006/main">
   <p:cSld>
     <p:spTree>
       <p:nvGrpSpPr>
@@ -5168,6 +6009,7 @@
         </p:spPr>
         <p:txBody>
           <a:bodyPr anchor="b"/>
+          <a:lstStyle/>
           <a:p>
             <a:pPr>
               <a:lnSpc>
@@ -5175,7 +6017,7 @@
               </a:lnSpc>
             </a:pPr>
             <a:r>
-              <a:rPr b="0" lang="en-US" sz="4800" spc="-49" strike="noStrike">
+              <a:rPr lang="en-US" sz="4800" b="0" strike="noStrike" spc="-49">
                 <a:solidFill>
                   <a:srgbClr val="404040"/>
                 </a:solidFill>
@@ -5183,7 +6025,7 @@
               </a:rPr>
               <a:t>Description</a:t>
             </a:r>
-            <a:endParaRPr b="0" lang="en-US" sz="4800" spc="-1" strike="noStrike">
+            <a:endParaRPr lang="en-US" sz="4800" b="0" strike="noStrike" spc="-1">
               <a:solidFill>
                 <a:srgbClr val="000000"/>
               </a:solidFill>
@@ -5213,6 +6055,7 @@
         </p:spPr>
         <p:txBody>
           <a:bodyPr lIns="0" rIns="0"/>
+          <a:lstStyle/>
           <a:p>
             <a:pPr marL="91440" indent="-91080">
               <a:lnSpc>
@@ -5225,13 +6068,13 @@
                 <a:spcPts val="201"/>
               </a:spcAft>
               <a:buClr>
-                <a:srgbClr val="1cade4"/>
+                <a:srgbClr val="1CADE4"/>
               </a:buClr>
               <a:buFont typeface="Calibri"/>
               <a:buChar char=" "/>
             </a:pPr>
             <a:r>
-              <a:rPr b="0" lang="en-US" sz="2000" spc="-1" strike="noStrike">
+              <a:rPr lang="en-US" sz="2000" b="0" strike="noStrike" spc="-1">
                 <a:solidFill>
                   <a:srgbClr val="404040"/>
                 </a:solidFill>
@@ -5239,15 +6082,9 @@
               </a:rPr>
               <a:t>Goals</a:t>
             </a:r>
-            <a:endParaRPr b="0" lang="en-US" sz="2000" spc="-1" strike="noStrike">
-              <a:solidFill>
-                <a:srgbClr val="404040"/>
-              </a:solidFill>
-              <a:latin typeface="Calibri"/>
-            </a:endParaRPr>
-          </a:p>
-          <a:p>
-            <a:pPr lvl="1" marL="384120" indent="-182520">
+          </a:p>
+          <a:p>
+            <a:pPr marL="384120" lvl="1" indent="-182520">
               <a:lnSpc>
                 <a:spcPct val="90000"/>
               </a:lnSpc>
@@ -5258,13 +6095,13 @@
                 <a:spcPts val="400"/>
               </a:spcAft>
               <a:buClr>
-                <a:srgbClr val="1cade4"/>
+                <a:srgbClr val="1CADE4"/>
               </a:buClr>
               <a:buFont typeface="Calibri"/>
               <a:buChar char="◦"/>
             </a:pPr>
             <a:r>
-              <a:rPr b="0" lang="en-US" sz="1800" spc="-1" strike="noStrike">
+              <a:rPr lang="en-US" sz="1800" b="0" strike="noStrike" spc="-1">
                 <a:solidFill>
                   <a:srgbClr val="404040"/>
                 </a:solidFill>
@@ -5272,15 +6109,9 @@
               </a:rPr>
               <a:t>Predict</a:t>
             </a:r>
-            <a:endParaRPr b="0" lang="en-US" sz="1800" spc="-1" strike="noStrike">
-              <a:solidFill>
-                <a:srgbClr val="404040"/>
-              </a:solidFill>
-              <a:latin typeface="Calibri"/>
-            </a:endParaRPr>
-          </a:p>
-          <a:p>
-            <a:pPr lvl="1" marL="384120" indent="-182520">
+          </a:p>
+          <a:p>
+            <a:pPr marL="384120" lvl="1" indent="-182520">
               <a:lnSpc>
                 <a:spcPct val="90000"/>
               </a:lnSpc>
@@ -5291,13 +6122,13 @@
                 <a:spcPts val="400"/>
               </a:spcAft>
               <a:buClr>
-                <a:srgbClr val="1cade4"/>
+                <a:srgbClr val="1CADE4"/>
               </a:buClr>
               <a:buFont typeface="Calibri"/>
               <a:buChar char="◦"/>
             </a:pPr>
             <a:r>
-              <a:rPr b="0" lang="en-US" sz="1800" spc="-1" strike="noStrike">
+              <a:rPr lang="en-US" sz="1800" b="0" strike="noStrike" spc="-1">
                 <a:solidFill>
                   <a:srgbClr val="404040"/>
                 </a:solidFill>
@@ -5305,12 +6136,6 @@
               </a:rPr>
               <a:t>Compare </a:t>
             </a:r>
-            <a:endParaRPr b="0" lang="en-US" sz="1800" spc="-1" strike="noStrike">
-              <a:solidFill>
-                <a:srgbClr val="404040"/>
-              </a:solidFill>
-              <a:latin typeface="Calibri"/>
-            </a:endParaRPr>
           </a:p>
           <a:p>
             <a:pPr marL="91440" indent="-91080">
@@ -5324,13 +6149,13 @@
                 <a:spcPts val="201"/>
               </a:spcAft>
               <a:buClr>
-                <a:srgbClr val="1cade4"/>
+                <a:srgbClr val="1CADE4"/>
               </a:buClr>
               <a:buFont typeface="Calibri"/>
               <a:buChar char=" "/>
             </a:pPr>
             <a:r>
-              <a:rPr b="0" lang="en-US" sz="2000" spc="-1" strike="noStrike">
+              <a:rPr lang="en-US" sz="2000" b="0" strike="noStrike" spc="-1">
                 <a:solidFill>
                   <a:srgbClr val="404040"/>
                 </a:solidFill>
@@ -5338,15 +6163,9 @@
               </a:rPr>
               <a:t>Methods</a:t>
             </a:r>
-            <a:endParaRPr b="0" lang="en-US" sz="2000" spc="-1" strike="noStrike">
-              <a:solidFill>
-                <a:srgbClr val="404040"/>
-              </a:solidFill>
-              <a:latin typeface="Calibri"/>
-            </a:endParaRPr>
-          </a:p>
-          <a:p>
-            <a:pPr lvl="1" marL="384120" indent="-182520">
+          </a:p>
+          <a:p>
+            <a:pPr marL="384120" lvl="1" indent="-182520">
               <a:lnSpc>
                 <a:spcPct val="90000"/>
               </a:lnSpc>
@@ -5357,13 +6176,13 @@
                 <a:spcPts val="400"/>
               </a:spcAft>
               <a:buClr>
-                <a:srgbClr val="1cade4"/>
+                <a:srgbClr val="1CADE4"/>
               </a:buClr>
               <a:buFont typeface="Calibri"/>
               <a:buChar char="◦"/>
             </a:pPr>
             <a:r>
-              <a:rPr b="0" lang="en-US" sz="1800" spc="-1" strike="noStrike">
+              <a:rPr lang="en-US" sz="1800" b="0" strike="noStrike" spc="-1">
                 <a:solidFill>
                   <a:srgbClr val="404040"/>
                 </a:solidFill>
@@ -5371,15 +6190,9 @@
               </a:rPr>
               <a:t>Analogies</a:t>
             </a:r>
-            <a:endParaRPr b="0" lang="en-US" sz="1800" spc="-1" strike="noStrike">
-              <a:solidFill>
-                <a:srgbClr val="404040"/>
-              </a:solidFill>
-              <a:latin typeface="Calibri"/>
-            </a:endParaRPr>
-          </a:p>
-          <a:p>
-            <a:pPr lvl="1" marL="384120" indent="-182520">
+          </a:p>
+          <a:p>
+            <a:pPr marL="384120" lvl="1" indent="-182520">
               <a:lnSpc>
                 <a:spcPct val="90000"/>
               </a:lnSpc>
@@ -5390,13 +6203,13 @@
                 <a:spcPts val="400"/>
               </a:spcAft>
               <a:buClr>
-                <a:srgbClr val="1cade4"/>
+                <a:srgbClr val="1CADE4"/>
               </a:buClr>
               <a:buFont typeface="Calibri"/>
               <a:buChar char="◦"/>
             </a:pPr>
             <a:r>
-              <a:rPr b="0" lang="en-US" sz="1800" spc="-1" strike="noStrike">
+              <a:rPr lang="en-US" sz="1800" b="0" strike="noStrike" spc="-1">
                 <a:solidFill>
                   <a:srgbClr val="404040"/>
                 </a:solidFill>
@@ -5404,15 +6217,9 @@
               </a:rPr>
               <a:t>Matlab</a:t>
             </a:r>
-            <a:endParaRPr b="0" lang="en-US" sz="1800" spc="-1" strike="noStrike">
-              <a:solidFill>
-                <a:srgbClr val="404040"/>
-              </a:solidFill>
-              <a:latin typeface="Calibri"/>
-            </a:endParaRPr>
-          </a:p>
-          <a:p>
-            <a:pPr lvl="1" marL="384120" indent="-182520">
+          </a:p>
+          <a:p>
+            <a:pPr marL="384120" lvl="1" indent="-182520">
               <a:lnSpc>
                 <a:spcPct val="90000"/>
               </a:lnSpc>
@@ -5423,13 +6230,13 @@
                 <a:spcPts val="400"/>
               </a:spcAft>
               <a:buClr>
-                <a:srgbClr val="1cade4"/>
+                <a:srgbClr val="1CADE4"/>
               </a:buClr>
               <a:buFont typeface="Calibri"/>
               <a:buChar char="◦"/>
             </a:pPr>
             <a:r>
-              <a:rPr b="0" lang="en-US" sz="1800" spc="-1" strike="noStrike">
+              <a:rPr lang="en-US" sz="1800" b="0" strike="noStrike" spc="-1">
                 <a:solidFill>
                   <a:srgbClr val="404040"/>
                 </a:solidFill>
@@ -5437,12 +6244,6 @@
               </a:rPr>
               <a:t>Measurements</a:t>
             </a:r>
-            <a:endParaRPr b="0" lang="en-US" sz="1800" spc="-1" strike="noStrike">
-              <a:solidFill>
-                <a:srgbClr val="404040"/>
-              </a:solidFill>
-              <a:latin typeface="Calibri"/>
-            </a:endParaRPr>
           </a:p>
           <a:p>
             <a:pPr marL="91440" indent="-91080">
@@ -5456,13 +6257,13 @@
                 <a:spcPts val="201"/>
               </a:spcAft>
               <a:buClr>
-                <a:srgbClr val="1cade4"/>
+                <a:srgbClr val="1CADE4"/>
               </a:buClr>
               <a:buFont typeface="Calibri"/>
               <a:buChar char=" "/>
             </a:pPr>
             <a:r>
-              <a:rPr b="0" lang="en-US" sz="2000" spc="-1" strike="noStrike">
+              <a:rPr lang="en-US" sz="2000" b="0" strike="noStrike" spc="-1">
                 <a:solidFill>
                   <a:srgbClr val="404040"/>
                 </a:solidFill>
@@ -5470,33 +6271,30 @@
               </a:rPr>
               <a:t> </a:t>
             </a:r>
-            <a:endParaRPr b="0" lang="en-US" sz="2000" spc="-1" strike="noStrike">
-              <a:solidFill>
-                <a:srgbClr val="404040"/>
-              </a:solidFill>
-              <a:latin typeface="Calibri"/>
-            </a:endParaRPr>
           </a:p>
         </p:txBody>
       </p:sp>
     </p:spTree>
   </p:cSld>
+  <p:clrMapOvr>
+    <a:masterClrMapping/>
+  </p:clrMapOvr>
   <p:timing>
     <p:tnLst>
       <p:par>
-        <p:cTn id="3" dur="indefinite" restart="never" nodeType="tmRoot">
+        <p:cTn id="1" dur="indefinite" restart="never" nodeType="tmRoot">
           <p:childTnLst>
             <p:seq>
-              <p:cTn id="4" dur="indefinite" nodeType="mainSeq"/>
+              <p:cTn id="2" dur="indefinite" nodeType="mainSeq"/>
               <p:prevCondLst>
-                <p:cond delay="0" evt="onPrev">
+                <p:cond evt="onPrev" delay="0">
                   <p:tgtEl>
                     <p:sldTgt/>
                   </p:tgtEl>
                 </p:cond>
               </p:prevCondLst>
               <p:nextCondLst>
-                <p:cond delay="0" evt="onNext">
+                <p:cond evt="onNext" delay="0">
                   <p:tgtEl>
                     <p:sldTgt/>
                   </p:tgtEl>
@@ -5512,7 +6310,7 @@
 </file>
 
 <file path=ppt/slides/slide3.xml><?xml version="1.0" encoding="utf-8"?>
-<p:sld xmlns:a="http://schemas.openxmlformats.org/drawingml/2006/main" xmlns:p="http://schemas.openxmlformats.org/presentationml/2006/main" xmlns:r="http://schemas.openxmlformats.org/officeDocument/2006/relationships" xmlns:p14="http://schemas.microsoft.com/office/powerpoint/2010/main" xmlns:p15="http://schemas.microsoft.com/office/powerpoint/2012/main" xmlns:mc="http://schemas.openxmlformats.org/markup-compatibility/2006">
+<p:sld xmlns:a="http://schemas.openxmlformats.org/drawingml/2006/main" xmlns:r="http://schemas.openxmlformats.org/officeDocument/2006/relationships" xmlns:p="http://schemas.openxmlformats.org/presentationml/2006/main">
   <p:cSld>
     <p:spTree>
       <p:nvGrpSpPr>
@@ -5536,7 +6334,7 @@
         </p:nvSpPr>
         <p:spPr>
           <a:xfrm>
-            <a:off x="1097280" y="286560"/>
+            <a:off x="1097280" y="258568"/>
             <a:ext cx="10058040" cy="1450440"/>
           </a:xfrm>
           <a:prstGeom prst="rect">
@@ -5549,6 +6347,7 @@
         </p:spPr>
         <p:txBody>
           <a:bodyPr anchor="b"/>
+          <a:lstStyle/>
           <a:p>
             <a:pPr>
               <a:lnSpc>
@@ -5556,7 +6355,7 @@
               </a:lnSpc>
             </a:pPr>
             <a:r>
-              <a:rPr b="0" lang="en-US" sz="4800" spc="-49" strike="noStrike">
+              <a:rPr lang="en-US" sz="4800" b="0" strike="noStrike" spc="-49">
                 <a:solidFill>
                   <a:srgbClr val="404040"/>
                 </a:solidFill>
@@ -5564,7 +6363,7 @@
               </a:rPr>
               <a:t>Analysis</a:t>
             </a:r>
-            <a:endParaRPr b="0" lang="en-US" sz="4800" spc="-1" strike="noStrike">
+            <a:endParaRPr lang="en-US" sz="4800" b="0" strike="noStrike" spc="-1">
               <a:solidFill>
                 <a:srgbClr val="000000"/>
               </a:solidFill>
@@ -5596,6 +6395,7 @@
           <a:bodyPr lIns="0" rIns="0">
             <a:normAutofit/>
           </a:bodyPr>
+          <a:lstStyle/>
           <a:p>
             <a:pPr marL="91440" indent="-91080">
               <a:lnSpc>
@@ -5608,13 +6408,13 @@
                 <a:spcPts val="201"/>
               </a:spcAft>
               <a:buClr>
-                <a:srgbClr val="1cade4"/>
+                <a:srgbClr val="1CADE4"/>
               </a:buClr>
               <a:buFont typeface="Calibri"/>
               <a:buChar char=" "/>
             </a:pPr>
             <a:r>
-              <a:rPr b="0" lang="en-US" sz="2000" spc="-1" strike="noStrike">
+              <a:rPr lang="en-US" sz="2000" b="0" strike="noStrike" spc="-1">
                 <a:solidFill>
                   <a:srgbClr val="404040"/>
                 </a:solidFill>
@@ -5622,15 +6422,9 @@
               </a:rPr>
               <a:t>Thiele/Small</a:t>
             </a:r>
-            <a:endParaRPr b="0" lang="en-US" sz="2000" spc="-1" strike="noStrike">
-              <a:solidFill>
-                <a:srgbClr val="404040"/>
-              </a:solidFill>
-              <a:latin typeface="Calibri"/>
-            </a:endParaRPr>
-          </a:p>
-          <a:p>
-            <a:pPr lvl="1" marL="384120" indent="-182520">
+          </a:p>
+          <a:p>
+            <a:pPr marL="384120" lvl="1" indent="-182520">
               <a:lnSpc>
                 <a:spcPct val="90000"/>
               </a:lnSpc>
@@ -5641,13 +6435,13 @@
                 <a:spcPts val="400"/>
               </a:spcAft>
               <a:buClr>
-                <a:srgbClr val="1cade4"/>
+                <a:srgbClr val="1CADE4"/>
               </a:buClr>
               <a:buFont typeface="Calibri"/>
               <a:buChar char="◦"/>
             </a:pPr>
             <a:r>
-              <a:rPr b="0" lang="en-US" sz="1800" spc="-1" strike="noStrike">
+              <a:rPr lang="en-US" sz="1800" b="0" strike="noStrike" spc="-1">
                 <a:solidFill>
                   <a:srgbClr val="404040"/>
                 </a:solidFill>
@@ -5655,12 +6449,6 @@
               </a:rPr>
               <a:t>Electrical, mechanical, acoustical</a:t>
             </a:r>
-            <a:endParaRPr b="0" lang="en-US" sz="1800" spc="-1" strike="noStrike">
-              <a:solidFill>
-                <a:srgbClr val="404040"/>
-              </a:solidFill>
-              <a:latin typeface="Calibri"/>
-            </a:endParaRPr>
           </a:p>
           <a:p>
             <a:pPr marL="91440" indent="-91080">
@@ -5674,13 +6462,13 @@
                 <a:spcPts val="201"/>
               </a:spcAft>
               <a:buClr>
-                <a:srgbClr val="1cade4"/>
+                <a:srgbClr val="1CADE4"/>
               </a:buClr>
               <a:buFont typeface="Calibri"/>
               <a:buChar char=" "/>
             </a:pPr>
             <a:r>
-              <a:rPr b="0" lang="en-US" sz="2000" spc="-1" strike="noStrike">
+              <a:rPr lang="en-US" sz="2000" b="0" strike="noStrike" spc="-1">
                 <a:solidFill>
                   <a:srgbClr val="404040"/>
                 </a:solidFill>
@@ -5688,15 +6476,9 @@
               </a:rPr>
               <a:t>Transfer Functions</a:t>
             </a:r>
-            <a:endParaRPr b="0" lang="en-US" sz="2000" spc="-1" strike="noStrike">
-              <a:solidFill>
-                <a:srgbClr val="404040"/>
-              </a:solidFill>
-              <a:latin typeface="Calibri"/>
-            </a:endParaRPr>
-          </a:p>
-          <a:p>
-            <a:pPr lvl="1" marL="384120" indent="-182520">
+          </a:p>
+          <a:p>
+            <a:pPr marL="384120" lvl="1" indent="-182520">
               <a:lnSpc>
                 <a:spcPct val="90000"/>
               </a:lnSpc>
@@ -5707,13 +6489,13 @@
                 <a:spcPts val="400"/>
               </a:spcAft>
               <a:buClr>
-                <a:srgbClr val="1cade4"/>
+                <a:srgbClr val="1CADE4"/>
               </a:buClr>
               <a:buFont typeface="Calibri"/>
               <a:buChar char="◦"/>
             </a:pPr>
             <a:r>
-              <a:rPr b="0" lang="en-US" sz="1800" spc="-1" strike="noStrike">
+              <a:rPr lang="en-US" sz="1800" b="0" strike="noStrike" spc="-1">
                 <a:solidFill>
                   <a:srgbClr val="404040"/>
                 </a:solidFill>
@@ -5721,7 +6503,9 @@
               </a:rPr>
               <a:t>2. order HP</a:t>
             </a:r>
-            <a:endParaRPr b="0" lang="en-US" sz="1800" spc="-1" strike="noStrike">
+          </a:p>
+          <a:p>
+            <a:endParaRPr lang="en-US" sz="1800" b="0" strike="noStrike" spc="-1">
               <a:solidFill>
                 <a:srgbClr val="404040"/>
               </a:solidFill>
@@ -5729,7 +6513,7 @@
             </a:endParaRPr>
           </a:p>
           <a:p>
-            <a:endParaRPr b="0" lang="en-US" sz="1800" spc="-1" strike="noStrike">
+            <a:endParaRPr lang="en-US" sz="1800" b="0" strike="noStrike" spc="-1">
               <a:solidFill>
                 <a:srgbClr val="404040"/>
               </a:solidFill>
@@ -5737,15 +6521,7 @@
             </a:endParaRPr>
           </a:p>
           <a:p>
-            <a:endParaRPr b="0" lang="en-US" sz="1800" spc="-1" strike="noStrike">
-              <a:solidFill>
-                <a:srgbClr val="404040"/>
-              </a:solidFill>
-              <a:latin typeface="Calibri"/>
-            </a:endParaRPr>
-          </a:p>
-          <a:p>
-            <a:pPr lvl="1" marL="384120" indent="-182520">
+            <a:pPr marL="384120" lvl="1" indent="-182520">
               <a:lnSpc>
                 <a:spcPct val="90000"/>
               </a:lnSpc>
@@ -5756,13 +6532,13 @@
                 <a:spcPts val="400"/>
               </a:spcAft>
               <a:buClr>
-                <a:srgbClr val="1cade4"/>
+                <a:srgbClr val="1CADE4"/>
               </a:buClr>
               <a:buFont typeface="Calibri"/>
               <a:buChar char="◦"/>
             </a:pPr>
             <a:r>
-              <a:rPr b="0" lang="en-US" sz="1800" spc="-1" strike="noStrike">
+              <a:rPr lang="en-US" sz="1800" b="0" strike="noStrike" spc="-1">
                 <a:solidFill>
                   <a:srgbClr val="404040"/>
                 </a:solidFill>
@@ -5770,15 +6546,9 @@
               </a:rPr>
               <a:t>Drive Unit</a:t>
             </a:r>
-            <a:endParaRPr b="0" lang="en-US" sz="1800" spc="-1" strike="noStrike">
-              <a:solidFill>
-                <a:srgbClr val="404040"/>
-              </a:solidFill>
-              <a:latin typeface="Calibri"/>
-            </a:endParaRPr>
-          </a:p>
-          <a:p>
-            <a:pPr lvl="2" marL="567000" indent="-182520">
+          </a:p>
+          <a:p>
+            <a:pPr marL="567000" lvl="2" indent="-182520">
               <a:lnSpc>
                 <a:spcPct val="90000"/>
               </a:lnSpc>
@@ -5789,13 +6559,13 @@
                 <a:spcPts val="400"/>
               </a:spcAft>
               <a:buClr>
-                <a:srgbClr val="1cade4"/>
+                <a:srgbClr val="1CADE4"/>
               </a:buClr>
               <a:buFont typeface="Calibri"/>
               <a:buChar char="◦"/>
             </a:pPr>
             <a:r>
-              <a:rPr b="0" lang="en-US" sz="1400" spc="-1" strike="noStrike">
+              <a:rPr lang="en-US" sz="1400" b="0" strike="noStrike" spc="-1">
                 <a:solidFill>
                   <a:srgbClr val="404040"/>
                 </a:solidFill>
@@ -5803,7 +6573,9 @@
               </a:rPr>
               <a:t>Infinite enclosure</a:t>
             </a:r>
-            <a:endParaRPr b="0" lang="en-US" sz="1400" spc="-1" strike="noStrike">
+          </a:p>
+          <a:p>
+            <a:endParaRPr lang="en-US" sz="1400" b="0" strike="noStrike" spc="-1">
               <a:solidFill>
                 <a:srgbClr val="404040"/>
               </a:solidFill>
@@ -5811,7 +6583,7 @@
             </a:endParaRPr>
           </a:p>
           <a:p>
-            <a:endParaRPr b="0" lang="en-US" sz="1400" spc="-1" strike="noStrike">
+            <a:endParaRPr lang="en-US" sz="1400" b="0" strike="noStrike" spc="-1">
               <a:solidFill>
                 <a:srgbClr val="404040"/>
               </a:solidFill>
@@ -5819,7 +6591,7 @@
             </a:endParaRPr>
           </a:p>
           <a:p>
-            <a:endParaRPr b="0" lang="en-US" sz="1400" spc="-1" strike="noStrike">
+            <a:endParaRPr lang="en-US" sz="1400" b="0" strike="noStrike" spc="-1">
               <a:solidFill>
                 <a:srgbClr val="404040"/>
               </a:solidFill>
@@ -5827,15 +6599,7 @@
             </a:endParaRPr>
           </a:p>
           <a:p>
-            <a:endParaRPr b="0" lang="en-US" sz="1400" spc="-1" strike="noStrike">
-              <a:solidFill>
-                <a:srgbClr val="404040"/>
-              </a:solidFill>
-              <a:latin typeface="Calibri"/>
-            </a:endParaRPr>
-          </a:p>
-          <a:p>
-            <a:pPr lvl="1" marL="384120" indent="-182520">
+            <a:pPr marL="384120" lvl="1" indent="-182520">
               <a:lnSpc>
                 <a:spcPct val="90000"/>
               </a:lnSpc>
@@ -5846,13 +6610,13 @@
                 <a:spcPts val="400"/>
               </a:spcAft>
               <a:buClr>
-                <a:srgbClr val="1cade4"/>
+                <a:srgbClr val="1CADE4"/>
               </a:buClr>
               <a:buFont typeface="Calibri"/>
               <a:buChar char="◦"/>
             </a:pPr>
             <a:r>
-              <a:rPr b="0" lang="en-US" sz="1800" spc="-1" strike="noStrike">
+              <a:rPr lang="en-US" sz="1800" b="0" strike="noStrike" spc="-1">
                 <a:solidFill>
                   <a:srgbClr val="404040"/>
                 </a:solidFill>
@@ -5860,15 +6624,9 @@
               </a:rPr>
               <a:t>Cross-over filter</a:t>
             </a:r>
-            <a:endParaRPr b="0" lang="en-US" sz="1800" spc="-1" strike="noStrike">
-              <a:solidFill>
-                <a:srgbClr val="404040"/>
-              </a:solidFill>
-              <a:latin typeface="Calibri"/>
-            </a:endParaRPr>
-          </a:p>
-          <a:p>
-            <a:pPr lvl="1" marL="384120" indent="-182520">
+          </a:p>
+          <a:p>
+            <a:pPr marL="384120" lvl="1" indent="-182520">
               <a:lnSpc>
                 <a:spcPct val="90000"/>
               </a:lnSpc>
@@ -5879,13 +6637,13 @@
                 <a:spcPts val="400"/>
               </a:spcAft>
               <a:buClr>
-                <a:srgbClr val="1cade4"/>
+                <a:srgbClr val="1CADE4"/>
               </a:buClr>
               <a:buFont typeface="Calibri"/>
               <a:buChar char="◦"/>
             </a:pPr>
             <a:r>
-              <a:rPr b="0" lang="en-US" sz="1800" spc="-1" strike="noStrike">
+              <a:rPr lang="en-US" sz="1800" b="0" strike="noStrike" spc="-1">
                 <a:solidFill>
                   <a:srgbClr val="404040"/>
                 </a:solidFill>
@@ -5893,12 +6651,6 @@
               </a:rPr>
               <a:t>Bass reflex</a:t>
             </a:r>
-            <a:endParaRPr b="0" lang="en-US" sz="1800" spc="-1" strike="noStrike">
-              <a:solidFill>
-                <a:srgbClr val="404040"/>
-              </a:solidFill>
-              <a:latin typeface="Calibri"/>
-            </a:endParaRPr>
           </a:p>
           <a:p>
             <a:pPr>
@@ -5912,7 +6664,7 @@
                 <a:spcPts val="201"/>
               </a:spcAft>
             </a:pPr>
-            <a:endParaRPr b="0" lang="en-US" sz="1800" spc="-1" strike="noStrike">
+            <a:endParaRPr lang="en-US" sz="1800" b="0" strike="noStrike" spc="-1">
               <a:solidFill>
                 <a:srgbClr val="404040"/>
               </a:solidFill>
@@ -5923,12 +6675,12 @@
       </p:sp>
       <p:pic>
         <p:nvPicPr>
-          <p:cNvPr id="103" name="Picture 3" descr=""/>
+          <p:cNvPr id="103" name="Picture 3"/>
           <p:cNvPicPr/>
           <p:nvPr/>
         </p:nvPicPr>
         <p:blipFill>
-          <a:blip r:embed="rId1"/>
+          <a:blip r:embed="rId3"/>
           <a:stretch/>
         </p:blipFill>
         <p:spPr>
@@ -5946,17 +6698,17 @@
       </p:pic>
       <p:pic>
         <p:nvPicPr>
-          <p:cNvPr id="104" name="Picture 5" descr=""/>
+          <p:cNvPr id="104" name="Picture 5"/>
           <p:cNvPicPr/>
           <p:nvPr/>
         </p:nvPicPr>
         <p:blipFill>
-          <a:blip r:embed="rId2"/>
+          <a:blip r:embed="rId4"/>
           <a:stretch/>
         </p:blipFill>
         <p:spPr>
           <a:xfrm>
-            <a:off x="1657440" y="4329720"/>
+            <a:off x="1648109" y="4423027"/>
             <a:ext cx="4771800" cy="618840"/>
           </a:xfrm>
           <a:prstGeom prst="rect">
@@ -5967,24 +6719,57 @@
           </a:ln>
         </p:spPr>
       </p:pic>
+      <p:pic>
+        <p:nvPicPr>
+          <p:cNvPr id="2" name="Picture 1">
+            <a:extLst>
+              <a:ext uri="{FF2B5EF4-FFF2-40B4-BE49-F238E27FC236}">
+                <a16:creationId xmlns:a16="http://schemas.microsoft.com/office/drawing/2014/main" id="{5ED7E296-5A65-47D3-A635-27B37A220F1F}"/>
+              </a:ext>
+            </a:extLst>
+          </p:cNvPr>
+          <p:cNvPicPr>
+            <a:picLocks noChangeAspect="1"/>
+          </p:cNvPicPr>
+          <p:nvPr/>
+        </p:nvPicPr>
+        <p:blipFill>
+          <a:blip r:embed="rId5"/>
+          <a:stretch>
+            <a:fillRect/>
+          </a:stretch>
+        </p:blipFill>
+        <p:spPr>
+          <a:xfrm>
+            <a:off x="5688334" y="1938796"/>
+            <a:ext cx="5466986" cy="1834437"/>
+          </a:xfrm>
+          <a:prstGeom prst="rect">
+            <a:avLst/>
+          </a:prstGeom>
+        </p:spPr>
+      </p:pic>
     </p:spTree>
   </p:cSld>
+  <p:clrMapOvr>
+    <a:masterClrMapping/>
+  </p:clrMapOvr>
   <p:timing>
     <p:tnLst>
       <p:par>
-        <p:cTn id="5" dur="indefinite" restart="never" nodeType="tmRoot">
+        <p:cTn id="1" dur="indefinite" restart="never" nodeType="tmRoot">
           <p:childTnLst>
             <p:seq>
-              <p:cTn id="6" dur="indefinite" nodeType="mainSeq"/>
+              <p:cTn id="2" dur="indefinite" nodeType="mainSeq"/>
               <p:prevCondLst>
-                <p:cond delay="0" evt="onPrev">
+                <p:cond evt="onPrev" delay="0">
                   <p:tgtEl>
                     <p:sldTgt/>
                   </p:tgtEl>
                 </p:cond>
               </p:prevCondLst>
               <p:nextCondLst>
-                <p:cond delay="0" evt="onNext">
+                <p:cond evt="onNext" delay="0">
                   <p:tgtEl>
                     <p:sldTgt/>
                   </p:tgtEl>
@@ -6000,7 +6785,7 @@
 </file>
 
 <file path=ppt/slides/slide4.xml><?xml version="1.0" encoding="utf-8"?>
-<p:sld xmlns:a="http://schemas.openxmlformats.org/drawingml/2006/main" xmlns:p="http://schemas.openxmlformats.org/presentationml/2006/main" xmlns:r="http://schemas.openxmlformats.org/officeDocument/2006/relationships" xmlns:p14="http://schemas.microsoft.com/office/powerpoint/2010/main" xmlns:p15="http://schemas.microsoft.com/office/powerpoint/2012/main" xmlns:mc="http://schemas.openxmlformats.org/markup-compatibility/2006">
+<p:sld xmlns:a="http://schemas.openxmlformats.org/drawingml/2006/main" xmlns:r="http://schemas.openxmlformats.org/officeDocument/2006/relationships" xmlns:p="http://schemas.openxmlformats.org/presentationml/2006/main">
   <p:cSld>
     <p:spTree>
       <p:nvGrpSpPr>
@@ -6037,6 +6822,7 @@
         </p:spPr>
         <p:txBody>
           <a:bodyPr anchor="b"/>
+          <a:lstStyle/>
           <a:p>
             <a:pPr>
               <a:lnSpc>
@@ -6044,7 +6830,7 @@
               </a:lnSpc>
             </a:pPr>
             <a:r>
-              <a:rPr b="0" lang="en-US" sz="4800" spc="-49" strike="noStrike">
+              <a:rPr lang="en-US" sz="4800" b="0" strike="noStrike" spc="-49">
                 <a:solidFill>
                   <a:srgbClr val="404040"/>
                 </a:solidFill>
@@ -6052,7 +6838,7 @@
               </a:rPr>
               <a:t>Design</a:t>
             </a:r>
-            <a:endParaRPr b="0" lang="en-US" sz="4800" spc="-1" strike="noStrike">
+            <a:endParaRPr lang="en-US" sz="4800" b="0" strike="noStrike" spc="-1">
               <a:solidFill>
                 <a:srgbClr val="000000"/>
               </a:solidFill>
@@ -6082,6 +6868,7 @@
         </p:spPr>
         <p:txBody>
           <a:bodyPr lIns="0" rIns="0"/>
+          <a:lstStyle/>
           <a:p>
             <a:pPr marL="91440" indent="-91080">
               <a:lnSpc>
@@ -6094,13 +6881,13 @@
                 <a:spcPts val="201"/>
               </a:spcAft>
               <a:buClr>
-                <a:srgbClr val="1cade4"/>
+                <a:srgbClr val="1CADE4"/>
               </a:buClr>
               <a:buFont typeface="Calibri"/>
               <a:buChar char=" "/>
             </a:pPr>
             <a:r>
-              <a:rPr b="0" lang="en-US" sz="2000" spc="-1" strike="noStrike">
+              <a:rPr lang="en-US" sz="2000" b="0" strike="noStrike" spc="-1">
                 <a:solidFill>
                   <a:srgbClr val="404040"/>
                 </a:solidFill>
@@ -6108,12 +6895,6 @@
               </a:rPr>
               <a:t>Matlab vs. Spice</a:t>
             </a:r>
-            <a:endParaRPr b="0" lang="en-US" sz="2000" spc="-1" strike="noStrike">
-              <a:solidFill>
-                <a:srgbClr val="404040"/>
-              </a:solidFill>
-              <a:latin typeface="Calibri"/>
-            </a:endParaRPr>
           </a:p>
           <a:p>
             <a:pPr marL="91440" indent="-91080">
@@ -6127,13 +6908,13 @@
                 <a:spcPts val="201"/>
               </a:spcAft>
               <a:buClr>
-                <a:srgbClr val="1cade4"/>
+                <a:srgbClr val="1CADE4"/>
               </a:buClr>
               <a:buFont typeface="Calibri"/>
               <a:buChar char=" "/>
             </a:pPr>
             <a:r>
-              <a:rPr b="0" lang="en-US" sz="2000" spc="-1" strike="noStrike">
+              <a:rPr lang="en-US" sz="2000" b="0" strike="noStrike" spc="-1">
                 <a:solidFill>
                   <a:srgbClr val="404040"/>
                 </a:solidFill>
@@ -6141,29 +6922,23 @@
               </a:rPr>
               <a:t>Why Classes?</a:t>
             </a:r>
-            <a:endParaRPr b="0" lang="en-US" sz="2000" spc="-1" strike="noStrike">
-              <a:solidFill>
-                <a:srgbClr val="404040"/>
-              </a:solidFill>
-              <a:latin typeface="Calibri"/>
-            </a:endParaRPr>
           </a:p>
         </p:txBody>
       </p:sp>
       <p:pic>
         <p:nvPicPr>
-          <p:cNvPr id="107" name="" descr=""/>
+          <p:cNvPr id="107" name="Picture 106"/>
           <p:cNvPicPr/>
           <p:nvPr/>
         </p:nvPicPr>
         <p:blipFill>
-          <a:blip r:embed="rId1"/>
+          <a:blip r:embed="rId3"/>
           <a:stretch/>
         </p:blipFill>
         <p:spPr>
           <a:xfrm>
-            <a:off x="7772400" y="3200400"/>
-            <a:ext cx="4023360" cy="3072960"/>
+            <a:off x="7750080" y="3200400"/>
+            <a:ext cx="4012163" cy="3017520"/>
           </a:xfrm>
           <a:prstGeom prst="rect">
             <a:avLst/>
@@ -6175,12 +6950,12 @@
       </p:pic>
       <p:pic>
         <p:nvPicPr>
-          <p:cNvPr id="108" name="" descr=""/>
+          <p:cNvPr id="108" name="Picture 107"/>
           <p:cNvPicPr/>
           <p:nvPr/>
         </p:nvPicPr>
         <p:blipFill>
-          <a:blip r:embed="rId2"/>
+          <a:blip r:embed="rId4"/>
           <a:stretch/>
         </p:blipFill>
         <p:spPr>
@@ -6198,22 +6973,25 @@
       </p:pic>
     </p:spTree>
   </p:cSld>
+  <p:clrMapOvr>
+    <a:masterClrMapping/>
+  </p:clrMapOvr>
   <p:timing>
     <p:tnLst>
       <p:par>
-        <p:cTn id="7" dur="indefinite" restart="never" nodeType="tmRoot">
+        <p:cTn id="1" dur="indefinite" restart="never" nodeType="tmRoot">
           <p:childTnLst>
             <p:seq>
-              <p:cTn id="8" dur="indefinite" nodeType="mainSeq"/>
+              <p:cTn id="2" dur="indefinite" nodeType="mainSeq"/>
               <p:prevCondLst>
-                <p:cond delay="0" evt="onPrev">
+                <p:cond evt="onPrev" delay="0">
                   <p:tgtEl>
                     <p:sldTgt/>
                   </p:tgtEl>
                 </p:cond>
               </p:prevCondLst>
               <p:nextCondLst>
-                <p:cond delay="0" evt="onNext">
+                <p:cond evt="onNext" delay="0">
                   <p:tgtEl>
                     <p:sldTgt/>
                   </p:tgtEl>
@@ -6229,7 +7007,7 @@
 </file>
 
 <file path=ppt/slides/slide5.xml><?xml version="1.0" encoding="utf-8"?>
-<p:sld xmlns:a="http://schemas.openxmlformats.org/drawingml/2006/main" xmlns:p="http://schemas.openxmlformats.org/presentationml/2006/main" xmlns:r="http://schemas.openxmlformats.org/officeDocument/2006/relationships" xmlns:p14="http://schemas.microsoft.com/office/powerpoint/2010/main" xmlns:p15="http://schemas.microsoft.com/office/powerpoint/2012/main" xmlns:mc="http://schemas.openxmlformats.org/markup-compatibility/2006">
+<p:sld xmlns:a="http://schemas.openxmlformats.org/drawingml/2006/main" xmlns:r="http://schemas.openxmlformats.org/officeDocument/2006/relationships" xmlns:p="http://schemas.openxmlformats.org/presentationml/2006/main">
   <p:cSld>
     <p:spTree>
       <p:nvGrpSpPr>
@@ -6266,6 +7044,7 @@
         </p:spPr>
         <p:txBody>
           <a:bodyPr anchor="b"/>
+          <a:lstStyle/>
           <a:p>
             <a:pPr>
               <a:lnSpc>
@@ -6273,7 +7052,7 @@
               </a:lnSpc>
             </a:pPr>
             <a:r>
-              <a:rPr b="0" lang="en-US" sz="4800" spc="-49" strike="noStrike">
+              <a:rPr lang="en-US" sz="4800" b="0" strike="noStrike" spc="-49">
                 <a:solidFill>
                   <a:srgbClr val="404040"/>
                 </a:solidFill>
@@ -6281,7 +7060,7 @@
               </a:rPr>
               <a:t>Measurement Setup</a:t>
             </a:r>
-            <a:endParaRPr b="0" lang="en-US" sz="4800" spc="-1" strike="noStrike">
+            <a:endParaRPr lang="en-US" sz="4800" b="0" strike="noStrike" spc="-1">
               <a:solidFill>
                 <a:srgbClr val="000000"/>
               </a:solidFill>
@@ -6311,6 +7090,7 @@
         </p:spPr>
         <p:txBody>
           <a:bodyPr lIns="0" rIns="0"/>
+          <a:lstStyle/>
           <a:p>
             <a:pPr marL="91440" indent="-91080">
               <a:lnSpc>
@@ -6323,13 +7103,13 @@
                 <a:spcPts val="201"/>
               </a:spcAft>
               <a:buClr>
-                <a:srgbClr val="1cade4"/>
+                <a:srgbClr val="1CADE4"/>
               </a:buClr>
               <a:buFont typeface="Calibri"/>
               <a:buChar char=" "/>
             </a:pPr>
             <a:r>
-              <a:rPr b="0" lang="en-US" sz="2000" spc="-1" strike="noStrike">
+              <a:rPr lang="en-US" sz="2000" b="0" strike="noStrike" spc="-1">
                 <a:solidFill>
                   <a:srgbClr val="404040"/>
                 </a:solidFill>
@@ -6337,12 +7117,6 @@
               </a:rPr>
               <a:t>Equipment </a:t>
             </a:r>
-            <a:endParaRPr b="0" lang="en-US" sz="2000" spc="-1" strike="noStrike">
-              <a:solidFill>
-                <a:srgbClr val="404040"/>
-              </a:solidFill>
-              <a:latin typeface="Calibri"/>
-            </a:endParaRPr>
           </a:p>
           <a:p>
             <a:pPr marL="91440" indent="-91080">
@@ -6356,13 +7130,13 @@
                 <a:spcPts val="201"/>
               </a:spcAft>
               <a:buClr>
-                <a:srgbClr val="1cade4"/>
+                <a:srgbClr val="1CADE4"/>
               </a:buClr>
               <a:buFont typeface="Calibri"/>
               <a:buChar char=" "/>
             </a:pPr>
             <a:r>
-              <a:rPr b="0" lang="en-US" sz="2000" spc="-1" strike="noStrike">
+              <a:rPr lang="en-US" sz="2000" b="0" strike="noStrike" spc="-1">
                 <a:solidFill>
                   <a:srgbClr val="404040"/>
                 </a:solidFill>
@@ -6370,12 +7144,6 @@
               </a:rPr>
               <a:t>Reflection on results</a:t>
             </a:r>
-            <a:endParaRPr b="0" lang="en-US" sz="2000" spc="-1" strike="noStrike">
-              <a:solidFill>
-                <a:srgbClr val="404040"/>
-              </a:solidFill>
-              <a:latin typeface="Calibri"/>
-            </a:endParaRPr>
           </a:p>
           <a:p>
             <a:pPr>
@@ -6389,7 +7157,7 @@
                 <a:spcPts val="201"/>
               </a:spcAft>
             </a:pPr>
-            <a:endParaRPr b="0" lang="en-US" sz="2000" spc="-1" strike="noStrike">
+            <a:endParaRPr lang="en-US" sz="2000" b="0" strike="noStrike" spc="-1">
               <a:solidFill>
                 <a:srgbClr val="404040"/>
               </a:solidFill>
@@ -6400,65 +7168,65 @@
       </p:sp>
       <p:pic>
         <p:nvPicPr>
-          <p:cNvPr id="111" name="Picture 4" descr=""/>
-          <p:cNvPicPr/>
-          <p:nvPr/>
-        </p:nvPicPr>
-        <p:blipFill>
-          <a:blip r:embed="rId1"/>
-          <a:stretch/>
-        </p:blipFill>
-        <p:spPr>
-          <a:xfrm>
-            <a:off x="1188720" y="2923560"/>
-            <a:ext cx="3904920" cy="2928600"/>
-          </a:xfrm>
-          <a:prstGeom prst="rect">
-            <a:avLst/>
-          </a:prstGeom>
-          <a:ln>
-            <a:noFill/>
-          </a:ln>
-        </p:spPr>
-      </p:pic>
-      <p:pic>
-        <p:nvPicPr>
-          <p:cNvPr id="112" name="" descr=""/>
-          <p:cNvPicPr/>
-          <p:nvPr/>
-        </p:nvPicPr>
-        <p:blipFill>
-          <a:blip r:embed="rId2"/>
-          <a:srcRect l="17165" t="30941" r="17258" b="29338"/>
-          <a:stretch/>
-        </p:blipFill>
-        <p:spPr>
-          <a:xfrm>
-            <a:off x="5486760" y="1973160"/>
-            <a:ext cx="5107680" cy="4003560"/>
-          </a:xfrm>
-          <a:prstGeom prst="rect">
-            <a:avLst/>
-          </a:prstGeom>
-          <a:ln>
-            <a:noFill/>
-          </a:ln>
-        </p:spPr>
-      </p:pic>
-      <p:pic>
-        <p:nvPicPr>
-          <p:cNvPr id="113" name="" descr=""/>
+          <p:cNvPr id="111" name="Picture 4"/>
           <p:cNvPicPr/>
           <p:nvPr/>
         </p:nvPicPr>
         <p:blipFill>
           <a:blip r:embed="rId3"/>
+          <a:stretch/>
+        </p:blipFill>
+        <p:spPr>
+          <a:xfrm>
+            <a:off x="1188720" y="2923560"/>
+            <a:ext cx="3904920" cy="2928600"/>
+          </a:xfrm>
+          <a:prstGeom prst="rect">
+            <a:avLst/>
+          </a:prstGeom>
+          <a:ln>
+            <a:noFill/>
+          </a:ln>
+        </p:spPr>
+      </p:pic>
+      <p:pic>
+        <p:nvPicPr>
+          <p:cNvPr id="112" name="Picture 111"/>
+          <p:cNvPicPr/>
+          <p:nvPr/>
+        </p:nvPicPr>
+        <p:blipFill>
+          <a:blip r:embed="rId4"/>
+          <a:srcRect l="17165" t="30941" r="17258" b="29338"/>
+          <a:stretch/>
+        </p:blipFill>
+        <p:spPr>
+          <a:xfrm>
+            <a:off x="5987040" y="2057136"/>
+            <a:ext cx="5107680" cy="4003560"/>
+          </a:xfrm>
+          <a:prstGeom prst="rect">
+            <a:avLst/>
+          </a:prstGeom>
+          <a:ln>
+            <a:noFill/>
+          </a:ln>
+        </p:spPr>
+      </p:pic>
+      <p:pic>
+        <p:nvPicPr>
+          <p:cNvPr id="113" name="Picture 112"/>
+          <p:cNvPicPr/>
+          <p:nvPr/>
+        </p:nvPicPr>
+        <p:blipFill>
+          <a:blip r:embed="rId5"/>
           <a:srcRect l="17415" t="31586" r="18731" b="28654"/>
           <a:stretch/>
         </p:blipFill>
         <p:spPr>
           <a:xfrm>
-            <a:off x="1188720" y="2814120"/>
+            <a:off x="1266660" y="2916702"/>
             <a:ext cx="3749040" cy="3020760"/>
           </a:xfrm>
           <a:prstGeom prst="rect">
@@ -6471,35 +7239,38 @@
       </p:pic>
     </p:spTree>
   </p:cSld>
+  <p:clrMapOvr>
+    <a:masterClrMapping/>
+  </p:clrMapOvr>
   <p:timing>
     <p:tnLst>
       <p:par>
-        <p:cTn id="9" dur="indefinite" restart="never" nodeType="tmRoot">
+        <p:cTn id="1" dur="indefinite" restart="never" nodeType="tmRoot">
           <p:childTnLst>
             <p:seq>
-              <p:cTn id="10" dur="indefinite" nodeType="mainSeq">
+              <p:cTn id="2" dur="indefinite" nodeType="mainSeq">
                 <p:childTnLst>
                   <p:par>
-                    <p:cTn id="11" fill="hold">
+                    <p:cTn id="3" fill="hold">
                       <p:stCondLst>
                         <p:cond delay="indefinite"/>
                       </p:stCondLst>
                       <p:childTnLst>
                         <p:par>
-                          <p:cTn id="12" fill="hold">
+                          <p:cTn id="4" fill="hold">
                             <p:stCondLst>
                               <p:cond delay="0"/>
                             </p:stCondLst>
                             <p:childTnLst>
                               <p:par>
-                                <p:cTn id="13" nodeType="clickEffect" fill="hold" presetClass="exit" presetID="1">
+                                <p:cTn id="5" presetID="1" presetClass="exit" fill="hold" nodeType="clickEffect">
                                   <p:stCondLst>
                                     <p:cond delay="0"/>
                                   </p:stCondLst>
                                   <p:childTnLst>
                                     <p:set>
                                       <p:cBhvr>
-                                        <p:cTn id="14" dur="1" fill="hold">
+                                        <p:cTn id="6" dur="1" fill="hold">
                                           <p:stCondLst>
                                             <p:cond delay="0"/>
                                           </p:stCondLst>
@@ -6525,26 +7296,26 @@
                     </p:cTn>
                   </p:par>
                   <p:par>
-                    <p:cTn id="15" fill="hold">
+                    <p:cTn id="7" fill="hold">
                       <p:stCondLst>
                         <p:cond delay="indefinite"/>
                       </p:stCondLst>
                       <p:childTnLst>
                         <p:par>
-                          <p:cTn id="16" fill="hold">
+                          <p:cTn id="8" fill="hold">
                             <p:stCondLst>
                               <p:cond delay="0"/>
                             </p:stCondLst>
                             <p:childTnLst>
                               <p:par>
-                                <p:cTn id="17" nodeType="clickEffect" fill="hold" presetClass="entr" presetID="1">
+                                <p:cTn id="9" presetID="1" presetClass="entr" fill="hold" nodeType="clickEffect">
                                   <p:stCondLst>
                                     <p:cond delay="0"/>
                                   </p:stCondLst>
                                   <p:childTnLst>
                                     <p:set>
                                       <p:cBhvr>
-                                        <p:cTn id="18" dur="1" fill="hold">
+                                        <p:cTn id="10" dur="1" fill="hold">
                                           <p:stCondLst>
                                             <p:cond delay="0"/>
                                           </p:stCondLst>
@@ -6572,14 +7343,14 @@
                 </p:childTnLst>
               </p:cTn>
               <p:prevCondLst>
-                <p:cond delay="0" evt="onPrev">
+                <p:cond evt="onPrev" delay="0">
                   <p:tgtEl>
                     <p:sldTgt/>
                   </p:tgtEl>
                 </p:cond>
               </p:prevCondLst>
               <p:nextCondLst>
-                <p:cond delay="0" evt="onNext">
+                <p:cond evt="onNext" delay="0">
                   <p:tgtEl>
                     <p:sldTgt/>
                   </p:tgtEl>
@@ -6595,7 +7366,7 @@
 </file>
 
 <file path=ppt/slides/slide6.xml><?xml version="1.0" encoding="utf-8"?>
-<p:sld xmlns:a="http://schemas.openxmlformats.org/drawingml/2006/main" xmlns:p="http://schemas.openxmlformats.org/presentationml/2006/main" xmlns:r="http://schemas.openxmlformats.org/officeDocument/2006/relationships" xmlns:p14="http://schemas.microsoft.com/office/powerpoint/2010/main" xmlns:p15="http://schemas.microsoft.com/office/powerpoint/2012/main" xmlns:mc="http://schemas.openxmlformats.org/markup-compatibility/2006">
+<p:sld xmlns:a="http://schemas.openxmlformats.org/drawingml/2006/main" xmlns:r="http://schemas.openxmlformats.org/officeDocument/2006/relationships" xmlns:p="http://schemas.openxmlformats.org/presentationml/2006/main">
   <p:cSld>
     <p:spTree>
       <p:nvGrpSpPr>
@@ -6632,6 +7403,7 @@
         </p:spPr>
         <p:txBody>
           <a:bodyPr anchor="b"/>
+          <a:lstStyle/>
           <a:p>
             <a:pPr>
               <a:lnSpc>
@@ -6639,7 +7411,7 @@
               </a:lnSpc>
             </a:pPr>
             <a:r>
-              <a:rPr b="0" lang="en-US" sz="4800" spc="-49" strike="noStrike">
+              <a:rPr lang="en-US" sz="4800" b="0" strike="noStrike" spc="-49">
                 <a:solidFill>
                   <a:srgbClr val="404040"/>
                 </a:solidFill>
@@ -6647,7 +7419,7 @@
               </a:rPr>
               <a:t>Results</a:t>
             </a:r>
-            <a:endParaRPr b="0" lang="en-US" sz="4800" spc="-1" strike="noStrike">
+            <a:endParaRPr lang="en-US" sz="4800" b="0" strike="noStrike" spc="-1">
               <a:solidFill>
                 <a:srgbClr val="000000"/>
               </a:solidFill>
@@ -6677,6 +7449,7 @@
         </p:spPr>
         <p:txBody>
           <a:bodyPr lIns="0" rIns="0"/>
+          <a:lstStyle/>
           <a:p>
             <a:pPr marL="91440" indent="-91080">
               <a:lnSpc>
@@ -6689,13 +7462,13 @@
                 <a:spcPts val="201"/>
               </a:spcAft>
               <a:buClr>
-                <a:srgbClr val="1cade4"/>
+                <a:srgbClr val="1CADE4"/>
               </a:buClr>
               <a:buFont typeface="Calibri"/>
               <a:buChar char=" "/>
             </a:pPr>
             <a:r>
-              <a:rPr b="0" lang="en-US" sz="2000" spc="-1" strike="noStrike">
+              <a:rPr lang="en-US" sz="2000" b="0" strike="noStrike" spc="-1">
                 <a:solidFill>
                   <a:srgbClr val="404040"/>
                 </a:solidFill>
@@ -6703,29 +7476,23 @@
               </a:rPr>
               <a:t>Comparison of model and measurements</a:t>
             </a:r>
-            <a:endParaRPr b="0" lang="en-US" sz="2000" spc="-1" strike="noStrike">
-              <a:solidFill>
-                <a:srgbClr val="404040"/>
-              </a:solidFill>
-              <a:latin typeface="Calibri"/>
-            </a:endParaRPr>
           </a:p>
         </p:txBody>
       </p:sp>
       <p:pic>
         <p:nvPicPr>
-          <p:cNvPr id="116" name="" descr=""/>
+          <p:cNvPr id="116" name="Picture 115"/>
           <p:cNvPicPr/>
           <p:nvPr/>
         </p:nvPicPr>
         <p:blipFill>
-          <a:blip r:embed="rId1"/>
+          <a:blip r:embed="rId3"/>
           <a:srcRect l="17036" t="29986" r="19115" b="30007"/>
           <a:stretch/>
         </p:blipFill>
         <p:spPr>
           <a:xfrm>
-            <a:off x="1097640" y="2469240"/>
+            <a:off x="1041660" y="2469240"/>
             <a:ext cx="4397760" cy="3565800"/>
           </a:xfrm>
           <a:prstGeom prst="rect">
@@ -6738,18 +7505,18 @@
       </p:pic>
       <p:pic>
         <p:nvPicPr>
-          <p:cNvPr id="117" name="" descr=""/>
+          <p:cNvPr id="117" name="Picture 116"/>
           <p:cNvPicPr/>
           <p:nvPr/>
         </p:nvPicPr>
         <p:blipFill>
-          <a:blip r:embed="rId2"/>
+          <a:blip r:embed="rId4"/>
           <a:srcRect l="16207" t="30004" r="18217" b="28654"/>
           <a:stretch/>
         </p:blipFill>
         <p:spPr>
           <a:xfrm>
-            <a:off x="6217920" y="2504880"/>
+            <a:off x="6126300" y="2469240"/>
             <a:ext cx="4512600" cy="3681720"/>
           </a:xfrm>
           <a:prstGeom prst="rect">
@@ -6762,22 +7529,25 @@
       </p:pic>
     </p:spTree>
   </p:cSld>
+  <p:clrMapOvr>
+    <a:masterClrMapping/>
+  </p:clrMapOvr>
   <p:timing>
     <p:tnLst>
       <p:par>
-        <p:cTn id="19" dur="indefinite" restart="never" nodeType="tmRoot">
+        <p:cTn id="1" dur="indefinite" restart="never" nodeType="tmRoot">
           <p:childTnLst>
             <p:seq>
-              <p:cTn id="20" dur="indefinite" nodeType="mainSeq"/>
+              <p:cTn id="2" dur="indefinite" nodeType="mainSeq"/>
               <p:prevCondLst>
-                <p:cond delay="0" evt="onPrev">
+                <p:cond evt="onPrev" delay="0">
                   <p:tgtEl>
                     <p:sldTgt/>
                   </p:tgtEl>
                 </p:cond>
               </p:prevCondLst>
               <p:nextCondLst>
-                <p:cond delay="0" evt="onNext">
+                <p:cond evt="onNext" delay="0">
                   <p:tgtEl>
                     <p:sldTgt/>
                   </p:tgtEl>
@@ -6806,31 +7576,31 @@
         <a:srgbClr val="344068"/>
       </a:dk2>
       <a:lt2>
-        <a:srgbClr val="d9e0e6"/>
+        <a:srgbClr val="D9E0E6"/>
       </a:lt2>
       <a:accent1>
-        <a:srgbClr val="1cade4"/>
+        <a:srgbClr val="1CADE4"/>
       </a:accent1>
       <a:accent2>
-        <a:srgbClr val="2683c6"/>
+        <a:srgbClr val="2683C6"/>
       </a:accent2>
       <a:accent3>
-        <a:srgbClr val="28c4cc"/>
+        <a:srgbClr val="28C4CC"/>
       </a:accent3>
       <a:accent4>
-        <a:srgbClr val="42ba97"/>
+        <a:srgbClr val="42BA97"/>
       </a:accent4>
       <a:accent5>
-        <a:srgbClr val="3e8853"/>
+        <a:srgbClr val="3E8853"/>
       </a:accent5>
       <a:accent6>
-        <a:srgbClr val="62a39f"/>
+        <a:srgbClr val="62A39F"/>
       </a:accent6>
       <a:hlink>
-        <a:srgbClr val="6eac1c"/>
+        <a:srgbClr val="6EAC1C"/>
       </a:hlink>
       <a:folHlink>
-        <a:srgbClr val="b26b02"/>
+        <a:srgbClr val="B26B02"/>
       </a:folHlink>
     </a:clrScheme>
     <a:fontScheme name="Office">
@@ -7012,6 +7782,8 @@
       </a:bgFillStyleLst>
     </a:fmtScheme>
   </a:themeElements>
+  <a:objectDefaults/>
+  <a:extraClrSchemeLst/>
 </a:theme>
 </file>
 
@@ -7029,31 +7801,31 @@
         <a:srgbClr val="344068"/>
       </a:dk2>
       <a:lt2>
-        <a:srgbClr val="d9e0e6"/>
+        <a:srgbClr val="D9E0E6"/>
       </a:lt2>
       <a:accent1>
-        <a:srgbClr val="1cade4"/>
+        <a:srgbClr val="1CADE4"/>
       </a:accent1>
       <a:accent2>
-        <a:srgbClr val="2683c6"/>
+        <a:srgbClr val="2683C6"/>
       </a:accent2>
       <a:accent3>
-        <a:srgbClr val="28c4cc"/>
+        <a:srgbClr val="28C4CC"/>
       </a:accent3>
       <a:accent4>
-        <a:srgbClr val="42ba97"/>
+        <a:srgbClr val="42BA97"/>
       </a:accent4>
       <a:accent5>
-        <a:srgbClr val="3e8853"/>
+        <a:srgbClr val="3E8853"/>
       </a:accent5>
       <a:accent6>
-        <a:srgbClr val="62a39f"/>
+        <a:srgbClr val="62A39F"/>
       </a:accent6>
       <a:hlink>
-        <a:srgbClr val="6eac1c"/>
+        <a:srgbClr val="6EAC1C"/>
       </a:hlink>
       <a:folHlink>
-        <a:srgbClr val="b26b02"/>
+        <a:srgbClr val="B26B02"/>
       </a:folHlink>
     </a:clrScheme>
     <a:fontScheme name="Office">
@@ -7235,6 +8007,8 @@
       </a:bgFillStyleLst>
     </a:fmtScheme>
   </a:themeElements>
+  <a:objectDefaults/>
+  <a:extraClrSchemeLst/>
 </a:theme>
 </file>
 
@@ -7252,31 +8026,31 @@
         <a:srgbClr val="344068"/>
       </a:dk2>
       <a:lt2>
-        <a:srgbClr val="d9e0e6"/>
+        <a:srgbClr val="D9E0E6"/>
       </a:lt2>
       <a:accent1>
-        <a:srgbClr val="1cade4"/>
+        <a:srgbClr val="1CADE4"/>
       </a:accent1>
       <a:accent2>
-        <a:srgbClr val="2683c6"/>
+        <a:srgbClr val="2683C6"/>
       </a:accent2>
       <a:accent3>
-        <a:srgbClr val="28c4cc"/>
+        <a:srgbClr val="28C4CC"/>
       </a:accent3>
       <a:accent4>
-        <a:srgbClr val="42ba97"/>
+        <a:srgbClr val="42BA97"/>
       </a:accent4>
       <a:accent5>
-        <a:srgbClr val="3e8853"/>
+        <a:srgbClr val="3E8853"/>
       </a:accent5>
       <a:accent6>
-        <a:srgbClr val="62a39f"/>
+        <a:srgbClr val="62A39F"/>
       </a:accent6>
       <a:hlink>
-        <a:srgbClr val="6eac1c"/>
+        <a:srgbClr val="6EAC1C"/>
       </a:hlink>
       <a:folHlink>
-        <a:srgbClr val="b26b02"/>
+        <a:srgbClr val="B26B02"/>
       </a:folHlink>
     </a:clrScheme>
     <a:fontScheme name="Office">
@@ -7458,5 +8232,7 @@
       </a:bgFillStyleLst>
     </a:fmtScheme>
   </a:themeElements>
+  <a:objectDefaults/>
+  <a:extraClrSchemeLst/>
 </a:theme>
 </file>
--- a/Presentation/Speaker Modelling.pptx
+++ b/Presentation/Speaker Modelling.pptx
@@ -113,6 +113,11 @@
       </a:defRPr>
     </a:lvl9pPr>
   </p:defaultTextStyle>
+  <p:extLst>
+    <p:ext uri="{EFAFB233-063F-42B5-8137-9DF3F51BA10A}">
+      <p15:sldGuideLst xmlns:p15="http://schemas.microsoft.com/office/powerpoint/2012/main"/>
+    </p:ext>
+  </p:extLst>
 </p:presentation>
 </file>
 
@@ -4473,7 +4478,7 @@
                 </a:solidFill>
                 <a:latin typeface="Calibri"/>
               </a:rPr>
-              <a:t>6/14/2018</a:t>
+              <a:t>6/15/2018</a:t>
             </a:fld>
             <a:endParaRPr lang="en" sz="900" b="0" strike="noStrike" spc="-1">
               <a:latin typeface="Times New Roman"/>
@@ -5444,7 +5449,7 @@
                 </a:solidFill>
                 <a:latin typeface="Calibri"/>
               </a:rPr>
-              <a:t>6/14/2018</a:t>
+              <a:t>6/15/2018</a:t>
             </a:fld>
             <a:endParaRPr lang="en" sz="900" b="0" strike="noStrike" spc="-1">
               <a:latin typeface="Times New Roman"/>
@@ -6721,10 +6726,10 @@
       </p:pic>
       <p:pic>
         <p:nvPicPr>
-          <p:cNvPr id="2" name="Picture 1">
+          <p:cNvPr id="4" name="Picture 3">
             <a:extLst>
               <a:ext uri="{FF2B5EF4-FFF2-40B4-BE49-F238E27FC236}">
-                <a16:creationId xmlns:a16="http://schemas.microsoft.com/office/drawing/2014/main" id="{5ED7E296-5A65-47D3-A635-27B37A220F1F}"/>
+                <a16:creationId xmlns:a16="http://schemas.microsoft.com/office/drawing/2014/main" id="{E2D71FE5-5A90-43C9-93FE-9FE857F27BFB}"/>
               </a:ext>
             </a:extLst>
           </p:cNvPr>
@@ -6734,15 +6739,21 @@
           <p:nvPr/>
         </p:nvPicPr>
         <p:blipFill>
-          <a:blip r:embed="rId5"/>
+          <a:blip r:embed="rId5">
+            <a:extLst>
+              <a:ext uri="{28A0092B-C50C-407E-A947-70E740481C1C}">
+                <a14:useLocalDpi xmlns:a14="http://schemas.microsoft.com/office/drawing/2010/main" val="0"/>
+              </a:ext>
+            </a:extLst>
+          </a:blip>
           <a:stretch>
             <a:fillRect/>
           </a:stretch>
         </p:blipFill>
         <p:spPr>
           <a:xfrm>
-            <a:off x="5688334" y="1938796"/>
-            <a:ext cx="5466986" cy="1834437"/>
+            <a:off x="5047325" y="1988383"/>
+            <a:ext cx="6107995" cy="1358075"/>
           </a:xfrm>
           <a:prstGeom prst="rect">
             <a:avLst/>
